--- a/Study/SkinningBindPose 애니메이션 다이어그램.pptx
+++ b/Study/SkinningBindPose 애니메이션 다이어그램.pptx
@@ -270,7 +270,7 @@
           <a:p>
             <a:fld id="{239F45E7-1C52-4AAC-B0A4-36F6340B1DC3}" type="datetimeFigureOut">
               <a:rPr lang="ko-KR" altLang="en-US" smtClean="0"/>
-              <a:t>2021-11-03</a:t>
+              <a:t>2021-11-04</a:t>
             </a:fld>
             <a:endParaRPr lang="ko-KR" altLang="en-US"/>
           </a:p>
@@ -468,7 +468,7 @@
           <a:p>
             <a:fld id="{239F45E7-1C52-4AAC-B0A4-36F6340B1DC3}" type="datetimeFigureOut">
               <a:rPr lang="ko-KR" altLang="en-US" smtClean="0"/>
-              <a:t>2021-11-03</a:t>
+              <a:t>2021-11-04</a:t>
             </a:fld>
             <a:endParaRPr lang="ko-KR" altLang="en-US"/>
           </a:p>
@@ -676,7 +676,7 @@
           <a:p>
             <a:fld id="{239F45E7-1C52-4AAC-B0A4-36F6340B1DC3}" type="datetimeFigureOut">
               <a:rPr lang="ko-KR" altLang="en-US" smtClean="0"/>
-              <a:t>2021-11-03</a:t>
+              <a:t>2021-11-04</a:t>
             </a:fld>
             <a:endParaRPr lang="ko-KR" altLang="en-US"/>
           </a:p>
@@ -874,7 +874,7 @@
           <a:p>
             <a:fld id="{239F45E7-1C52-4AAC-B0A4-36F6340B1DC3}" type="datetimeFigureOut">
               <a:rPr lang="ko-KR" altLang="en-US" smtClean="0"/>
-              <a:t>2021-11-03</a:t>
+              <a:t>2021-11-04</a:t>
             </a:fld>
             <a:endParaRPr lang="ko-KR" altLang="en-US"/>
           </a:p>
@@ -1149,7 +1149,7 @@
           <a:p>
             <a:fld id="{239F45E7-1C52-4AAC-B0A4-36F6340B1DC3}" type="datetimeFigureOut">
               <a:rPr lang="ko-KR" altLang="en-US" smtClean="0"/>
-              <a:t>2021-11-03</a:t>
+              <a:t>2021-11-04</a:t>
             </a:fld>
             <a:endParaRPr lang="ko-KR" altLang="en-US"/>
           </a:p>
@@ -1414,7 +1414,7 @@
           <a:p>
             <a:fld id="{239F45E7-1C52-4AAC-B0A4-36F6340B1DC3}" type="datetimeFigureOut">
               <a:rPr lang="ko-KR" altLang="en-US" smtClean="0"/>
-              <a:t>2021-11-03</a:t>
+              <a:t>2021-11-04</a:t>
             </a:fld>
             <a:endParaRPr lang="ko-KR" altLang="en-US"/>
           </a:p>
@@ -1826,7 +1826,7 @@
           <a:p>
             <a:fld id="{239F45E7-1C52-4AAC-B0A4-36F6340B1DC3}" type="datetimeFigureOut">
               <a:rPr lang="ko-KR" altLang="en-US" smtClean="0"/>
-              <a:t>2021-11-03</a:t>
+              <a:t>2021-11-04</a:t>
             </a:fld>
             <a:endParaRPr lang="ko-KR" altLang="en-US"/>
           </a:p>
@@ -1967,7 +1967,7 @@
           <a:p>
             <a:fld id="{239F45E7-1C52-4AAC-B0A4-36F6340B1DC3}" type="datetimeFigureOut">
               <a:rPr lang="ko-KR" altLang="en-US" smtClean="0"/>
-              <a:t>2021-11-03</a:t>
+              <a:t>2021-11-04</a:t>
             </a:fld>
             <a:endParaRPr lang="ko-KR" altLang="en-US"/>
           </a:p>
@@ -2080,7 +2080,7 @@
           <a:p>
             <a:fld id="{239F45E7-1C52-4AAC-B0A4-36F6340B1DC3}" type="datetimeFigureOut">
               <a:rPr lang="ko-KR" altLang="en-US" smtClean="0"/>
-              <a:t>2021-11-03</a:t>
+              <a:t>2021-11-04</a:t>
             </a:fld>
             <a:endParaRPr lang="ko-KR" altLang="en-US"/>
           </a:p>
@@ -2391,7 +2391,7 @@
           <a:p>
             <a:fld id="{239F45E7-1C52-4AAC-B0A4-36F6340B1DC3}" type="datetimeFigureOut">
               <a:rPr lang="ko-KR" altLang="en-US" smtClean="0"/>
-              <a:t>2021-11-03</a:t>
+              <a:t>2021-11-04</a:t>
             </a:fld>
             <a:endParaRPr lang="ko-KR" altLang="en-US"/>
           </a:p>
@@ -2679,7 +2679,7 @@
           <a:p>
             <a:fld id="{239F45E7-1C52-4AAC-B0A4-36F6340B1DC3}" type="datetimeFigureOut">
               <a:rPr lang="ko-KR" altLang="en-US" smtClean="0"/>
-              <a:t>2021-11-03</a:t>
+              <a:t>2021-11-04</a:t>
             </a:fld>
             <a:endParaRPr lang="ko-KR" altLang="en-US"/>
           </a:p>
@@ -2920,7 +2920,7 @@
           <a:p>
             <a:fld id="{239F45E7-1C52-4AAC-B0A4-36F6340B1DC3}" type="datetimeFigureOut">
               <a:rPr lang="ko-KR" altLang="en-US" smtClean="0"/>
-              <a:t>2021-11-03</a:t>
+              <a:t>2021-11-04</a:t>
             </a:fld>
             <a:endParaRPr lang="ko-KR" altLang="en-US"/>
           </a:p>
@@ -3351,7 +3351,7 @@
         </p:nvCxnSpPr>
         <p:spPr>
           <a:xfrm>
-            <a:off x="2705100" y="-698090"/>
+            <a:off x="2438400" y="-1720645"/>
             <a:ext cx="0" cy="698090"/>
           </a:xfrm>
           <a:prstGeom prst="straightConnector1">
@@ -3391,7 +3391,7 @@
         </p:nvCxnSpPr>
         <p:spPr>
           <a:xfrm>
-            <a:off x="1892300" y="-698090"/>
+            <a:off x="1625600" y="-1720645"/>
             <a:ext cx="0" cy="698090"/>
           </a:xfrm>
           <a:prstGeom prst="straightConnector1">
@@ -3431,7 +3431,7 @@
         </p:nvGrpSpPr>
         <p:grpSpPr>
           <a:xfrm>
-            <a:off x="1513267" y="1022555"/>
+            <a:off x="1246567" y="0"/>
             <a:ext cx="9575677" cy="7930535"/>
             <a:chOff x="1513267" y="1022555"/>
             <a:chExt cx="9575677" cy="7930535"/>

--- a/Study/SkinningBindPose 애니메이션 다이어그램.pptx
+++ b/Study/SkinningBindPose 애니메이션 다이어그램.pptx
@@ -107,7 +107,7 @@
   <p:extLst>
     <p:ext uri="{EFAFB233-063F-42B5-8137-9DF3F51BA10A}">
       <p15:sldGuideLst xmlns:p15="http://schemas.microsoft.com/office/powerpoint/2012/main">
-        <p15:guide id="1" orient="horz" pos="2137" userDrawn="1">
+        <p15:guide id="1" orient="horz" pos="2115" userDrawn="1">
           <p15:clr>
             <a:srgbClr val="A4A3A4"/>
           </p15:clr>
@@ -3351,15 +3351,15 @@
         </p:nvCxnSpPr>
         <p:spPr>
           <a:xfrm>
-            <a:off x="2438400" y="-1720645"/>
+            <a:off x="5245100" y="-1625190"/>
             <a:ext cx="0" cy="698090"/>
           </a:xfrm>
           <a:prstGeom prst="straightConnector1">
             <a:avLst/>
           </a:prstGeom>
           <a:ln>
-            <a:headEnd type="triangle"/>
-            <a:tailEnd type="triangle"/>
+            <a:headEnd type="triangle" w="lg" len="lg"/>
+            <a:tailEnd type="triangle" w="lg" len="lg"/>
           </a:ln>
         </p:spPr>
         <p:style>
@@ -3391,7 +3391,7 @@
         </p:nvCxnSpPr>
         <p:spPr>
           <a:xfrm>
-            <a:off x="1625600" y="-1720645"/>
+            <a:off x="4432300" y="-1625190"/>
             <a:ext cx="0" cy="698090"/>
           </a:xfrm>
           <a:prstGeom prst="straightConnector1">
@@ -3399,7 +3399,7 @@
           </a:prstGeom>
           <a:ln>
             <a:prstDash val="dash"/>
-            <a:tailEnd type="triangle"/>
+            <a:tailEnd type="triangle" w="lg" len="lg"/>
           </a:ln>
         </p:spPr>
         <p:style>
@@ -3419,10 +3419,10 @@
       </p:cxnSp>
       <p:grpSp>
         <p:nvGrpSpPr>
-          <p:cNvPr id="200" name="그룹 199">
+          <p:cNvPr id="108" name="그룹 107">
             <a:extLst>
               <a:ext uri="{FF2B5EF4-FFF2-40B4-BE49-F238E27FC236}">
-                <a16:creationId xmlns:a16="http://schemas.microsoft.com/office/drawing/2014/main" id="{9504D5FC-B59A-4173-B00D-4AA8641E0FD7}"/>
+                <a16:creationId xmlns:a16="http://schemas.microsoft.com/office/drawing/2014/main" id="{1883FF18-9C79-4A8B-92D5-98C54870729F}"/>
               </a:ext>
             </a:extLst>
           </p:cNvPr>
@@ -3431,18 +3431,472 @@
         </p:nvGrpSpPr>
         <p:grpSpPr>
           <a:xfrm>
-            <a:off x="1246567" y="0"/>
-            <a:ext cx="9575677" cy="7930535"/>
-            <a:chOff x="1513267" y="1022555"/>
-            <a:chExt cx="9575677" cy="7930535"/>
+            <a:off x="7270712" y="-1746314"/>
+            <a:ext cx="1316386" cy="1165088"/>
+            <a:chOff x="2905646" y="2562065"/>
+            <a:chExt cx="1316386" cy="1495764"/>
+          </a:xfrm>
+        </p:grpSpPr>
+        <p:sp>
+          <p:nvSpPr>
+            <p:cNvPr id="73" name="TextBox 72">
+              <a:extLst>
+                <a:ext uri="{FF2B5EF4-FFF2-40B4-BE49-F238E27FC236}">
+                  <a16:creationId xmlns:a16="http://schemas.microsoft.com/office/drawing/2014/main" id="{1B9CD83A-DFB4-47C0-9F31-BD3B496BF482}"/>
+                </a:ext>
+              </a:extLst>
+            </p:cNvPr>
+            <p:cNvSpPr txBox="1"/>
+            <p:nvPr/>
+          </p:nvSpPr>
+          <p:spPr>
+            <a:xfrm>
+              <a:off x="3657454" y="2562065"/>
+              <a:ext cx="564578" cy="316104"/>
+            </a:xfrm>
+            <a:prstGeom prst="rect">
+              <a:avLst/>
+            </a:prstGeom>
+            <a:noFill/>
+          </p:spPr>
+          <p:txBody>
+            <a:bodyPr wrap="none" rtlCol="0">
+              <a:spAutoFit/>
+            </a:bodyPr>
+            <a:lstStyle/>
+            <a:p>
+              <a:pPr algn="r"/>
+              <a:r>
+                <a:rPr lang="en-US" altLang="ko-KR" sz="1000" dirty="0">
+                  <a:latin typeface="KoPubWorld돋움체 Medium" panose="00000600000000000000" pitchFamily="2" charset="-127"/>
+                  <a:ea typeface="KoPubWorld돋움체 Medium" panose="00000600000000000000" pitchFamily="2" charset="-127"/>
+                  <a:cs typeface="KoPubWorld돋움체 Medium" panose="00000600000000000000" pitchFamily="2" charset="-127"/>
+                </a:rPr>
+                <a:t>Build()</a:t>
+              </a:r>
+              <a:endParaRPr lang="ko-KR" altLang="en-US" sz="1000" dirty="0">
+                <a:latin typeface="KoPubWorld돋움체 Medium" panose="00000600000000000000" pitchFamily="2" charset="-127"/>
+                <a:ea typeface="KoPubWorld돋움체 Medium" panose="00000600000000000000" pitchFamily="2" charset="-127"/>
+                <a:cs typeface="KoPubWorld돋움체 Medium" panose="00000600000000000000" pitchFamily="2" charset="-127"/>
+              </a:endParaRPr>
+            </a:p>
+          </p:txBody>
+        </p:sp>
+        <p:sp>
+          <p:nvSpPr>
+            <p:cNvPr id="74" name="TextBox 73">
+              <a:extLst>
+                <a:ext uri="{FF2B5EF4-FFF2-40B4-BE49-F238E27FC236}">
+                  <a16:creationId xmlns:a16="http://schemas.microsoft.com/office/drawing/2014/main" id="{848C46D9-BFB4-4216-BD77-38C0675B698E}"/>
+                </a:ext>
+              </a:extLst>
+            </p:cNvPr>
+            <p:cNvSpPr txBox="1"/>
+            <p:nvPr/>
+          </p:nvSpPr>
+          <p:spPr>
+            <a:xfrm>
+              <a:off x="3298382" y="2819116"/>
+              <a:ext cx="923650" cy="316104"/>
+            </a:xfrm>
+            <a:prstGeom prst="rect">
+              <a:avLst/>
+            </a:prstGeom>
+            <a:noFill/>
+          </p:spPr>
+          <p:txBody>
+            <a:bodyPr wrap="none" rtlCol="0">
+              <a:spAutoFit/>
+            </a:bodyPr>
+            <a:lstStyle/>
+            <a:p>
+              <a:pPr algn="r"/>
+              <a:r>
+                <a:rPr lang="en-US" altLang="ko-KR" sz="1000" dirty="0" err="1">
+                  <a:latin typeface="KoPubWorld돋움체 Medium" panose="00000600000000000000" pitchFamily="2" charset="-127"/>
+                  <a:ea typeface="KoPubWorld돋움체 Medium" panose="00000600000000000000" pitchFamily="2" charset="-127"/>
+                  <a:cs typeface="KoPubWorld돋움체 Medium" panose="00000600000000000000" pitchFamily="2" charset="-127"/>
+                </a:rPr>
+                <a:t>LoadObject</a:t>
+              </a:r>
+              <a:r>
+                <a:rPr lang="en-US" altLang="ko-KR" sz="1000" dirty="0">
+                  <a:latin typeface="KoPubWorld돋움체 Medium" panose="00000600000000000000" pitchFamily="2" charset="-127"/>
+                  <a:ea typeface="KoPubWorld돋움체 Medium" panose="00000600000000000000" pitchFamily="2" charset="-127"/>
+                  <a:cs typeface="KoPubWorld돋움체 Medium" panose="00000600000000000000" pitchFamily="2" charset="-127"/>
+                </a:rPr>
+                <a:t>()</a:t>
+              </a:r>
+              <a:endParaRPr lang="ko-KR" altLang="en-US" sz="1000" dirty="0">
+                <a:latin typeface="KoPubWorld돋움체 Medium" panose="00000600000000000000" pitchFamily="2" charset="-127"/>
+                <a:ea typeface="KoPubWorld돋움체 Medium" panose="00000600000000000000" pitchFamily="2" charset="-127"/>
+                <a:cs typeface="KoPubWorld돋움체 Medium" panose="00000600000000000000" pitchFamily="2" charset="-127"/>
+              </a:endParaRPr>
+            </a:p>
+          </p:txBody>
+        </p:sp>
+        <p:sp>
+          <p:nvSpPr>
+            <p:cNvPr id="75" name="TextBox 74">
+              <a:extLst>
+                <a:ext uri="{FF2B5EF4-FFF2-40B4-BE49-F238E27FC236}">
+                  <a16:creationId xmlns:a16="http://schemas.microsoft.com/office/drawing/2014/main" id="{F119627B-ADF3-4B51-B8A7-AC8921B23C71}"/>
+                </a:ext>
+              </a:extLst>
+            </p:cNvPr>
+            <p:cNvSpPr txBox="1"/>
+            <p:nvPr/>
+          </p:nvSpPr>
+          <p:spPr>
+            <a:xfrm>
+              <a:off x="3426621" y="3114765"/>
+              <a:ext cx="795411" cy="316104"/>
+            </a:xfrm>
+            <a:prstGeom prst="rect">
+              <a:avLst/>
+            </a:prstGeom>
+            <a:noFill/>
+          </p:spPr>
+          <p:txBody>
+            <a:bodyPr wrap="none" rtlCol="0">
+              <a:spAutoFit/>
+            </a:bodyPr>
+            <a:lstStyle/>
+            <a:p>
+              <a:pPr algn="r"/>
+              <a:r>
+                <a:rPr lang="en-US" altLang="ko-KR" sz="1000" dirty="0" err="1">
+                  <a:latin typeface="KoPubWorld돋움체 Medium" panose="00000600000000000000" pitchFamily="2" charset="-127"/>
+                  <a:ea typeface="KoPubWorld돋움체 Medium" panose="00000600000000000000" pitchFamily="2" charset="-127"/>
+                  <a:cs typeface="KoPubWorld돋움체 Medium" panose="00000600000000000000" pitchFamily="2" charset="-127"/>
+                </a:rPr>
+                <a:t>Buildtree</a:t>
+              </a:r>
+              <a:r>
+                <a:rPr lang="en-US" altLang="ko-KR" sz="1000" dirty="0">
+                  <a:latin typeface="KoPubWorld돋움체 Medium" panose="00000600000000000000" pitchFamily="2" charset="-127"/>
+                  <a:ea typeface="KoPubWorld돋움체 Medium" panose="00000600000000000000" pitchFamily="2" charset="-127"/>
+                  <a:cs typeface="KoPubWorld돋움체 Medium" panose="00000600000000000000" pitchFamily="2" charset="-127"/>
+                </a:rPr>
+                <a:t>()</a:t>
+              </a:r>
+              <a:endParaRPr lang="ko-KR" altLang="en-US" sz="1000" dirty="0">
+                <a:latin typeface="KoPubWorld돋움체 Medium" panose="00000600000000000000" pitchFamily="2" charset="-127"/>
+                <a:ea typeface="KoPubWorld돋움체 Medium" panose="00000600000000000000" pitchFamily="2" charset="-127"/>
+                <a:cs typeface="KoPubWorld돋움체 Medium" panose="00000600000000000000" pitchFamily="2" charset="-127"/>
+              </a:endParaRPr>
+            </a:p>
+          </p:txBody>
+        </p:sp>
+        <p:sp>
+          <p:nvSpPr>
+            <p:cNvPr id="76" name="TextBox 75">
+              <a:extLst>
+                <a:ext uri="{FF2B5EF4-FFF2-40B4-BE49-F238E27FC236}">
+                  <a16:creationId xmlns:a16="http://schemas.microsoft.com/office/drawing/2014/main" id="{B5485617-3B47-4F9B-8039-BC95EDE334B0}"/>
+                </a:ext>
+              </a:extLst>
+            </p:cNvPr>
+            <p:cNvSpPr txBox="1"/>
+            <p:nvPr/>
+          </p:nvSpPr>
+          <p:spPr>
+            <a:xfrm>
+              <a:off x="2937706" y="3429000"/>
+              <a:ext cx="1284326" cy="316104"/>
+            </a:xfrm>
+            <a:prstGeom prst="rect">
+              <a:avLst/>
+            </a:prstGeom>
+            <a:noFill/>
+          </p:spPr>
+          <p:txBody>
+            <a:bodyPr wrap="none" rtlCol="0">
+              <a:spAutoFit/>
+            </a:bodyPr>
+            <a:lstStyle/>
+            <a:p>
+              <a:pPr algn="r"/>
+              <a:r>
+                <a:rPr lang="en-US" altLang="ko-KR" sz="1000" dirty="0" err="1">
+                  <a:latin typeface="KoPubWorld돋움체 Medium" panose="00000600000000000000" pitchFamily="2" charset="-127"/>
+                  <a:ea typeface="KoPubWorld돋움체 Medium" panose="00000600000000000000" pitchFamily="2" charset="-127"/>
+                  <a:cs typeface="KoPubWorld돋움체 Medium" panose="00000600000000000000" pitchFamily="2" charset="-127"/>
+                </a:rPr>
+                <a:t>SetNeighborNode</a:t>
+              </a:r>
+              <a:r>
+                <a:rPr lang="en-US" altLang="ko-KR" sz="1000" dirty="0">
+                  <a:latin typeface="KoPubWorld돋움체 Medium" panose="00000600000000000000" pitchFamily="2" charset="-127"/>
+                  <a:ea typeface="KoPubWorld돋움체 Medium" panose="00000600000000000000" pitchFamily="2" charset="-127"/>
+                  <a:cs typeface="KoPubWorld돋움체 Medium" panose="00000600000000000000" pitchFamily="2" charset="-127"/>
+                </a:rPr>
+                <a:t>()</a:t>
+              </a:r>
+              <a:endParaRPr lang="ko-KR" altLang="en-US" sz="1000" dirty="0">
+                <a:latin typeface="KoPubWorld돋움체 Medium" panose="00000600000000000000" pitchFamily="2" charset="-127"/>
+                <a:ea typeface="KoPubWorld돋움체 Medium" panose="00000600000000000000" pitchFamily="2" charset="-127"/>
+                <a:cs typeface="KoPubWorld돋움체 Medium" panose="00000600000000000000" pitchFamily="2" charset="-127"/>
+              </a:endParaRPr>
+            </a:p>
+          </p:txBody>
+        </p:sp>
+        <p:sp>
+          <p:nvSpPr>
+            <p:cNvPr id="77" name="TextBox 76">
+              <a:extLst>
+                <a:ext uri="{FF2B5EF4-FFF2-40B4-BE49-F238E27FC236}">
+                  <a16:creationId xmlns:a16="http://schemas.microsoft.com/office/drawing/2014/main" id="{2845A0A0-EE4D-47DB-B15B-C14BCB70F28C}"/>
+                </a:ext>
+              </a:extLst>
+            </p:cNvPr>
+            <p:cNvSpPr txBox="1"/>
+            <p:nvPr/>
+          </p:nvSpPr>
+          <p:spPr>
+            <a:xfrm>
+              <a:off x="2905646" y="3741725"/>
+              <a:ext cx="1316386" cy="316104"/>
+            </a:xfrm>
+            <a:prstGeom prst="rect">
+              <a:avLst/>
+            </a:prstGeom>
+            <a:noFill/>
+          </p:spPr>
+          <p:txBody>
+            <a:bodyPr wrap="none" rtlCol="0">
+              <a:spAutoFit/>
+            </a:bodyPr>
+            <a:lstStyle/>
+            <a:p>
+              <a:pPr algn="r"/>
+              <a:r>
+                <a:rPr lang="en-US" altLang="ko-KR" sz="1000" dirty="0" err="1">
+                  <a:latin typeface="KoPubWorld돋움체 Medium" panose="00000600000000000000" pitchFamily="2" charset="-127"/>
+                  <a:ea typeface="KoPubWorld돋움체 Medium" panose="00000600000000000000" pitchFamily="2" charset="-127"/>
+                  <a:cs typeface="KoPubWorld돋움체 Medium" panose="00000600000000000000" pitchFamily="2" charset="-127"/>
+                </a:rPr>
+                <a:t>CreateIndexBuffer</a:t>
+              </a:r>
+              <a:r>
+                <a:rPr lang="en-US" altLang="ko-KR" sz="1000" dirty="0">
+                  <a:latin typeface="KoPubWorld돋움체 Medium" panose="00000600000000000000" pitchFamily="2" charset="-127"/>
+                  <a:ea typeface="KoPubWorld돋움체 Medium" panose="00000600000000000000" pitchFamily="2" charset="-127"/>
+                  <a:cs typeface="KoPubWorld돋움체 Medium" panose="00000600000000000000" pitchFamily="2" charset="-127"/>
+                </a:rPr>
+                <a:t>()</a:t>
+              </a:r>
+              <a:endParaRPr lang="ko-KR" altLang="en-US" sz="1000" dirty="0">
+                <a:latin typeface="KoPubWorld돋움체 Medium" panose="00000600000000000000" pitchFamily="2" charset="-127"/>
+                <a:ea typeface="KoPubWorld돋움체 Medium" panose="00000600000000000000" pitchFamily="2" charset="-127"/>
+                <a:cs typeface="KoPubWorld돋움체 Medium" panose="00000600000000000000" pitchFamily="2" charset="-127"/>
+              </a:endParaRPr>
+            </a:p>
+          </p:txBody>
+        </p:sp>
+      </p:grpSp>
+      <p:sp>
+        <p:nvSpPr>
+          <p:cNvPr id="97" name="TextBox 96">
+            <a:extLst>
+              <a:ext uri="{FF2B5EF4-FFF2-40B4-BE49-F238E27FC236}">
+                <a16:creationId xmlns:a16="http://schemas.microsoft.com/office/drawing/2014/main" id="{D24D3489-3C93-43B2-8A73-13C1D7C53CB9}"/>
+              </a:ext>
+            </a:extLst>
+          </p:cNvPr>
+          <p:cNvSpPr txBox="1"/>
+          <p:nvPr/>
+        </p:nvSpPr>
+        <p:spPr>
+          <a:xfrm>
+            <a:off x="5531033" y="-1711222"/>
+            <a:ext cx="1752403" cy="1216743"/>
+          </a:xfrm>
+          <a:prstGeom prst="rect">
+            <a:avLst/>
+          </a:prstGeom>
+          <a:noFill/>
+        </p:spPr>
+        <p:txBody>
+          <a:bodyPr wrap="square" rtlCol="0">
+            <a:spAutoFit/>
+          </a:bodyPr>
+          <a:lstStyle/>
+          <a:p>
+            <a:pPr algn="r">
+              <a:lnSpc>
+                <a:spcPct val="150000"/>
+              </a:lnSpc>
+            </a:pPr>
+            <a:r>
+              <a:rPr lang="en-US" altLang="ko-KR" sz="1000" dirty="0" err="1">
+                <a:latin typeface="KoPubWorld돋움체 Medium" panose="00000600000000000000" pitchFamily="2" charset="-127"/>
+                <a:ea typeface="KoPubWorld돋움체 Medium" panose="00000600000000000000" pitchFamily="2" charset="-127"/>
+                <a:cs typeface="KoPubWorld돋움체 Medium" panose="00000600000000000000" pitchFamily="2" charset="-127"/>
+              </a:rPr>
+              <a:t>CreateConstantBuffer</a:t>
+            </a:r>
+            <a:r>
+              <a:rPr lang="en-US" altLang="ko-KR" sz="1000" dirty="0">
+                <a:latin typeface="KoPubWorld돋움체 Medium" panose="00000600000000000000" pitchFamily="2" charset="-127"/>
+                <a:ea typeface="KoPubWorld돋움체 Medium" panose="00000600000000000000" pitchFamily="2" charset="-127"/>
+                <a:cs typeface="KoPubWorld돋움체 Medium" panose="00000600000000000000" pitchFamily="2" charset="-127"/>
+              </a:rPr>
+              <a:t>()</a:t>
+            </a:r>
+          </a:p>
+          <a:p>
+            <a:pPr algn="r">
+              <a:lnSpc>
+                <a:spcPct val="150000"/>
+              </a:lnSpc>
+            </a:pPr>
+            <a:r>
+              <a:rPr lang="en-US" altLang="ko-KR" sz="1000" dirty="0">
+                <a:latin typeface="KoPubWorld돋움체 Medium" panose="00000600000000000000" pitchFamily="2" charset="-127"/>
+                <a:ea typeface="KoPubWorld돋움체 Medium" panose="00000600000000000000" pitchFamily="2" charset="-127"/>
+                <a:cs typeface="KoPubWorld돋움체 Medium" panose="00000600000000000000" pitchFamily="2" charset="-127"/>
+              </a:rPr>
+              <a:t>        </a:t>
+            </a:r>
+            <a:r>
+              <a:rPr lang="en-US" altLang="ko-KR" sz="1000" dirty="0" err="1">
+                <a:latin typeface="KoPubWorld돋움체 Medium" panose="00000600000000000000" pitchFamily="2" charset="-127"/>
+                <a:ea typeface="KoPubWorld돋움체 Medium" panose="00000600000000000000" pitchFamily="2" charset="-127"/>
+                <a:cs typeface="KoPubWorld돋움체 Medium" panose="00000600000000000000" pitchFamily="2" charset="-127"/>
+              </a:rPr>
+              <a:t>CreateVertexBuffer</a:t>
+            </a:r>
+            <a:r>
+              <a:rPr lang="en-US" altLang="ko-KR" sz="1000" dirty="0">
+                <a:latin typeface="KoPubWorld돋움체 Medium" panose="00000600000000000000" pitchFamily="2" charset="-127"/>
+                <a:ea typeface="KoPubWorld돋움체 Medium" panose="00000600000000000000" pitchFamily="2" charset="-127"/>
+                <a:cs typeface="KoPubWorld돋움체 Medium" panose="00000600000000000000" pitchFamily="2" charset="-127"/>
+              </a:rPr>
+              <a:t>()</a:t>
+            </a:r>
+          </a:p>
+          <a:p>
+            <a:pPr algn="r">
+              <a:lnSpc>
+                <a:spcPct val="150000"/>
+              </a:lnSpc>
+            </a:pPr>
+            <a:r>
+              <a:rPr lang="en-US" altLang="ko-KR" sz="1000" dirty="0">
+                <a:latin typeface="KoPubWorld돋움체 Medium" panose="00000600000000000000" pitchFamily="2" charset="-127"/>
+                <a:ea typeface="KoPubWorld돋움체 Medium" panose="00000600000000000000" pitchFamily="2" charset="-127"/>
+                <a:cs typeface="KoPubWorld돋움체 Medium" panose="00000600000000000000" pitchFamily="2" charset="-127"/>
+              </a:rPr>
+              <a:t>        </a:t>
+            </a:r>
+            <a:r>
+              <a:rPr lang="en-US" altLang="ko-KR" sz="1000" dirty="0" err="1">
+                <a:latin typeface="KoPubWorld돋움체 Medium" panose="00000600000000000000" pitchFamily="2" charset="-127"/>
+                <a:ea typeface="KoPubWorld돋움체 Medium" panose="00000600000000000000" pitchFamily="2" charset="-127"/>
+                <a:cs typeface="KoPubWorld돋움체 Medium" panose="00000600000000000000" pitchFamily="2" charset="-127"/>
+              </a:rPr>
+              <a:t>CreateIndexBuffer</a:t>
+            </a:r>
+            <a:r>
+              <a:rPr lang="en-US" altLang="ko-KR" sz="1000" dirty="0">
+                <a:latin typeface="KoPubWorld돋움체 Medium" panose="00000600000000000000" pitchFamily="2" charset="-127"/>
+                <a:ea typeface="KoPubWorld돋움체 Medium" panose="00000600000000000000" pitchFamily="2" charset="-127"/>
+                <a:cs typeface="KoPubWorld돋움체 Medium" panose="00000600000000000000" pitchFamily="2" charset="-127"/>
+              </a:rPr>
+              <a:t>()</a:t>
+            </a:r>
+          </a:p>
+          <a:p>
+            <a:pPr algn="r">
+              <a:lnSpc>
+                <a:spcPct val="150000"/>
+              </a:lnSpc>
+            </a:pPr>
+            <a:r>
+              <a:rPr lang="en-US" altLang="ko-KR" sz="1000" dirty="0">
+                <a:latin typeface="KoPubWorld돋움체 Medium" panose="00000600000000000000" pitchFamily="2" charset="-127"/>
+                <a:ea typeface="KoPubWorld돋움체 Medium" panose="00000600000000000000" pitchFamily="2" charset="-127"/>
+                <a:cs typeface="KoPubWorld돋움체 Medium" panose="00000600000000000000" pitchFamily="2" charset="-127"/>
+              </a:rPr>
+              <a:t>        </a:t>
+            </a:r>
+            <a:r>
+              <a:rPr lang="en-US" altLang="ko-KR" sz="1000" dirty="0" err="1">
+                <a:latin typeface="KoPubWorld돋움체 Medium" panose="00000600000000000000" pitchFamily="2" charset="-127"/>
+                <a:ea typeface="KoPubWorld돋움체 Medium" panose="00000600000000000000" pitchFamily="2" charset="-127"/>
+                <a:cs typeface="KoPubWorld돋움체 Medium" panose="00000600000000000000" pitchFamily="2" charset="-127"/>
+              </a:rPr>
+              <a:t>LoadShader</a:t>
+            </a:r>
+            <a:r>
+              <a:rPr lang="en-US" altLang="ko-KR" sz="1000" dirty="0">
+                <a:latin typeface="KoPubWorld돋움체 Medium" panose="00000600000000000000" pitchFamily="2" charset="-127"/>
+                <a:ea typeface="KoPubWorld돋움체 Medium" panose="00000600000000000000" pitchFamily="2" charset="-127"/>
+                <a:cs typeface="KoPubWorld돋움체 Medium" panose="00000600000000000000" pitchFamily="2" charset="-127"/>
+              </a:rPr>
+              <a:t>()</a:t>
+            </a:r>
+          </a:p>
+          <a:p>
+            <a:pPr algn="r">
+              <a:lnSpc>
+                <a:spcPct val="150000"/>
+              </a:lnSpc>
+            </a:pPr>
+            <a:r>
+              <a:rPr lang="en-US" altLang="ko-KR" sz="1000" dirty="0">
+                <a:latin typeface="KoPubWorld돋움체 Medium" panose="00000600000000000000" pitchFamily="2" charset="-127"/>
+                <a:ea typeface="KoPubWorld돋움체 Medium" panose="00000600000000000000" pitchFamily="2" charset="-127"/>
+                <a:cs typeface="KoPubWorld돋움체 Medium" panose="00000600000000000000" pitchFamily="2" charset="-127"/>
+              </a:rPr>
+              <a:t>        </a:t>
+            </a:r>
+            <a:r>
+              <a:rPr lang="en-US" altLang="ko-KR" sz="1000" dirty="0" err="1">
+                <a:latin typeface="KoPubWorld돋움체 Medium" panose="00000600000000000000" pitchFamily="2" charset="-127"/>
+                <a:ea typeface="KoPubWorld돋움체 Medium" panose="00000600000000000000" pitchFamily="2" charset="-127"/>
+                <a:cs typeface="KoPubWorld돋움체 Medium" panose="00000600000000000000" pitchFamily="2" charset="-127"/>
+              </a:rPr>
+              <a:t>CreateVertexLayout</a:t>
+            </a:r>
+            <a:r>
+              <a:rPr lang="en-US" altLang="ko-KR" sz="1000" dirty="0">
+                <a:latin typeface="KoPubWorld돋움체 Medium" panose="00000600000000000000" pitchFamily="2" charset="-127"/>
+                <a:ea typeface="KoPubWorld돋움체 Medium" panose="00000600000000000000" pitchFamily="2" charset="-127"/>
+                <a:cs typeface="KoPubWorld돋움체 Medium" panose="00000600000000000000" pitchFamily="2" charset="-127"/>
+              </a:rPr>
+              <a:t>()</a:t>
+            </a:r>
+          </a:p>
+        </p:txBody>
+      </p:sp>
+      <p:grpSp>
+        <p:nvGrpSpPr>
+          <p:cNvPr id="113" name="그룹 112">
+            <a:extLst>
+              <a:ext uri="{FF2B5EF4-FFF2-40B4-BE49-F238E27FC236}">
+                <a16:creationId xmlns:a16="http://schemas.microsoft.com/office/drawing/2014/main" id="{2D86EDFB-B942-49E5-A742-7D5CEEEACB2C}"/>
+              </a:ext>
+            </a:extLst>
+          </p:cNvPr>
+          <p:cNvGrpSpPr/>
+          <p:nvPr/>
+        </p:nvGrpSpPr>
+        <p:grpSpPr>
+          <a:xfrm>
+            <a:off x="-3629819" y="4779329"/>
+            <a:ext cx="1276192" cy="246221"/>
+            <a:chOff x="2930013" y="5274178"/>
+            <a:chExt cx="1276192" cy="246221"/>
           </a:xfrm>
         </p:grpSpPr>
         <p:cxnSp>
           <p:nvCxnSpPr>
-            <p:cNvPr id="45" name="직선 화살표 연결선 44">
+            <p:cNvPr id="114" name="직선 화살표 연결선 113">
               <a:extLst>
                 <a:ext uri="{FF2B5EF4-FFF2-40B4-BE49-F238E27FC236}">
-                  <a16:creationId xmlns:a16="http://schemas.microsoft.com/office/drawing/2014/main" id="{54FADB68-6620-4803-B24C-61A89C095B4E}"/>
+                  <a16:creationId xmlns:a16="http://schemas.microsoft.com/office/drawing/2014/main" id="{AC971A43-FAA8-4754-8FDC-B20C14DCE019}"/>
                 </a:ext>
               </a:extLst>
             </p:cNvPr>
@@ -3453,14 +3907,14 @@
           </p:nvCxnSpPr>
           <p:spPr>
             <a:xfrm>
-              <a:off x="4541162" y="3558455"/>
-              <a:ext cx="6066001" cy="0"/>
+              <a:off x="2930013" y="5478412"/>
+              <a:ext cx="1276192" cy="0"/>
             </a:xfrm>
             <a:prstGeom prst="straightConnector1">
               <a:avLst/>
             </a:prstGeom>
             <a:ln>
-              <a:tailEnd type="triangle"/>
+              <a:tailEnd type="triangle" w="lg" len="lg"/>
             </a:ln>
           </p:spPr>
           <p:style>
@@ -3478,6 +3932,72 @@
             </a:fontRef>
           </p:style>
         </p:cxnSp>
+        <p:sp>
+          <p:nvSpPr>
+            <p:cNvPr id="115" name="TextBox 114">
+              <a:extLst>
+                <a:ext uri="{FF2B5EF4-FFF2-40B4-BE49-F238E27FC236}">
+                  <a16:creationId xmlns:a16="http://schemas.microsoft.com/office/drawing/2014/main" id="{4D8FFD1C-0048-4AC6-813F-A567EBB09EEC}"/>
+                </a:ext>
+              </a:extLst>
+            </p:cNvPr>
+            <p:cNvSpPr txBox="1"/>
+            <p:nvPr/>
+          </p:nvSpPr>
+          <p:spPr>
+            <a:xfrm>
+              <a:off x="3180518" y="5274178"/>
+              <a:ext cx="736718" cy="246221"/>
+            </a:xfrm>
+            <a:prstGeom prst="rect">
+              <a:avLst/>
+            </a:prstGeom>
+            <a:noFill/>
+          </p:spPr>
+          <p:txBody>
+            <a:bodyPr wrap="square" rtlCol="0">
+              <a:spAutoFit/>
+            </a:bodyPr>
+            <a:lstStyle/>
+            <a:p>
+              <a:pPr algn="ctr"/>
+              <a:r>
+                <a:rPr lang="en-US" altLang="ko-KR" sz="1000" dirty="0">
+                  <a:latin typeface="KoPubWorld돋움체 Medium" panose="00000600000000000000" pitchFamily="2" charset="-127"/>
+                  <a:ea typeface="KoPubWorld돋움체 Medium" panose="00000600000000000000" pitchFamily="2" charset="-127"/>
+                  <a:cs typeface="KoPubWorld돋움체 Medium" panose="00000600000000000000" pitchFamily="2" charset="-127"/>
+                </a:rPr>
+                <a:t>Release()</a:t>
+              </a:r>
+              <a:endParaRPr lang="ko-KR" altLang="en-US" sz="1000" dirty="0">
+                <a:latin typeface="KoPubWorld돋움체 Medium" panose="00000600000000000000" pitchFamily="2" charset="-127"/>
+                <a:ea typeface="KoPubWorld돋움체 Medium" panose="00000600000000000000" pitchFamily="2" charset="-127"/>
+                <a:cs typeface="KoPubWorld돋움체 Medium" panose="00000600000000000000" pitchFamily="2" charset="-127"/>
+              </a:endParaRPr>
+            </a:p>
+          </p:txBody>
+        </p:sp>
+      </p:grpSp>
+      <p:grpSp>
+        <p:nvGrpSpPr>
+          <p:cNvPr id="16" name="그룹 15">
+            <a:extLst>
+              <a:ext uri="{FF2B5EF4-FFF2-40B4-BE49-F238E27FC236}">
+                <a16:creationId xmlns:a16="http://schemas.microsoft.com/office/drawing/2014/main" id="{64AC7C67-A175-4101-B3C7-F141CCCAC547}"/>
+              </a:ext>
+            </a:extLst>
+          </p:cNvPr>
+          <p:cNvGrpSpPr/>
+          <p:nvPr/>
+        </p:nvGrpSpPr>
+        <p:grpSpPr>
+          <a:xfrm>
+            <a:off x="952703" y="58959"/>
+            <a:ext cx="7352106" cy="6994527"/>
+            <a:chOff x="1015025" y="903835"/>
+            <a:chExt cx="7352106" cy="6994527"/>
+          </a:xfrm>
+        </p:grpSpPr>
         <p:sp>
           <p:nvSpPr>
             <p:cNvPr id="6" name="직사각형 5">
@@ -3492,8 +4012,8 @@
           </p:nvSpPr>
           <p:spPr>
             <a:xfrm>
-              <a:off x="2448232" y="1022555"/>
-              <a:ext cx="963562" cy="589935"/>
+              <a:off x="1712923" y="903835"/>
+              <a:ext cx="963562" cy="457830"/>
             </a:xfrm>
             <a:prstGeom prst="rect">
               <a:avLst/>
@@ -3519,54 +4039,11 @@
             <a:p>
               <a:pPr algn="ctr"/>
               <a:r>
-                <a:rPr lang="en-US" altLang="ko-KR" sz="1200" b="1" dirty="0"/>
-                <a:t>Sample</a:t>
-              </a:r>
-            </a:p>
-          </p:txBody>
-        </p:sp>
-        <p:sp>
-          <p:nvSpPr>
-            <p:cNvPr id="11" name="직사각형 10">
-              <a:extLst>
-                <a:ext uri="{FF2B5EF4-FFF2-40B4-BE49-F238E27FC236}">
-                  <a16:creationId xmlns:a16="http://schemas.microsoft.com/office/drawing/2014/main" id="{3EC103DF-692C-4735-842B-82628F4BF591}"/>
-                </a:ext>
-              </a:extLst>
-            </p:cNvPr>
-            <p:cNvSpPr/>
-            <p:nvPr/>
-          </p:nvSpPr>
-          <p:spPr>
-            <a:xfrm>
-              <a:off x="2448232" y="8363155"/>
-              <a:ext cx="963562" cy="589935"/>
-            </a:xfrm>
-            <a:prstGeom prst="rect">
-              <a:avLst/>
-            </a:prstGeom>
-          </p:spPr>
-          <p:style>
-            <a:lnRef idx="2">
-              <a:schemeClr val="dk1"/>
-            </a:lnRef>
-            <a:fillRef idx="1">
-              <a:schemeClr val="lt1"/>
-            </a:fillRef>
-            <a:effectRef idx="0">
-              <a:schemeClr val="dk1"/>
-            </a:effectRef>
-            <a:fontRef idx="minor">
-              <a:schemeClr val="dk1"/>
-            </a:fontRef>
-          </p:style>
-          <p:txBody>
-            <a:bodyPr rtlCol="0" anchor="ctr"/>
-            <a:lstStyle/>
-            <a:p>
-              <a:pPr algn="ctr"/>
-              <a:r>
-                <a:rPr lang="en-US" altLang="ko-KR" sz="1200" b="1" dirty="0"/>
+                <a:rPr lang="en-US" altLang="ko-KR" sz="1200" dirty="0">
+                  <a:latin typeface="KoPubWorld돋움체 Medium" panose="00000600000000000000" pitchFamily="2" charset="-127"/>
+                  <a:ea typeface="KoPubWorld돋움체 Medium" panose="00000600000000000000" pitchFamily="2" charset="-127"/>
+                  <a:cs typeface="KoPubWorld돋움체 Medium" panose="00000600000000000000" pitchFamily="2" charset="-127"/>
+                </a:rPr>
                 <a:t>Sample</a:t>
               </a:r>
             </a:p>
@@ -3582,338 +4059,16 @@
               </a:extLst>
             </p:cNvPr>
             <p:cNvCxnSpPr>
+              <a:cxnSpLocks/>
               <a:stCxn id="6" idx="2"/>
-              <a:endCxn id="11" idx="0"/>
+              <a:endCxn id="79" idx="0"/>
             </p:cNvCxnSpPr>
             <p:nvPr/>
           </p:nvCxnSpPr>
           <p:spPr>
             <a:xfrm>
-              <a:off x="2930013" y="1612490"/>
-              <a:ext cx="0" cy="6750665"/>
-            </a:xfrm>
-            <a:prstGeom prst="line">
-              <a:avLst/>
-            </a:prstGeom>
-          </p:spPr>
-          <p:style>
-            <a:lnRef idx="1">
-              <a:schemeClr val="dk1"/>
-            </a:lnRef>
-            <a:fillRef idx="0">
-              <a:schemeClr val="dk1"/>
-            </a:fillRef>
-            <a:effectRef idx="0">
-              <a:schemeClr val="dk1"/>
-            </a:effectRef>
-            <a:fontRef idx="minor">
-              <a:schemeClr val="tx1"/>
-            </a:fontRef>
-          </p:style>
-        </p:cxnSp>
-        <p:sp>
-          <p:nvSpPr>
-            <p:cNvPr id="18" name="직사각형 17">
-              <a:extLst>
-                <a:ext uri="{FF2B5EF4-FFF2-40B4-BE49-F238E27FC236}">
-                  <a16:creationId xmlns:a16="http://schemas.microsoft.com/office/drawing/2014/main" id="{B5B2A213-5A87-4190-B938-E64067E379F5}"/>
-                </a:ext>
-              </a:extLst>
-            </p:cNvPr>
-            <p:cNvSpPr/>
-            <p:nvPr/>
-          </p:nvSpPr>
-          <p:spPr>
-            <a:xfrm>
-              <a:off x="8733578" y="1022555"/>
-              <a:ext cx="963562" cy="589935"/>
-            </a:xfrm>
-            <a:prstGeom prst="rect">
-              <a:avLst/>
-            </a:prstGeom>
-          </p:spPr>
-          <p:style>
-            <a:lnRef idx="2">
-              <a:schemeClr val="dk1"/>
-            </a:lnRef>
-            <a:fillRef idx="1">
-              <a:schemeClr val="lt1"/>
-            </a:fillRef>
-            <a:effectRef idx="0">
-              <a:schemeClr val="dk1"/>
-            </a:effectRef>
-            <a:fontRef idx="minor">
-              <a:schemeClr val="dk1"/>
-            </a:fontRef>
-          </p:style>
-          <p:txBody>
-            <a:bodyPr rtlCol="0" anchor="ctr"/>
-            <a:lstStyle/>
-            <a:p>
-              <a:pPr algn="ctr"/>
-              <a:r>
-                <a:rPr lang="en-US" altLang="ko-KR" sz="1200" b="1" dirty="0" err="1"/>
-                <a:t>KMap</a:t>
-              </a:r>
-              <a:endParaRPr lang="en-US" altLang="ko-KR" sz="1200" b="1" dirty="0"/>
-            </a:p>
-          </p:txBody>
-        </p:sp>
-        <p:sp>
-          <p:nvSpPr>
-            <p:cNvPr id="19" name="사각형: 잘린 한쪽 모서리 18">
-              <a:extLst>
-                <a:ext uri="{FF2B5EF4-FFF2-40B4-BE49-F238E27FC236}">
-                  <a16:creationId xmlns:a16="http://schemas.microsoft.com/office/drawing/2014/main" id="{3D43B3A2-39CE-4F47-A906-84F29363D6AC}"/>
-                </a:ext>
-              </a:extLst>
-            </p:cNvPr>
-            <p:cNvSpPr/>
-            <p:nvPr/>
-          </p:nvSpPr>
-          <p:spPr>
-            <a:xfrm>
-              <a:off x="1714502" y="2018481"/>
-              <a:ext cx="1112065" cy="393700"/>
-            </a:xfrm>
-            <a:prstGeom prst="snip1Rect">
-              <a:avLst/>
-            </a:prstGeom>
-          </p:spPr>
-          <p:style>
-            <a:lnRef idx="2">
-              <a:schemeClr val="dk1"/>
-            </a:lnRef>
-            <a:fillRef idx="1">
-              <a:schemeClr val="lt1"/>
-            </a:fillRef>
-            <a:effectRef idx="0">
-              <a:schemeClr val="dk1"/>
-            </a:effectRef>
-            <a:fontRef idx="minor">
-              <a:schemeClr val="dk1"/>
-            </a:fontRef>
-          </p:style>
-          <p:txBody>
-            <a:bodyPr rtlCol="0" anchor="ctr"/>
-            <a:lstStyle/>
-            <a:p>
-              <a:pPr algn="ctr"/>
-              <a:r>
-                <a:rPr lang="ko-KR" altLang="en-US" sz="1000" spc="-150" dirty="0"/>
-                <a:t>매크로 함수</a:t>
-              </a:r>
-              <a:endParaRPr lang="en-US" altLang="ko-KR" sz="1000" spc="-150" dirty="0"/>
-            </a:p>
-            <a:p>
-              <a:pPr algn="ctr"/>
-              <a:r>
-                <a:rPr lang="ko-KR" altLang="en-US" sz="1000" spc="-150" dirty="0"/>
-                <a:t>이름</a:t>
-              </a:r>
-              <a:r>
-                <a:rPr lang="en-US" altLang="ko-KR" sz="1000" spc="-150" dirty="0"/>
-                <a:t>,, </a:t>
-              </a:r>
-              <a:r>
-                <a:rPr lang="ko-KR" altLang="en-US" sz="1000" spc="-150" dirty="0"/>
-                <a:t>해상도 설정</a:t>
-              </a:r>
-              <a:endParaRPr lang="en-US" altLang="ko-KR" sz="1000" spc="-150" dirty="0"/>
-            </a:p>
-          </p:txBody>
-        </p:sp>
-        <p:sp>
-          <p:nvSpPr>
-            <p:cNvPr id="20" name="TextBox 19">
-              <a:extLst>
-                <a:ext uri="{FF2B5EF4-FFF2-40B4-BE49-F238E27FC236}">
-                  <a16:creationId xmlns:a16="http://schemas.microsoft.com/office/drawing/2014/main" id="{73F931D7-89E2-42FB-B50D-87E5EA0E9899}"/>
-                </a:ext>
-              </a:extLst>
-            </p:cNvPr>
-            <p:cNvSpPr txBox="1"/>
-            <p:nvPr/>
-          </p:nvSpPr>
-          <p:spPr>
-            <a:xfrm>
-              <a:off x="2068257" y="1715625"/>
-              <a:ext cx="923651" cy="246221"/>
-            </a:xfrm>
-            <a:prstGeom prst="rect">
-              <a:avLst/>
-            </a:prstGeom>
-            <a:noFill/>
-          </p:spPr>
-          <p:txBody>
-            <a:bodyPr wrap="none" rtlCol="0">
-              <a:spAutoFit/>
-            </a:bodyPr>
-            <a:lstStyle/>
-            <a:p>
-              <a:r>
-                <a:rPr lang="en-US" altLang="ko-KR" sz="1000" dirty="0" err="1"/>
-                <a:t>InitWindow</a:t>
-              </a:r>
-              <a:r>
-                <a:rPr lang="en-US" altLang="ko-KR" sz="1000" dirty="0"/>
-                <a:t>()</a:t>
-              </a:r>
-              <a:endParaRPr lang="ko-KR" altLang="en-US" sz="1000" dirty="0"/>
-            </a:p>
-          </p:txBody>
-        </p:sp>
-        <p:cxnSp>
-          <p:nvCxnSpPr>
-            <p:cNvPr id="22" name="직선 연결선 21">
-              <a:extLst>
-                <a:ext uri="{FF2B5EF4-FFF2-40B4-BE49-F238E27FC236}">
-                  <a16:creationId xmlns:a16="http://schemas.microsoft.com/office/drawing/2014/main" id="{E77425AE-20A7-4843-BD6D-DD8E691CA5FB}"/>
-                </a:ext>
-              </a:extLst>
-            </p:cNvPr>
-            <p:cNvCxnSpPr>
-              <a:cxnSpLocks/>
-            </p:cNvCxnSpPr>
-            <p:nvPr/>
-          </p:nvCxnSpPr>
-          <p:spPr>
-            <a:xfrm>
-              <a:off x="9224198" y="1612490"/>
-              <a:ext cx="0" cy="6710395"/>
-            </a:xfrm>
-            <a:prstGeom prst="line">
-              <a:avLst/>
-            </a:prstGeom>
-          </p:spPr>
-          <p:style>
-            <a:lnRef idx="1">
-              <a:schemeClr val="dk1"/>
-            </a:lnRef>
-            <a:fillRef idx="0">
-              <a:schemeClr val="dk1"/>
-            </a:fillRef>
-            <a:effectRef idx="0">
-              <a:schemeClr val="dk1"/>
-            </a:effectRef>
-            <a:fontRef idx="minor">
-              <a:schemeClr val="tx1"/>
-            </a:fontRef>
-          </p:style>
-        </p:cxnSp>
-        <p:sp>
-          <p:nvSpPr>
-            <p:cNvPr id="25" name="직사각형 24">
-              <a:extLst>
-                <a:ext uri="{FF2B5EF4-FFF2-40B4-BE49-F238E27FC236}">
-                  <a16:creationId xmlns:a16="http://schemas.microsoft.com/office/drawing/2014/main" id="{DF538C93-909D-4198-8048-CA74430048FB}"/>
-                </a:ext>
-              </a:extLst>
-            </p:cNvPr>
-            <p:cNvSpPr/>
-            <p:nvPr/>
-          </p:nvSpPr>
-          <p:spPr>
-            <a:xfrm>
-              <a:off x="10125382" y="1022555"/>
-              <a:ext cx="963562" cy="589935"/>
-            </a:xfrm>
-            <a:prstGeom prst="rect">
-              <a:avLst/>
-            </a:prstGeom>
-          </p:spPr>
-          <p:style>
-            <a:lnRef idx="2">
-              <a:schemeClr val="dk1"/>
-            </a:lnRef>
-            <a:fillRef idx="1">
-              <a:schemeClr val="lt1"/>
-            </a:fillRef>
-            <a:effectRef idx="0">
-              <a:schemeClr val="dk1"/>
-            </a:effectRef>
-            <a:fontRef idx="minor">
-              <a:schemeClr val="dk1"/>
-            </a:fontRef>
-          </p:style>
-          <p:txBody>
-            <a:bodyPr rtlCol="0" anchor="ctr"/>
-            <a:lstStyle/>
-            <a:p>
-              <a:pPr algn="ctr"/>
-              <a:r>
-                <a:rPr lang="en-US" altLang="ko-KR" sz="1200" b="1" dirty="0"/>
-                <a:t>Shader</a:t>
-              </a:r>
-            </a:p>
-          </p:txBody>
-        </p:sp>
-        <p:sp>
-          <p:nvSpPr>
-            <p:cNvPr id="26" name="직사각형 25">
-              <a:extLst>
-                <a:ext uri="{FF2B5EF4-FFF2-40B4-BE49-F238E27FC236}">
-                  <a16:creationId xmlns:a16="http://schemas.microsoft.com/office/drawing/2014/main" id="{CBE93B17-C12A-48F1-9B83-9A4A105BF7C3}"/>
-                </a:ext>
-              </a:extLst>
-            </p:cNvPr>
-            <p:cNvSpPr/>
-            <p:nvPr/>
-          </p:nvSpPr>
-          <p:spPr>
-            <a:xfrm>
-              <a:off x="10125382" y="8322885"/>
-              <a:ext cx="963562" cy="589935"/>
-            </a:xfrm>
-            <a:prstGeom prst="rect">
-              <a:avLst/>
-            </a:prstGeom>
-          </p:spPr>
-          <p:style>
-            <a:lnRef idx="2">
-              <a:schemeClr val="dk1"/>
-            </a:lnRef>
-            <a:fillRef idx="1">
-              <a:schemeClr val="lt1"/>
-            </a:fillRef>
-            <a:effectRef idx="0">
-              <a:schemeClr val="dk1"/>
-            </a:effectRef>
-            <a:fontRef idx="minor">
-              <a:schemeClr val="dk1"/>
-            </a:fontRef>
-          </p:style>
-          <p:txBody>
-            <a:bodyPr rtlCol="0" anchor="ctr"/>
-            <a:lstStyle/>
-            <a:p>
-              <a:pPr algn="ctr"/>
-              <a:r>
-                <a:rPr lang="en-US" altLang="ko-KR" sz="1200" b="1" dirty="0"/>
-                <a:t>Shader</a:t>
-              </a:r>
-            </a:p>
-          </p:txBody>
-        </p:sp>
-        <p:cxnSp>
-          <p:nvCxnSpPr>
-            <p:cNvPr id="27" name="직선 연결선 26">
-              <a:extLst>
-                <a:ext uri="{FF2B5EF4-FFF2-40B4-BE49-F238E27FC236}">
-                  <a16:creationId xmlns:a16="http://schemas.microsoft.com/office/drawing/2014/main" id="{B2D9D607-B74A-44A8-B630-071D860E131A}"/>
-                </a:ext>
-              </a:extLst>
-            </p:cNvPr>
-            <p:cNvCxnSpPr>
-              <a:cxnSpLocks/>
-              <a:endCxn id="26" idx="0"/>
-            </p:cNvCxnSpPr>
-            <p:nvPr/>
-          </p:nvCxnSpPr>
-          <p:spPr>
-            <a:xfrm>
-              <a:off x="10607163" y="1612490"/>
-              <a:ext cx="0" cy="6710395"/>
+              <a:off x="2194704" y="1361665"/>
+              <a:ext cx="0" cy="6078867"/>
             </a:xfrm>
             <a:prstGeom prst="line">
               <a:avLst/>
@@ -3948,8 +4103,8 @@
           </p:nvSpPr>
           <p:spPr>
             <a:xfrm>
-              <a:off x="3953024" y="1022555"/>
-              <a:ext cx="963562" cy="589935"/>
+              <a:off x="4994424" y="903835"/>
+              <a:ext cx="963562" cy="457830"/>
             </a:xfrm>
             <a:prstGeom prst="rect">
               <a:avLst/>
@@ -3975,332 +4130,18 @@
             <a:p>
               <a:pPr algn="ctr"/>
               <a:r>
-                <a:rPr lang="en-US" altLang="ko-KR" sz="1200" b="1" dirty="0" err="1"/>
-                <a:t>KModel</a:t>
+                <a:rPr lang="en-US" altLang="ko-KR" sz="1200" dirty="0" err="1">
+                  <a:latin typeface="KoPubWorld돋움체 Medium" panose="00000600000000000000" pitchFamily="2" charset="-127"/>
+                  <a:ea typeface="KoPubWorld돋움체 Medium" panose="00000600000000000000" pitchFamily="2" charset="-127"/>
+                  <a:cs typeface="KoPubWorld돋움체 Medium" panose="00000600000000000000" pitchFamily="2" charset="-127"/>
+                </a:rPr>
+                <a:t>KFbxObj</a:t>
               </a:r>
-              <a:endParaRPr lang="en-US" altLang="ko-KR" sz="1200" b="1" dirty="0"/>
-            </a:p>
-          </p:txBody>
-        </p:sp>
-        <p:cxnSp>
-          <p:nvCxnSpPr>
-            <p:cNvPr id="46" name="직선 연결선 45">
-              <a:extLst>
-                <a:ext uri="{FF2B5EF4-FFF2-40B4-BE49-F238E27FC236}">
-                  <a16:creationId xmlns:a16="http://schemas.microsoft.com/office/drawing/2014/main" id="{1AF79D80-F74E-4030-9C62-475485BD6305}"/>
-                </a:ext>
-              </a:extLst>
-            </p:cNvPr>
-            <p:cNvCxnSpPr>
-              <a:cxnSpLocks/>
-              <a:endCxn id="161" idx="0"/>
-            </p:cNvCxnSpPr>
-            <p:nvPr/>
-          </p:nvCxnSpPr>
-          <p:spPr>
-            <a:xfrm>
-              <a:off x="7425182" y="1612490"/>
-              <a:ext cx="1633" cy="6723505"/>
-            </a:xfrm>
-            <a:prstGeom prst="line">
-              <a:avLst/>
-            </a:prstGeom>
-          </p:spPr>
-          <p:style>
-            <a:lnRef idx="1">
-              <a:schemeClr val="dk1"/>
-            </a:lnRef>
-            <a:fillRef idx="0">
-              <a:schemeClr val="dk1"/>
-            </a:fillRef>
-            <a:effectRef idx="0">
-              <a:schemeClr val="dk1"/>
-            </a:effectRef>
-            <a:fontRef idx="minor">
-              <a:schemeClr val="tx1"/>
-            </a:fontRef>
-          </p:style>
-        </p:cxnSp>
-        <p:sp>
-          <p:nvSpPr>
-            <p:cNvPr id="49" name="직사각형 48">
-              <a:extLst>
-                <a:ext uri="{FF2B5EF4-FFF2-40B4-BE49-F238E27FC236}">
-                  <a16:creationId xmlns:a16="http://schemas.microsoft.com/office/drawing/2014/main" id="{556F567B-7DC9-4B47-8348-E4D9EBE5AD2F}"/>
-                </a:ext>
-              </a:extLst>
-            </p:cNvPr>
-            <p:cNvSpPr/>
-            <p:nvPr/>
-          </p:nvSpPr>
-          <p:spPr>
-            <a:xfrm>
-              <a:off x="7333177" y="4052829"/>
-              <a:ext cx="195453" cy="970613"/>
-            </a:xfrm>
-            <a:prstGeom prst="rect">
-              <a:avLst/>
-            </a:prstGeom>
-            <a:solidFill>
-              <a:schemeClr val="bg1"/>
-            </a:solidFill>
-          </p:spPr>
-          <p:style>
-            <a:lnRef idx="2">
-              <a:schemeClr val="dk1"/>
-            </a:lnRef>
-            <a:fillRef idx="1">
-              <a:schemeClr val="lt1"/>
-            </a:fillRef>
-            <a:effectRef idx="0">
-              <a:schemeClr val="dk1"/>
-            </a:effectRef>
-            <a:fontRef idx="minor">
-              <a:schemeClr val="dk1"/>
-            </a:fontRef>
-          </p:style>
-          <p:txBody>
-            <a:bodyPr rtlCol="0" anchor="ctr"/>
-            <a:lstStyle/>
-            <a:p>
-              <a:pPr algn="ctr"/>
-              <a:endParaRPr lang="en-US" altLang="ko-KR" sz="1200" b="1" dirty="0"/>
-            </a:p>
-          </p:txBody>
-        </p:sp>
-        <p:sp>
-          <p:nvSpPr>
-            <p:cNvPr id="57" name="TextBox 56">
-              <a:extLst>
-                <a:ext uri="{FF2B5EF4-FFF2-40B4-BE49-F238E27FC236}">
-                  <a16:creationId xmlns:a16="http://schemas.microsoft.com/office/drawing/2014/main" id="{3CAE586B-8435-4FF6-8B4B-77FCD6AB56D7}"/>
-                </a:ext>
-              </a:extLst>
-            </p:cNvPr>
-            <p:cNvSpPr txBox="1"/>
-            <p:nvPr/>
-          </p:nvSpPr>
-          <p:spPr>
-            <a:xfrm>
-              <a:off x="2503179" y="2468816"/>
-              <a:ext cx="447558" cy="246221"/>
-            </a:xfrm>
-            <a:prstGeom prst="rect">
-              <a:avLst/>
-            </a:prstGeom>
-            <a:noFill/>
-          </p:spPr>
-          <p:txBody>
-            <a:bodyPr wrap="none" rtlCol="0">
-              <a:spAutoFit/>
-            </a:bodyPr>
-            <a:lstStyle/>
-            <a:p>
-              <a:r>
-                <a:rPr lang="en-US" altLang="ko-KR" sz="1000" dirty="0"/>
-                <a:t>Init()</a:t>
-              </a:r>
-              <a:endParaRPr lang="ko-KR" altLang="en-US" sz="1000" dirty="0"/>
-            </a:p>
-          </p:txBody>
-        </p:sp>
-        <p:sp>
-          <p:nvSpPr>
-            <p:cNvPr id="58" name="TextBox 57">
-              <a:extLst>
-                <a:ext uri="{FF2B5EF4-FFF2-40B4-BE49-F238E27FC236}">
-                  <a16:creationId xmlns:a16="http://schemas.microsoft.com/office/drawing/2014/main" id="{8373707B-8145-43D8-9672-997A283394A7}"/>
-                </a:ext>
-              </a:extLst>
-            </p:cNvPr>
-            <p:cNvSpPr txBox="1"/>
-            <p:nvPr/>
-          </p:nvSpPr>
-          <p:spPr>
-            <a:xfrm>
-              <a:off x="2257075" y="5712334"/>
-              <a:ext cx="619080" cy="246221"/>
-            </a:xfrm>
-            <a:prstGeom prst="rect">
-              <a:avLst/>
-            </a:prstGeom>
-            <a:noFill/>
-          </p:spPr>
-          <p:txBody>
-            <a:bodyPr wrap="none" rtlCol="0">
-              <a:spAutoFit/>
-            </a:bodyPr>
-            <a:lstStyle/>
-            <a:p>
-              <a:pPr algn="r"/>
-              <a:r>
-                <a:rPr lang="en-US" altLang="ko-KR" sz="1000" dirty="0"/>
-                <a:t>Frame()</a:t>
-              </a:r>
-              <a:endParaRPr lang="ko-KR" altLang="en-US" sz="1000" dirty="0"/>
-            </a:p>
-          </p:txBody>
-        </p:sp>
-        <p:sp>
-          <p:nvSpPr>
-            <p:cNvPr id="59" name="TextBox 58">
-              <a:extLst>
-                <a:ext uri="{FF2B5EF4-FFF2-40B4-BE49-F238E27FC236}">
-                  <a16:creationId xmlns:a16="http://schemas.microsoft.com/office/drawing/2014/main" id="{E37DC8FA-74A1-43F3-8C56-FAD3E9C210F5}"/>
-                </a:ext>
-              </a:extLst>
-            </p:cNvPr>
-            <p:cNvSpPr txBox="1"/>
-            <p:nvPr/>
-          </p:nvSpPr>
-          <p:spPr>
-            <a:xfrm>
-              <a:off x="2257075" y="6716692"/>
-              <a:ext cx="673582" cy="246221"/>
-            </a:xfrm>
-            <a:prstGeom prst="rect">
-              <a:avLst/>
-            </a:prstGeom>
-            <a:noFill/>
-          </p:spPr>
-          <p:txBody>
-            <a:bodyPr wrap="none" rtlCol="0">
-              <a:spAutoFit/>
-            </a:bodyPr>
-            <a:lstStyle/>
-            <a:p>
-              <a:pPr algn="r"/>
-              <a:r>
-                <a:rPr lang="en-US" altLang="ko-KR" sz="1000" dirty="0"/>
-                <a:t>Render()</a:t>
-              </a:r>
-              <a:endParaRPr lang="ko-KR" altLang="en-US" sz="1000" dirty="0"/>
-            </a:p>
-          </p:txBody>
-        </p:sp>
-        <p:sp>
-          <p:nvSpPr>
-            <p:cNvPr id="60" name="TextBox 59">
-              <a:extLst>
-                <a:ext uri="{FF2B5EF4-FFF2-40B4-BE49-F238E27FC236}">
-                  <a16:creationId xmlns:a16="http://schemas.microsoft.com/office/drawing/2014/main" id="{E01156E9-DA2B-43F4-884C-9B340790D22B}"/>
-                </a:ext>
-              </a:extLst>
-            </p:cNvPr>
-            <p:cNvSpPr txBox="1"/>
-            <p:nvPr/>
-          </p:nvSpPr>
-          <p:spPr>
-            <a:xfrm>
-              <a:off x="2257075" y="8042103"/>
-              <a:ext cx="702436" cy="246221"/>
-            </a:xfrm>
-            <a:prstGeom prst="rect">
-              <a:avLst/>
-            </a:prstGeom>
-            <a:noFill/>
-          </p:spPr>
-          <p:txBody>
-            <a:bodyPr wrap="none" rtlCol="0">
-              <a:spAutoFit/>
-            </a:bodyPr>
-            <a:lstStyle/>
-            <a:p>
-              <a:pPr algn="r"/>
-              <a:r>
-                <a:rPr lang="en-US" altLang="ko-KR" sz="1000" dirty="0"/>
-                <a:t>Release()</a:t>
-              </a:r>
-              <a:endParaRPr lang="ko-KR" altLang="en-US" sz="1000" dirty="0"/>
-            </a:p>
-          </p:txBody>
-        </p:sp>
-        <p:cxnSp>
-          <p:nvCxnSpPr>
-            <p:cNvPr id="64" name="직선 화살표 연결선 63">
-              <a:extLst>
-                <a:ext uri="{FF2B5EF4-FFF2-40B4-BE49-F238E27FC236}">
-                  <a16:creationId xmlns:a16="http://schemas.microsoft.com/office/drawing/2014/main" id="{5C67B68C-E3D3-4032-B09E-CA918CA784A4}"/>
-                </a:ext>
-              </a:extLst>
-            </p:cNvPr>
-            <p:cNvCxnSpPr>
-              <a:cxnSpLocks/>
-            </p:cNvCxnSpPr>
-            <p:nvPr/>
-          </p:nvCxnSpPr>
-          <p:spPr>
-            <a:xfrm>
-              <a:off x="2930013" y="2563482"/>
-              <a:ext cx="6294185" cy="0"/>
-            </a:xfrm>
-            <a:prstGeom prst="straightConnector1">
-              <a:avLst/>
-            </a:prstGeom>
-            <a:ln>
-              <a:tailEnd type="triangle"/>
-            </a:ln>
-          </p:spPr>
-          <p:style>
-            <a:lnRef idx="1">
-              <a:schemeClr val="dk1"/>
-            </a:lnRef>
-            <a:fillRef idx="0">
-              <a:schemeClr val="dk1"/>
-            </a:fillRef>
-            <a:effectRef idx="0">
-              <a:schemeClr val="dk1"/>
-            </a:effectRef>
-            <a:fontRef idx="minor">
-              <a:schemeClr val="tx1"/>
-            </a:fontRef>
-          </p:style>
-        </p:cxnSp>
-        <p:sp>
-          <p:nvSpPr>
-            <p:cNvPr id="67" name="직사각형 66">
-              <a:extLst>
-                <a:ext uri="{FF2B5EF4-FFF2-40B4-BE49-F238E27FC236}">
-                  <a16:creationId xmlns:a16="http://schemas.microsoft.com/office/drawing/2014/main" id="{A000024E-34A0-4A7E-9627-45E1C8922B5E}"/>
-                </a:ext>
-              </a:extLst>
-            </p:cNvPr>
-            <p:cNvSpPr/>
-            <p:nvPr/>
-          </p:nvSpPr>
-          <p:spPr>
-            <a:xfrm>
-              <a:off x="5468178" y="1038127"/>
-              <a:ext cx="963562" cy="589935"/>
-            </a:xfrm>
-            <a:prstGeom prst="rect">
-              <a:avLst/>
-            </a:prstGeom>
-          </p:spPr>
-          <p:style>
-            <a:lnRef idx="2">
-              <a:schemeClr val="dk1"/>
-            </a:lnRef>
-            <a:fillRef idx="1">
-              <a:schemeClr val="lt1"/>
-            </a:fillRef>
-            <a:effectRef idx="0">
-              <a:schemeClr val="dk1"/>
-            </a:effectRef>
-            <a:fontRef idx="minor">
-              <a:schemeClr val="dk1"/>
-            </a:fontRef>
-          </p:style>
-          <p:txBody>
-            <a:bodyPr rtlCol="0" anchor="ctr"/>
-            <a:lstStyle/>
-            <a:p>
-              <a:pPr algn="ctr"/>
-              <a:r>
-                <a:rPr lang="en-US" altLang="ko-KR" sz="1200" b="1" dirty="0" err="1"/>
-                <a:t>KQuadtree</a:t>
-              </a:r>
-              <a:endParaRPr lang="en-US" altLang="ko-KR" sz="1200" b="1" dirty="0"/>
+              <a:endParaRPr lang="en-US" altLang="ko-KR" sz="1200" dirty="0">
+                <a:latin typeface="KoPubWorld돋움체 Medium" panose="00000600000000000000" pitchFamily="2" charset="-127"/>
+                <a:ea typeface="KoPubWorld돋움체 Medium" panose="00000600000000000000" pitchFamily="2" charset="-127"/>
+                <a:cs typeface="KoPubWorld돋움체 Medium" panose="00000600000000000000" pitchFamily="2" charset="-127"/>
+              </a:endParaRPr>
             </a:p>
           </p:txBody>
         </p:sp>
@@ -4315,13 +4156,14 @@
             </p:cNvPr>
             <p:cNvCxnSpPr>
               <a:cxnSpLocks/>
+              <a:stCxn id="41" idx="2"/>
             </p:cNvCxnSpPr>
             <p:nvPr/>
           </p:nvCxnSpPr>
           <p:spPr>
             <a:xfrm>
-              <a:off x="4445167" y="1612490"/>
-              <a:ext cx="0" cy="6750665"/>
+              <a:off x="5476205" y="1361665"/>
+              <a:ext cx="10362" cy="6074390"/>
             </a:xfrm>
             <a:prstGeom prst="line">
               <a:avLst/>
@@ -4356,8 +4198,8 @@
           </p:nvSpPr>
           <p:spPr>
             <a:xfrm>
-              <a:off x="4346760" y="2496887"/>
-              <a:ext cx="204552" cy="1559072"/>
+              <a:off x="5432561" y="1985598"/>
+              <a:ext cx="106224" cy="1980000"/>
             </a:xfrm>
             <a:prstGeom prst="rect">
               <a:avLst/>
@@ -4385,76 +4227,20 @@
             <a:lstStyle/>
             <a:p>
               <a:pPr algn="ctr"/>
-              <a:endParaRPr lang="en-US" altLang="ko-KR" sz="1200" b="1" dirty="0"/>
-            </a:p>
-          </p:txBody>
-        </p:sp>
-        <p:sp>
-          <p:nvSpPr>
-            <p:cNvPr id="72" name="사각형: 잘린 한쪽 모서리 71">
-              <a:extLst>
-                <a:ext uri="{FF2B5EF4-FFF2-40B4-BE49-F238E27FC236}">
-                  <a16:creationId xmlns:a16="http://schemas.microsoft.com/office/drawing/2014/main" id="{5C1371E7-A43E-430C-8DA1-8D4D82CB10E0}"/>
-                </a:ext>
-              </a:extLst>
-            </p:cNvPr>
-            <p:cNvSpPr/>
-            <p:nvPr/>
-          </p:nvSpPr>
-          <p:spPr>
-            <a:xfrm>
-              <a:off x="4638709" y="3467604"/>
-              <a:ext cx="1112065" cy="393700"/>
-            </a:xfrm>
-            <a:prstGeom prst="snip1Rect">
-              <a:avLst/>
-            </a:prstGeom>
-          </p:spPr>
-          <p:style>
-            <a:lnRef idx="2">
-              <a:schemeClr val="dk1"/>
-            </a:lnRef>
-            <a:fillRef idx="1">
-              <a:schemeClr val="lt1"/>
-            </a:fillRef>
-            <a:effectRef idx="0">
-              <a:schemeClr val="dk1"/>
-            </a:effectRef>
-            <a:fontRef idx="minor">
-              <a:schemeClr val="dk1"/>
-            </a:fontRef>
-          </p:style>
-          <p:txBody>
-            <a:bodyPr rtlCol="0" anchor="ctr"/>
-            <a:lstStyle/>
-            <a:p>
-              <a:pPr algn="ctr"/>
-              <a:r>
-                <a:rPr lang="en-US" altLang="ko-KR" sz="900" spc="-150" dirty="0"/>
-                <a:t>Tokenize</a:t>
-              </a:r>
-              <a:r>
-                <a:rPr lang="ko-KR" altLang="en-US" sz="900" spc="-150" dirty="0"/>
-                <a:t> 파일 입출력으로 파일 불러와 </a:t>
-              </a:r>
-              <a:r>
-                <a:rPr lang="ko-KR" altLang="en-US" sz="900" spc="-150" dirty="0" err="1"/>
-                <a:t>쿼드트리</a:t>
-              </a:r>
-              <a:r>
-                <a:rPr lang="ko-KR" altLang="en-US" sz="900" spc="-150" dirty="0"/>
-                <a:t> 생성</a:t>
-              </a:r>
-              <a:endParaRPr lang="en-US" altLang="ko-KR" sz="900" spc="-150" dirty="0"/>
+              <a:endParaRPr lang="en-US" altLang="ko-KR" sz="1200" dirty="0">
+                <a:latin typeface="KoPubWorld돋움체 Medium" panose="00000600000000000000" pitchFamily="2" charset="-127"/>
+                <a:ea typeface="KoPubWorld돋움체 Medium" panose="00000600000000000000" pitchFamily="2" charset="-127"/>
+                <a:cs typeface="KoPubWorld돋움체 Medium" panose="00000600000000000000" pitchFamily="2" charset="-127"/>
+              </a:endParaRPr>
             </a:p>
           </p:txBody>
         </p:sp>
         <p:grpSp>
           <p:nvGrpSpPr>
-            <p:cNvPr id="108" name="그룹 107">
+            <p:cNvPr id="12" name="그룹 11">
               <a:extLst>
                 <a:ext uri="{FF2B5EF4-FFF2-40B4-BE49-F238E27FC236}">
-                  <a16:creationId xmlns:a16="http://schemas.microsoft.com/office/drawing/2014/main" id="{1883FF18-9C79-4A8B-92D5-98C54870729F}"/>
+                  <a16:creationId xmlns:a16="http://schemas.microsoft.com/office/drawing/2014/main" id="{025B43E2-D251-463B-BA8B-3F9CAE9C7D04}"/>
                 </a:ext>
               </a:extLst>
             </p:cNvPr>
@@ -4463,622 +4249,10 @@
           </p:nvGrpSpPr>
           <p:grpSpPr>
             <a:xfrm>
-              <a:off x="4570206" y="4070947"/>
-              <a:ext cx="1313181" cy="1110654"/>
-              <a:chOff x="2908851" y="2562065"/>
-              <a:chExt cx="1313181" cy="1425881"/>
-            </a:xfrm>
-          </p:grpSpPr>
-          <p:sp>
-            <p:nvSpPr>
-              <p:cNvPr id="73" name="TextBox 72">
-                <a:extLst>
-                  <a:ext uri="{FF2B5EF4-FFF2-40B4-BE49-F238E27FC236}">
-                    <a16:creationId xmlns:a16="http://schemas.microsoft.com/office/drawing/2014/main" id="{1B9CD83A-DFB4-47C0-9F31-BD3B496BF482}"/>
-                  </a:ext>
-                </a:extLst>
-              </p:cNvPr>
-              <p:cNvSpPr txBox="1"/>
-              <p:nvPr/>
-            </p:nvSpPr>
-            <p:spPr>
-              <a:xfrm>
-                <a:off x="3670278" y="2562065"/>
-                <a:ext cx="551754" cy="246221"/>
-              </a:xfrm>
-              <a:prstGeom prst="rect">
-                <a:avLst/>
-              </a:prstGeom>
-              <a:noFill/>
-            </p:spPr>
-            <p:txBody>
-              <a:bodyPr wrap="none" rtlCol="0">
-                <a:spAutoFit/>
-              </a:bodyPr>
-              <a:lstStyle/>
-              <a:p>
-                <a:pPr algn="r"/>
-                <a:r>
-                  <a:rPr lang="en-US" altLang="ko-KR" sz="1000" dirty="0"/>
-                  <a:t>Build()</a:t>
-                </a:r>
-                <a:endParaRPr lang="ko-KR" altLang="en-US" sz="1000" dirty="0"/>
-              </a:p>
-            </p:txBody>
-          </p:sp>
-          <p:sp>
-            <p:nvSpPr>
-              <p:cNvPr id="74" name="TextBox 73">
-                <a:extLst>
-                  <a:ext uri="{FF2B5EF4-FFF2-40B4-BE49-F238E27FC236}">
-                    <a16:creationId xmlns:a16="http://schemas.microsoft.com/office/drawing/2014/main" id="{848C46D9-BFB4-4216-BD77-38C0675B698E}"/>
-                  </a:ext>
-                </a:extLst>
-              </p:cNvPr>
-              <p:cNvSpPr txBox="1"/>
-              <p:nvPr/>
-            </p:nvSpPr>
-            <p:spPr>
-              <a:xfrm>
-                <a:off x="3295175" y="2819115"/>
-                <a:ext cx="926857" cy="246221"/>
-              </a:xfrm>
-              <a:prstGeom prst="rect">
-                <a:avLst/>
-              </a:prstGeom>
-              <a:noFill/>
-            </p:spPr>
-            <p:txBody>
-              <a:bodyPr wrap="none" rtlCol="0">
-                <a:spAutoFit/>
-              </a:bodyPr>
-              <a:lstStyle/>
-              <a:p>
-                <a:pPr algn="r"/>
-                <a:r>
-                  <a:rPr lang="en-US" altLang="ko-KR" sz="1000" dirty="0" err="1"/>
-                  <a:t>LoadObject</a:t>
-                </a:r>
-                <a:r>
-                  <a:rPr lang="en-US" altLang="ko-KR" sz="1000" dirty="0"/>
-                  <a:t>()</a:t>
-                </a:r>
-                <a:endParaRPr lang="ko-KR" altLang="en-US" sz="1000" dirty="0"/>
-              </a:p>
-            </p:txBody>
-          </p:sp>
-          <p:sp>
-            <p:nvSpPr>
-              <p:cNvPr id="75" name="TextBox 74">
-                <a:extLst>
-                  <a:ext uri="{FF2B5EF4-FFF2-40B4-BE49-F238E27FC236}">
-                    <a16:creationId xmlns:a16="http://schemas.microsoft.com/office/drawing/2014/main" id="{F119627B-ADF3-4B51-B8A7-AC8921B23C71}"/>
-                  </a:ext>
-                </a:extLst>
-              </p:cNvPr>
-              <p:cNvSpPr txBox="1"/>
-              <p:nvPr/>
-            </p:nvSpPr>
-            <p:spPr>
-              <a:xfrm>
-                <a:off x="3442651" y="3114766"/>
-                <a:ext cx="779381" cy="246221"/>
-              </a:xfrm>
-              <a:prstGeom prst="rect">
-                <a:avLst/>
-              </a:prstGeom>
-              <a:noFill/>
-            </p:spPr>
-            <p:txBody>
-              <a:bodyPr wrap="none" rtlCol="0">
-                <a:spAutoFit/>
-              </a:bodyPr>
-              <a:lstStyle/>
-              <a:p>
-                <a:pPr algn="r"/>
-                <a:r>
-                  <a:rPr lang="en-US" altLang="ko-KR" sz="1000" dirty="0" err="1"/>
-                  <a:t>Buildtree</a:t>
-                </a:r>
-                <a:r>
-                  <a:rPr lang="en-US" altLang="ko-KR" sz="1000" dirty="0"/>
-                  <a:t>()</a:t>
-                </a:r>
-                <a:endParaRPr lang="ko-KR" altLang="en-US" sz="1000" dirty="0"/>
-              </a:p>
-            </p:txBody>
-          </p:sp>
-          <p:sp>
-            <p:nvSpPr>
-              <p:cNvPr id="76" name="TextBox 75">
-                <a:extLst>
-                  <a:ext uri="{FF2B5EF4-FFF2-40B4-BE49-F238E27FC236}">
-                    <a16:creationId xmlns:a16="http://schemas.microsoft.com/office/drawing/2014/main" id="{B5485617-3B47-4F9B-8039-BC95EDE334B0}"/>
-                  </a:ext>
-                </a:extLst>
-              </p:cNvPr>
-              <p:cNvSpPr txBox="1"/>
-              <p:nvPr/>
-            </p:nvSpPr>
-            <p:spPr>
-              <a:xfrm>
-                <a:off x="2908851" y="3429000"/>
-                <a:ext cx="1313181" cy="246221"/>
-              </a:xfrm>
-              <a:prstGeom prst="rect">
-                <a:avLst/>
-              </a:prstGeom>
-              <a:noFill/>
-            </p:spPr>
-            <p:txBody>
-              <a:bodyPr wrap="none" rtlCol="0">
-                <a:spAutoFit/>
-              </a:bodyPr>
-              <a:lstStyle/>
-              <a:p>
-                <a:pPr algn="r"/>
-                <a:r>
-                  <a:rPr lang="en-US" altLang="ko-KR" sz="1000" dirty="0" err="1"/>
-                  <a:t>SetNeighborNode</a:t>
-                </a:r>
-                <a:r>
-                  <a:rPr lang="en-US" altLang="ko-KR" sz="1000" dirty="0"/>
-                  <a:t>()</a:t>
-                </a:r>
-                <a:endParaRPr lang="ko-KR" altLang="en-US" sz="1000" dirty="0"/>
-              </a:p>
-            </p:txBody>
-          </p:sp>
-          <p:sp>
-            <p:nvSpPr>
-              <p:cNvPr id="77" name="TextBox 76">
-                <a:extLst>
-                  <a:ext uri="{FF2B5EF4-FFF2-40B4-BE49-F238E27FC236}">
-                    <a16:creationId xmlns:a16="http://schemas.microsoft.com/office/drawing/2014/main" id="{2845A0A0-EE4D-47DB-B15B-C14BCB70F28C}"/>
-                  </a:ext>
-                </a:extLst>
-              </p:cNvPr>
-              <p:cNvSpPr txBox="1"/>
-              <p:nvPr/>
-            </p:nvSpPr>
-            <p:spPr>
-              <a:xfrm>
-                <a:off x="2926486" y="3741725"/>
-                <a:ext cx="1295546" cy="246221"/>
-              </a:xfrm>
-              <a:prstGeom prst="rect">
-                <a:avLst/>
-              </a:prstGeom>
-              <a:noFill/>
-            </p:spPr>
-            <p:txBody>
-              <a:bodyPr wrap="none" rtlCol="0">
-                <a:spAutoFit/>
-              </a:bodyPr>
-              <a:lstStyle/>
-              <a:p>
-                <a:pPr algn="r"/>
-                <a:r>
-                  <a:rPr lang="en-US" altLang="ko-KR" sz="1000" dirty="0" err="1"/>
-                  <a:t>CreateIndexBuffer</a:t>
-                </a:r>
-                <a:r>
-                  <a:rPr lang="en-US" altLang="ko-KR" sz="1000" dirty="0"/>
-                  <a:t>()</a:t>
-                </a:r>
-                <a:endParaRPr lang="ko-KR" altLang="en-US" sz="1000" dirty="0"/>
-              </a:p>
-            </p:txBody>
-          </p:sp>
-        </p:grpSp>
-        <p:sp>
-          <p:nvSpPr>
-            <p:cNvPr id="78" name="직사각형 77">
-              <a:extLst>
-                <a:ext uri="{FF2B5EF4-FFF2-40B4-BE49-F238E27FC236}">
-                  <a16:creationId xmlns:a16="http://schemas.microsoft.com/office/drawing/2014/main" id="{A2B1ADA6-2B81-41E9-84C6-06E56D57224D}"/>
-                </a:ext>
-              </a:extLst>
-            </p:cNvPr>
-            <p:cNvSpPr/>
-            <p:nvPr/>
-          </p:nvSpPr>
-          <p:spPr>
-            <a:xfrm>
-              <a:off x="6945034" y="1041961"/>
-              <a:ext cx="963562" cy="589935"/>
-            </a:xfrm>
-            <a:prstGeom prst="rect">
-              <a:avLst/>
-            </a:prstGeom>
-          </p:spPr>
-          <p:style>
-            <a:lnRef idx="2">
-              <a:schemeClr val="dk1"/>
-            </a:lnRef>
-            <a:fillRef idx="1">
-              <a:schemeClr val="lt1"/>
-            </a:fillRef>
-            <a:effectRef idx="0">
-              <a:schemeClr val="dk1"/>
-            </a:effectRef>
-            <a:fontRef idx="minor">
-              <a:schemeClr val="dk1"/>
-            </a:fontRef>
-          </p:style>
-          <p:txBody>
-            <a:bodyPr rtlCol="0" anchor="ctr"/>
-            <a:lstStyle/>
-            <a:p>
-              <a:pPr algn="ctr"/>
-              <a:r>
-                <a:rPr lang="en-US" altLang="ko-KR" sz="1200" b="1" dirty="0" err="1"/>
-                <a:t>KCamera</a:t>
-              </a:r>
-              <a:endParaRPr lang="en-US" altLang="ko-KR" sz="1200" b="1" dirty="0"/>
-            </a:p>
-          </p:txBody>
-        </p:sp>
-        <p:cxnSp>
-          <p:nvCxnSpPr>
-            <p:cNvPr id="80" name="직선 화살표 연결선 79">
-              <a:extLst>
-                <a:ext uri="{FF2B5EF4-FFF2-40B4-BE49-F238E27FC236}">
-                  <a16:creationId xmlns:a16="http://schemas.microsoft.com/office/drawing/2014/main" id="{43F458DA-903A-45D0-A4C2-AB767DE12A59}"/>
-                </a:ext>
-              </a:extLst>
-            </p:cNvPr>
-            <p:cNvCxnSpPr>
-              <a:cxnSpLocks/>
-            </p:cNvCxnSpPr>
-            <p:nvPr/>
-          </p:nvCxnSpPr>
-          <p:spPr>
-            <a:xfrm>
-              <a:off x="4551312" y="4017807"/>
-              <a:ext cx="1278034" cy="0"/>
-            </a:xfrm>
-            <a:prstGeom prst="straightConnector1">
-              <a:avLst/>
-            </a:prstGeom>
-            <a:ln>
-              <a:tailEnd type="triangle"/>
-            </a:ln>
-          </p:spPr>
-          <p:style>
-            <a:lnRef idx="1">
-              <a:schemeClr val="dk1"/>
-            </a:lnRef>
-            <a:fillRef idx="0">
-              <a:schemeClr val="dk1"/>
-            </a:fillRef>
-            <a:effectRef idx="0">
-              <a:schemeClr val="dk1"/>
-            </a:effectRef>
-            <a:fontRef idx="minor">
-              <a:schemeClr val="tx1"/>
-            </a:fontRef>
-          </p:style>
-        </p:cxnSp>
-        <p:cxnSp>
-          <p:nvCxnSpPr>
-            <p:cNvPr id="82" name="직선 연결선 81">
-              <a:extLst>
-                <a:ext uri="{FF2B5EF4-FFF2-40B4-BE49-F238E27FC236}">
-                  <a16:creationId xmlns:a16="http://schemas.microsoft.com/office/drawing/2014/main" id="{E27ABA1F-8775-422B-89F8-1B3BB2BFF296}"/>
-                </a:ext>
-              </a:extLst>
-            </p:cNvPr>
-            <p:cNvCxnSpPr>
-              <a:cxnSpLocks/>
-            </p:cNvCxnSpPr>
-            <p:nvPr/>
-          </p:nvCxnSpPr>
-          <p:spPr>
-            <a:xfrm>
-              <a:off x="5939598" y="1612490"/>
-              <a:ext cx="0" cy="6750665"/>
-            </a:xfrm>
-            <a:prstGeom prst="line">
-              <a:avLst/>
-            </a:prstGeom>
-          </p:spPr>
-          <p:style>
-            <a:lnRef idx="1">
-              <a:schemeClr val="dk1"/>
-            </a:lnRef>
-            <a:fillRef idx="0">
-              <a:schemeClr val="dk1"/>
-            </a:fillRef>
-            <a:effectRef idx="0">
-              <a:schemeClr val="dk1"/>
-            </a:effectRef>
-            <a:fontRef idx="minor">
-              <a:schemeClr val="tx1"/>
-            </a:fontRef>
-          </p:style>
-        </p:cxnSp>
-        <p:sp>
-          <p:nvSpPr>
-            <p:cNvPr id="86" name="TextBox 85">
-              <a:extLst>
-                <a:ext uri="{FF2B5EF4-FFF2-40B4-BE49-F238E27FC236}">
-                  <a16:creationId xmlns:a16="http://schemas.microsoft.com/office/drawing/2014/main" id="{390D3949-355F-4D64-A5DC-9651548D542C}"/>
-                </a:ext>
-              </a:extLst>
-            </p:cNvPr>
-            <p:cNvSpPr txBox="1"/>
-            <p:nvPr/>
-          </p:nvSpPr>
-          <p:spPr>
-            <a:xfrm>
-              <a:off x="6111910" y="4101953"/>
-              <a:ext cx="1281184" cy="553998"/>
-            </a:xfrm>
-            <a:prstGeom prst="rect">
-              <a:avLst/>
-            </a:prstGeom>
-            <a:noFill/>
-          </p:spPr>
-          <p:txBody>
-            <a:bodyPr wrap="none" rtlCol="0">
-              <a:spAutoFit/>
-            </a:bodyPr>
-            <a:lstStyle/>
-            <a:p>
-              <a:pPr algn="r"/>
-              <a:r>
-                <a:rPr lang="en-US" altLang="ko-KR" sz="1000" dirty="0" err="1"/>
-                <a:t>CreateViewMatrix</a:t>
-              </a:r>
-              <a:r>
-                <a:rPr lang="en-US" altLang="ko-KR" sz="1000" dirty="0"/>
-                <a:t>()</a:t>
-              </a:r>
-            </a:p>
-            <a:p>
-              <a:pPr algn="r"/>
-              <a:endParaRPr lang="en-US" altLang="ko-KR" sz="1000" dirty="0"/>
-            </a:p>
-            <a:p>
-              <a:pPr algn="r"/>
-              <a:r>
-                <a:rPr lang="en-US" altLang="ko-KR" sz="1000" dirty="0" err="1"/>
-                <a:t>CreateProjMatrix</a:t>
-              </a:r>
-              <a:r>
-                <a:rPr lang="en-US" altLang="ko-KR" sz="1000" dirty="0"/>
-                <a:t>()</a:t>
-              </a:r>
-            </a:p>
-          </p:txBody>
-        </p:sp>
-        <p:sp>
-          <p:nvSpPr>
-            <p:cNvPr id="88" name="직사각형 87">
-              <a:extLst>
-                <a:ext uri="{FF2B5EF4-FFF2-40B4-BE49-F238E27FC236}">
-                  <a16:creationId xmlns:a16="http://schemas.microsoft.com/office/drawing/2014/main" id="{71C7FCDA-B4BE-46AC-A585-E77C43EB1931}"/>
-                </a:ext>
-              </a:extLst>
-            </p:cNvPr>
-            <p:cNvSpPr/>
-            <p:nvPr/>
-          </p:nvSpPr>
-          <p:spPr>
-            <a:xfrm>
-              <a:off x="5832892" y="3984169"/>
-              <a:ext cx="209874" cy="1284736"/>
-            </a:xfrm>
-            <a:prstGeom prst="rect">
-              <a:avLst/>
-            </a:prstGeom>
-            <a:solidFill>
-              <a:schemeClr val="bg1"/>
-            </a:solidFill>
-          </p:spPr>
-          <p:style>
-            <a:lnRef idx="2">
-              <a:schemeClr val="dk1"/>
-            </a:lnRef>
-            <a:fillRef idx="1">
-              <a:schemeClr val="lt1"/>
-            </a:fillRef>
-            <a:effectRef idx="0">
-              <a:schemeClr val="dk1"/>
-            </a:effectRef>
-            <a:fontRef idx="minor">
-              <a:schemeClr val="dk1"/>
-            </a:fontRef>
-          </p:style>
-          <p:txBody>
-            <a:bodyPr rtlCol="0" anchor="ctr"/>
-            <a:lstStyle/>
-            <a:p>
-              <a:pPr algn="ctr"/>
-              <a:endParaRPr lang="en-US" altLang="ko-KR" sz="1200" b="1" dirty="0"/>
-            </a:p>
-          </p:txBody>
-        </p:sp>
-        <p:cxnSp>
-          <p:nvCxnSpPr>
-            <p:cNvPr id="95" name="직선 화살표 연결선 94">
-              <a:extLst>
-                <a:ext uri="{FF2B5EF4-FFF2-40B4-BE49-F238E27FC236}">
-                  <a16:creationId xmlns:a16="http://schemas.microsoft.com/office/drawing/2014/main" id="{085E441A-3862-4F2C-83DA-722C08D31C66}"/>
-                </a:ext>
-              </a:extLst>
-            </p:cNvPr>
-            <p:cNvCxnSpPr>
-              <a:cxnSpLocks/>
-            </p:cNvCxnSpPr>
-            <p:nvPr/>
-          </p:nvCxnSpPr>
-          <p:spPr>
-            <a:xfrm>
-              <a:off x="6042766" y="4017807"/>
-              <a:ext cx="1290411" cy="0"/>
-            </a:xfrm>
-            <a:prstGeom prst="straightConnector1">
-              <a:avLst/>
-            </a:prstGeom>
-            <a:ln>
-              <a:tailEnd type="triangle"/>
-            </a:ln>
-          </p:spPr>
-          <p:style>
-            <a:lnRef idx="1">
-              <a:schemeClr val="dk1"/>
-            </a:lnRef>
-            <a:fillRef idx="0">
-              <a:schemeClr val="dk1"/>
-            </a:fillRef>
-            <a:effectRef idx="0">
-              <a:schemeClr val="dk1"/>
-            </a:effectRef>
-            <a:fontRef idx="minor">
-              <a:schemeClr val="tx1"/>
-            </a:fontRef>
-          </p:style>
-        </p:cxnSp>
-        <p:sp>
-          <p:nvSpPr>
-            <p:cNvPr id="97" name="TextBox 96">
-              <a:extLst>
-                <a:ext uri="{FF2B5EF4-FFF2-40B4-BE49-F238E27FC236}">
-                  <a16:creationId xmlns:a16="http://schemas.microsoft.com/office/drawing/2014/main" id="{D24D3489-3C93-43B2-8A73-13C1D7C53CB9}"/>
-                </a:ext>
-              </a:extLst>
-            </p:cNvPr>
-            <p:cNvSpPr txBox="1"/>
-            <p:nvPr/>
-          </p:nvSpPr>
-          <p:spPr>
-            <a:xfrm>
-              <a:off x="2646774" y="2660041"/>
-              <a:ext cx="1752403" cy="1216743"/>
-            </a:xfrm>
-            <a:prstGeom prst="rect">
-              <a:avLst/>
-            </a:prstGeom>
-            <a:noFill/>
-          </p:spPr>
-          <p:txBody>
-            <a:bodyPr wrap="none" rtlCol="0">
-              <a:spAutoFit/>
-            </a:bodyPr>
-            <a:lstStyle/>
-            <a:p>
-              <a:pPr algn="r">
-                <a:lnSpc>
-                  <a:spcPct val="150000"/>
-                </a:lnSpc>
-              </a:pPr>
-              <a:r>
-                <a:rPr lang="en-US" altLang="ko-KR" sz="1000" dirty="0" err="1"/>
-                <a:t>CreateConstantBuffer</a:t>
-              </a:r>
-              <a:r>
-                <a:rPr lang="en-US" altLang="ko-KR" sz="1000" dirty="0"/>
-                <a:t>()</a:t>
-              </a:r>
-            </a:p>
-            <a:p>
-              <a:pPr algn="r">
-                <a:lnSpc>
-                  <a:spcPct val="150000"/>
-                </a:lnSpc>
-              </a:pPr>
-              <a:r>
-                <a:rPr lang="en-US" altLang="ko-KR" sz="1000" dirty="0"/>
-                <a:t>        </a:t>
-              </a:r>
-              <a:r>
-                <a:rPr lang="en-US" altLang="ko-KR" sz="1000" dirty="0" err="1"/>
-                <a:t>CreateVertexBuffer</a:t>
-              </a:r>
-              <a:r>
-                <a:rPr lang="en-US" altLang="ko-KR" sz="1000" dirty="0"/>
-                <a:t>()</a:t>
-              </a:r>
-            </a:p>
-            <a:p>
-              <a:pPr algn="r">
-                <a:lnSpc>
-                  <a:spcPct val="150000"/>
-                </a:lnSpc>
-              </a:pPr>
-              <a:r>
-                <a:rPr lang="en-US" altLang="ko-KR" sz="1000" dirty="0"/>
-                <a:t>        </a:t>
-              </a:r>
-              <a:r>
-                <a:rPr lang="en-US" altLang="ko-KR" sz="1000" dirty="0" err="1"/>
-                <a:t>CreateIndexBuffer</a:t>
-              </a:r>
-              <a:r>
-                <a:rPr lang="en-US" altLang="ko-KR" sz="1000" dirty="0"/>
-                <a:t>()</a:t>
-              </a:r>
-            </a:p>
-            <a:p>
-              <a:pPr algn="r">
-                <a:lnSpc>
-                  <a:spcPct val="150000"/>
-                </a:lnSpc>
-              </a:pPr>
-              <a:r>
-                <a:rPr lang="en-US" altLang="ko-KR" sz="1000" dirty="0"/>
-                <a:t>        </a:t>
-              </a:r>
-              <a:r>
-                <a:rPr lang="en-US" altLang="ko-KR" sz="1000" dirty="0" err="1"/>
-                <a:t>LoadShader</a:t>
-              </a:r>
-              <a:r>
-                <a:rPr lang="en-US" altLang="ko-KR" sz="1000" dirty="0"/>
-                <a:t>()</a:t>
-              </a:r>
-            </a:p>
-            <a:p>
-              <a:pPr algn="r">
-                <a:lnSpc>
-                  <a:spcPct val="150000"/>
-                </a:lnSpc>
-              </a:pPr>
-              <a:r>
-                <a:rPr lang="en-US" altLang="ko-KR" sz="1000" dirty="0"/>
-                <a:t>        </a:t>
-              </a:r>
-              <a:r>
-                <a:rPr lang="en-US" altLang="ko-KR" sz="1000" dirty="0" err="1"/>
-                <a:t>CreateVertexLayout</a:t>
-              </a:r>
-              <a:r>
-                <a:rPr lang="en-US" altLang="ko-KR" sz="1000" dirty="0"/>
-                <a:t>()</a:t>
-              </a:r>
-            </a:p>
-          </p:txBody>
-        </p:sp>
-        <p:grpSp>
-          <p:nvGrpSpPr>
-            <p:cNvPr id="111" name="그룹 110">
-              <a:extLst>
-                <a:ext uri="{FF2B5EF4-FFF2-40B4-BE49-F238E27FC236}">
-                  <a16:creationId xmlns:a16="http://schemas.microsoft.com/office/drawing/2014/main" id="{624D1167-A3F3-41B7-993B-BA4D569EA415}"/>
-                </a:ext>
-              </a:extLst>
-            </p:cNvPr>
-            <p:cNvGrpSpPr/>
-            <p:nvPr/>
-          </p:nvGrpSpPr>
-          <p:grpSpPr>
-            <a:xfrm>
-              <a:off x="2917671" y="3978843"/>
-              <a:ext cx="1550623" cy="246221"/>
-              <a:chOff x="2917671" y="3978843"/>
-              <a:chExt cx="1550623" cy="246221"/>
+              <a:off x="2191868" y="3751463"/>
+              <a:ext cx="3294699" cy="246221"/>
+              <a:chOff x="2917672" y="3784529"/>
+              <a:chExt cx="1298895" cy="246221"/>
             </a:xfrm>
           </p:grpSpPr>
           <p:cxnSp>
@@ -5097,15 +4271,16 @@
             </p:nvCxnSpPr>
             <p:spPr>
               <a:xfrm flipH="1">
-                <a:off x="2917671" y="4000205"/>
-                <a:ext cx="1429089" cy="0"/>
+                <a:off x="2917672" y="4000205"/>
+                <a:ext cx="1298895" cy="0"/>
               </a:xfrm>
               <a:prstGeom prst="straightConnector1">
                 <a:avLst/>
               </a:prstGeom>
               <a:ln>
                 <a:prstDash val="dash"/>
-                <a:tailEnd type="triangle"/>
+                <a:headEnd type="none" w="lg" len="med"/>
+                <a:tailEnd type="triangle" w="lg" len="lg"/>
               </a:ln>
             </p:spPr>
             <p:style>
@@ -5137,7 +4312,7 @@
             </p:nvSpPr>
             <p:spPr>
               <a:xfrm>
-                <a:off x="3932570" y="3978843"/>
+                <a:off x="3278425" y="3784529"/>
                 <a:ext cx="535724" cy="246221"/>
               </a:xfrm>
               <a:prstGeom prst="rect">
@@ -5153,149 +4328,22 @@
               <a:p>
                 <a:pPr algn="r"/>
                 <a:r>
-                  <a:rPr lang="en-US" altLang="ko-KR" sz="1000"/>
-                  <a:t>return</a:t>
+                  <a:rPr lang="en-US" altLang="ko-KR" sz="1000" dirty="0">
+                    <a:latin typeface="KoPubWorld돋움체 Medium" panose="00000600000000000000" pitchFamily="2" charset="-127"/>
+                    <a:ea typeface="KoPubWorld돋움체 Medium" panose="00000600000000000000" pitchFamily="2" charset="-127"/>
+                    <a:cs typeface="KoPubWorld돋움체 Medium" panose="00000600000000000000" pitchFamily="2" charset="-127"/>
+                  </a:rPr>
+                  <a:t>return;</a:t>
                 </a:r>
-                <a:endParaRPr lang="ko-KR" altLang="en-US" sz="1000" dirty="0"/>
+                <a:endParaRPr lang="ko-KR" altLang="en-US" sz="1000" dirty="0">
+                  <a:latin typeface="KoPubWorld돋움체 Medium" panose="00000600000000000000" pitchFamily="2" charset="-127"/>
+                  <a:ea typeface="KoPubWorld돋움체 Medium" panose="00000600000000000000" pitchFamily="2" charset="-127"/>
+                  <a:cs typeface="KoPubWorld돋움체 Medium" panose="00000600000000000000" pitchFamily="2" charset="-127"/>
+                </a:endParaRPr>
               </a:p>
             </p:txBody>
           </p:sp>
         </p:grpSp>
-        <p:sp>
-          <p:nvSpPr>
-            <p:cNvPr id="106" name="사각형: 잘린 한쪽 모서리 105">
-              <a:extLst>
-                <a:ext uri="{FF2B5EF4-FFF2-40B4-BE49-F238E27FC236}">
-                  <a16:creationId xmlns:a16="http://schemas.microsoft.com/office/drawing/2014/main" id="{5725B5B8-680C-4FB8-ADB4-842C4EE0888D}"/>
-                </a:ext>
-              </a:extLst>
-            </p:cNvPr>
-            <p:cNvSpPr/>
-            <p:nvPr/>
-          </p:nvSpPr>
-          <p:spPr>
-            <a:xfrm>
-              <a:off x="6189778" y="2018481"/>
-              <a:ext cx="1112065" cy="393700"/>
-            </a:xfrm>
-            <a:prstGeom prst="snip1Rect">
-              <a:avLst/>
-            </a:prstGeom>
-          </p:spPr>
-          <p:style>
-            <a:lnRef idx="2">
-              <a:schemeClr val="dk1"/>
-            </a:lnRef>
-            <a:fillRef idx="1">
-              <a:schemeClr val="lt1"/>
-            </a:fillRef>
-            <a:effectRef idx="0">
-              <a:schemeClr val="dk1"/>
-            </a:effectRef>
-            <a:fontRef idx="minor">
-              <a:schemeClr val="dk1"/>
-            </a:fontRef>
-          </p:style>
-          <p:txBody>
-            <a:bodyPr rtlCol="0" anchor="ctr"/>
-            <a:lstStyle/>
-            <a:p>
-              <a:pPr algn="ctr"/>
-              <a:r>
-                <a:rPr lang="ko-KR" altLang="en-US" sz="1000" spc="-150" dirty="0" err="1"/>
-                <a:t>뷰행렬</a:t>
-              </a:r>
-              <a:r>
-                <a:rPr lang="en-US" altLang="ko-KR" sz="1000" spc="-150" dirty="0"/>
-                <a:t>, </a:t>
-              </a:r>
-              <a:r>
-                <a:rPr lang="ko-KR" altLang="en-US" sz="1000" spc="-150" dirty="0"/>
-                <a:t>투영행렬 생성</a:t>
-              </a:r>
-              <a:endParaRPr lang="en-US" altLang="ko-KR" sz="1000" spc="-150" dirty="0"/>
-            </a:p>
-          </p:txBody>
-        </p:sp>
-        <p:cxnSp>
-          <p:nvCxnSpPr>
-            <p:cNvPr id="119" name="직선 화살표 연결선 118">
-              <a:extLst>
-                <a:ext uri="{FF2B5EF4-FFF2-40B4-BE49-F238E27FC236}">
-                  <a16:creationId xmlns:a16="http://schemas.microsoft.com/office/drawing/2014/main" id="{5EA65DE2-2E30-4D65-B99D-C178D3292D51}"/>
-                </a:ext>
-              </a:extLst>
-            </p:cNvPr>
-            <p:cNvCxnSpPr>
-              <a:cxnSpLocks/>
-            </p:cNvCxnSpPr>
-            <p:nvPr/>
-          </p:nvCxnSpPr>
-          <p:spPr>
-            <a:xfrm flipH="1">
-              <a:off x="2930013" y="4989813"/>
-              <a:ext cx="4455944" cy="0"/>
-            </a:xfrm>
-            <a:prstGeom prst="straightConnector1">
-              <a:avLst/>
-            </a:prstGeom>
-            <a:ln>
-              <a:prstDash val="dash"/>
-              <a:tailEnd type="triangle"/>
-            </a:ln>
-          </p:spPr>
-          <p:style>
-            <a:lnRef idx="1">
-              <a:schemeClr val="dk1"/>
-            </a:lnRef>
-            <a:fillRef idx="0">
-              <a:schemeClr val="dk1"/>
-            </a:fillRef>
-            <a:effectRef idx="0">
-              <a:schemeClr val="dk1"/>
-            </a:effectRef>
-            <a:fontRef idx="minor">
-              <a:schemeClr val="tx1"/>
-            </a:fontRef>
-          </p:style>
-        </p:cxnSp>
-        <p:sp>
-          <p:nvSpPr>
-            <p:cNvPr id="120" name="TextBox 119">
-              <a:extLst>
-                <a:ext uri="{FF2B5EF4-FFF2-40B4-BE49-F238E27FC236}">
-                  <a16:creationId xmlns:a16="http://schemas.microsoft.com/office/drawing/2014/main" id="{CFCDBB34-99FA-4B02-8175-690A92943E2C}"/>
-                </a:ext>
-              </a:extLst>
-            </p:cNvPr>
-            <p:cNvSpPr txBox="1"/>
-            <p:nvPr/>
-          </p:nvSpPr>
-          <p:spPr>
-            <a:xfrm>
-              <a:off x="6971766" y="4968451"/>
-              <a:ext cx="535724" cy="246221"/>
-            </a:xfrm>
-            <a:prstGeom prst="rect">
-              <a:avLst/>
-            </a:prstGeom>
-            <a:noFill/>
-          </p:spPr>
-          <p:txBody>
-            <a:bodyPr wrap="square" rtlCol="0">
-              <a:spAutoFit/>
-            </a:bodyPr>
-            <a:lstStyle/>
-            <a:p>
-              <a:pPr algn="just"/>
-              <a:r>
-                <a:rPr lang="en-US" altLang="ko-KR" sz="1000"/>
-                <a:t>return</a:t>
-              </a:r>
-              <a:endParaRPr lang="ko-KR" altLang="en-US" sz="1000" dirty="0"/>
-            </a:p>
-          </p:txBody>
-        </p:sp>
         <p:sp>
           <p:nvSpPr>
             <p:cNvPr id="133" name="직사각형 132">
@@ -5310,8 +4358,8 @@
           </p:nvSpPr>
           <p:spPr>
             <a:xfrm>
-              <a:off x="2070337" y="5575710"/>
-              <a:ext cx="7759458" cy="2391562"/>
+              <a:off x="1925372" y="4036360"/>
+              <a:ext cx="5207305" cy="2723488"/>
             </a:xfrm>
             <a:prstGeom prst="rect">
               <a:avLst/>
@@ -5337,7 +4385,11 @@
             <a:lstStyle/>
             <a:p>
               <a:pPr algn="ctr"/>
-              <a:endParaRPr lang="en-US" altLang="ko-KR" sz="1200" b="1" dirty="0"/>
+              <a:endParaRPr lang="en-US" altLang="ko-KR" sz="1200" dirty="0">
+                <a:latin typeface="KoPubWorld돋움체 Medium" panose="00000600000000000000" pitchFamily="2" charset="-127"/>
+                <a:ea typeface="KoPubWorld돋움체 Medium" panose="00000600000000000000" pitchFamily="2" charset="-127"/>
+                <a:cs typeface="KoPubWorld돋움체 Medium" panose="00000600000000000000" pitchFamily="2" charset="-127"/>
+              </a:endParaRPr>
             </a:p>
           </p:txBody>
         </p:sp>
@@ -5355,7 +4407,7 @@
           </p:nvSpPr>
           <p:spPr>
             <a:xfrm>
-              <a:off x="1513267" y="5515484"/>
+              <a:off x="1579172" y="3695862"/>
               <a:ext cx="493629" cy="393700"/>
             </a:xfrm>
             <a:prstGeom prst="snip1Rect">
@@ -5382,224 +4434,12 @@
             <a:p>
               <a:pPr algn="dist"/>
               <a:r>
-                <a:rPr lang="en-US" altLang="ko-KR" sz="900" spc="-150" dirty="0"/>
+                <a:rPr lang="en-US" altLang="ko-KR" sz="900" spc="-150" dirty="0">
+                  <a:latin typeface="KoPubWorld돋움체 Medium" panose="00000600000000000000" pitchFamily="2" charset="-127"/>
+                  <a:ea typeface="KoPubWorld돋움체 Medium" panose="00000600000000000000" pitchFamily="2" charset="-127"/>
+                  <a:cs typeface="KoPubWorld돋움체 Medium" panose="00000600000000000000" pitchFamily="2" charset="-127"/>
+                </a:rPr>
                 <a:t>Loop</a:t>
-              </a:r>
-            </a:p>
-          </p:txBody>
-        </p:sp>
-        <p:cxnSp>
-          <p:nvCxnSpPr>
-            <p:cNvPr id="138" name="직선 화살표 연결선 137">
-              <a:extLst>
-                <a:ext uri="{FF2B5EF4-FFF2-40B4-BE49-F238E27FC236}">
-                  <a16:creationId xmlns:a16="http://schemas.microsoft.com/office/drawing/2014/main" id="{91C4CD54-EA64-4ED0-B4CD-3301CF0C1516}"/>
-                </a:ext>
-              </a:extLst>
-            </p:cNvPr>
-            <p:cNvCxnSpPr>
-              <a:cxnSpLocks/>
-            </p:cNvCxnSpPr>
-            <p:nvPr/>
-          </p:nvCxnSpPr>
-          <p:spPr>
-            <a:xfrm>
-              <a:off x="2950737" y="8106901"/>
-              <a:ext cx="1517557" cy="0"/>
-            </a:xfrm>
-            <a:prstGeom prst="straightConnector1">
-              <a:avLst/>
-            </a:prstGeom>
-            <a:ln>
-              <a:tailEnd type="triangle"/>
-            </a:ln>
-          </p:spPr>
-          <p:style>
-            <a:lnRef idx="1">
-              <a:schemeClr val="dk1"/>
-            </a:lnRef>
-            <a:fillRef idx="0">
-              <a:schemeClr val="dk1"/>
-            </a:fillRef>
-            <a:effectRef idx="0">
-              <a:schemeClr val="dk1"/>
-            </a:effectRef>
-            <a:fontRef idx="minor">
-              <a:schemeClr val="tx1"/>
-            </a:fontRef>
-          </p:style>
-        </p:cxnSp>
-        <p:sp>
-          <p:nvSpPr>
-            <p:cNvPr id="139" name="TextBox 138">
-              <a:extLst>
-                <a:ext uri="{FF2B5EF4-FFF2-40B4-BE49-F238E27FC236}">
-                  <a16:creationId xmlns:a16="http://schemas.microsoft.com/office/drawing/2014/main" id="{C35833D8-01A4-42F6-BCF3-DA3FC49EF4C1}"/>
-                </a:ext>
-              </a:extLst>
-            </p:cNvPr>
-            <p:cNvSpPr txBox="1"/>
-            <p:nvPr/>
-          </p:nvSpPr>
-          <p:spPr>
-            <a:xfrm>
-              <a:off x="6731001" y="5576175"/>
-              <a:ext cx="686470" cy="400110"/>
-            </a:xfrm>
-            <a:prstGeom prst="rect">
-              <a:avLst/>
-            </a:prstGeom>
-            <a:noFill/>
-          </p:spPr>
-          <p:txBody>
-            <a:bodyPr wrap="none" rtlCol="0">
-              <a:spAutoFit/>
-            </a:bodyPr>
-            <a:lstStyle/>
-            <a:p>
-              <a:pPr algn="r"/>
-              <a:r>
-                <a:rPr lang="en-US" altLang="ko-KR" sz="1000" dirty="0"/>
-                <a:t>Update()</a:t>
-              </a:r>
-            </a:p>
-            <a:p>
-              <a:pPr algn="r"/>
-              <a:r>
-                <a:rPr lang="en-US" altLang="ko-KR" sz="1000" dirty="0"/>
-                <a:t>Frame()</a:t>
-              </a:r>
-            </a:p>
-          </p:txBody>
-        </p:sp>
-        <p:cxnSp>
-          <p:nvCxnSpPr>
-            <p:cNvPr id="144" name="직선 화살표 연결선 143">
-              <a:extLst>
-                <a:ext uri="{FF2B5EF4-FFF2-40B4-BE49-F238E27FC236}">
-                  <a16:creationId xmlns:a16="http://schemas.microsoft.com/office/drawing/2014/main" id="{17D14594-CCE6-462D-9F31-11E2837E8651}"/>
-                </a:ext>
-              </a:extLst>
-            </p:cNvPr>
-            <p:cNvCxnSpPr>
-              <a:cxnSpLocks/>
-            </p:cNvCxnSpPr>
-            <p:nvPr/>
-          </p:nvCxnSpPr>
-          <p:spPr>
-            <a:xfrm>
-              <a:off x="2930013" y="6848158"/>
-              <a:ext cx="1502777" cy="0"/>
-            </a:xfrm>
-            <a:prstGeom prst="straightConnector1">
-              <a:avLst/>
-            </a:prstGeom>
-            <a:ln>
-              <a:tailEnd type="triangle"/>
-            </a:ln>
-          </p:spPr>
-          <p:style>
-            <a:lnRef idx="1">
-              <a:schemeClr val="dk1"/>
-            </a:lnRef>
-            <a:fillRef idx="0">
-              <a:schemeClr val="dk1"/>
-            </a:fillRef>
-            <a:effectRef idx="0">
-              <a:schemeClr val="dk1"/>
-            </a:effectRef>
-            <a:fontRef idx="minor">
-              <a:schemeClr val="tx1"/>
-            </a:fontRef>
-          </p:style>
-        </p:cxnSp>
-        <p:sp>
-          <p:nvSpPr>
-            <p:cNvPr id="146" name="TextBox 145">
-              <a:extLst>
-                <a:ext uri="{FF2B5EF4-FFF2-40B4-BE49-F238E27FC236}">
-                  <a16:creationId xmlns:a16="http://schemas.microsoft.com/office/drawing/2014/main" id="{9114DF4D-67D8-4537-8F50-CFBA6ABE3EEC}"/>
-                </a:ext>
-              </a:extLst>
-            </p:cNvPr>
-            <p:cNvSpPr txBox="1"/>
-            <p:nvPr/>
-          </p:nvSpPr>
-          <p:spPr>
-            <a:xfrm>
-              <a:off x="3699153" y="6573809"/>
-              <a:ext cx="809837" cy="246221"/>
-            </a:xfrm>
-            <a:prstGeom prst="rect">
-              <a:avLst/>
-            </a:prstGeom>
-            <a:noFill/>
-          </p:spPr>
-          <p:txBody>
-            <a:bodyPr wrap="none" rtlCol="0">
-              <a:spAutoFit/>
-            </a:bodyPr>
-            <a:lstStyle/>
-            <a:p>
-              <a:pPr algn="r"/>
-              <a:r>
-                <a:rPr lang="en-US" altLang="ko-KR" sz="1000" dirty="0" err="1"/>
-                <a:t>SetMatrix</a:t>
-              </a:r>
-              <a:r>
-                <a:rPr lang="en-US" altLang="ko-KR" sz="1000" dirty="0"/>
-                <a:t>()</a:t>
-              </a:r>
-            </a:p>
-          </p:txBody>
-        </p:sp>
-        <p:sp>
-          <p:nvSpPr>
-            <p:cNvPr id="148" name="TextBox 147">
-              <a:extLst>
-                <a:ext uri="{FF2B5EF4-FFF2-40B4-BE49-F238E27FC236}">
-                  <a16:creationId xmlns:a16="http://schemas.microsoft.com/office/drawing/2014/main" id="{9AD192D6-D3AD-40E1-B392-8902E8CA8880}"/>
-                </a:ext>
-              </a:extLst>
-            </p:cNvPr>
-            <p:cNvSpPr txBox="1"/>
-            <p:nvPr/>
-          </p:nvSpPr>
-          <p:spPr>
-            <a:xfrm>
-              <a:off x="3587186" y="7181068"/>
-              <a:ext cx="925254" cy="400110"/>
-            </a:xfrm>
-            <a:prstGeom prst="rect">
-              <a:avLst/>
-            </a:prstGeom>
-            <a:noFill/>
-          </p:spPr>
-          <p:txBody>
-            <a:bodyPr wrap="none" rtlCol="0">
-              <a:spAutoFit/>
-            </a:bodyPr>
-            <a:lstStyle/>
-            <a:p>
-              <a:pPr algn="r"/>
-              <a:r>
-                <a:rPr lang="en-US" altLang="ko-KR" sz="1000" dirty="0" err="1"/>
-                <a:t>PreRender</a:t>
-              </a:r>
-              <a:r>
-                <a:rPr lang="en-US" altLang="ko-KR" sz="1000" dirty="0"/>
-                <a:t>()</a:t>
-              </a:r>
-            </a:p>
-            <a:p>
-              <a:pPr algn="r"/>
-              <a:r>
-                <a:rPr lang="en-US" altLang="ko-KR" sz="1000" dirty="0" err="1"/>
-                <a:t>PostRender</a:t>
-              </a:r>
-              <a:r>
-                <a:rPr lang="en-US" altLang="ko-KR" sz="1000" dirty="0"/>
-                <a:t>()</a:t>
               </a:r>
             </a:p>
           </p:txBody>
@@ -5618,10 +4458,98 @@
           </p:nvSpPr>
           <p:spPr>
             <a:xfrm>
-              <a:off x="4638709" y="6008060"/>
-              <a:ext cx="1112065" cy="393700"/>
+              <a:off x="1015025" y="1527767"/>
+              <a:ext cx="1076237" cy="457831"/>
             </a:xfrm>
             <a:prstGeom prst="snip1Rect">
+              <a:avLst/>
+            </a:prstGeom>
+          </p:spPr>
+          <p:style>
+            <a:lnRef idx="2">
+              <a:schemeClr val="dk1"/>
+            </a:lnRef>
+            <a:fillRef idx="1">
+              <a:schemeClr val="lt1"/>
+            </a:fillRef>
+            <a:effectRef idx="0">
+              <a:schemeClr val="dk1"/>
+            </a:effectRef>
+            <a:fontRef idx="minor">
+              <a:schemeClr val="dk1"/>
+            </a:fontRef>
+          </p:style>
+          <p:txBody>
+            <a:bodyPr lIns="72000" tIns="36000" rIns="72000" bIns="36000" rtlCol="0" anchor="ctr"/>
+            <a:lstStyle/>
+            <a:p>
+              <a:pPr algn="ctr"/>
+              <a:r>
+                <a:rPr lang="en-US" altLang="ko-KR" sz="900" dirty="0" err="1">
+                  <a:latin typeface="KoPubWorld돋움체 Medium" panose="00000600000000000000" pitchFamily="2" charset="-127"/>
+                  <a:ea typeface="KoPubWorld돋움체 Medium" panose="00000600000000000000" pitchFamily="2" charset="-127"/>
+                  <a:cs typeface="KoPubWorld돋움체 Medium" panose="00000600000000000000" pitchFamily="2" charset="-127"/>
+                </a:rPr>
+                <a:t>wWinMain</a:t>
+              </a:r>
+              <a:r>
+                <a:rPr lang="en-US" altLang="ko-KR" sz="900" dirty="0">
+                  <a:latin typeface="KoPubWorld돋움체 Medium" panose="00000600000000000000" pitchFamily="2" charset="-127"/>
+                  <a:ea typeface="KoPubWorld돋움체 Medium" panose="00000600000000000000" pitchFamily="2" charset="-127"/>
+                  <a:cs typeface="KoPubWorld돋움체 Medium" panose="00000600000000000000" pitchFamily="2" charset="-127"/>
+                </a:rPr>
+                <a:t> </a:t>
+              </a:r>
+              <a:r>
+                <a:rPr lang="ko-KR" altLang="en-US" sz="900" dirty="0">
+                  <a:latin typeface="KoPubWorld돋움체 Medium" panose="00000600000000000000" pitchFamily="2" charset="-127"/>
+                  <a:ea typeface="KoPubWorld돋움체 Medium" panose="00000600000000000000" pitchFamily="2" charset="-127"/>
+                  <a:cs typeface="KoPubWorld돋움체 Medium" panose="00000600000000000000" pitchFamily="2" charset="-127"/>
+                </a:rPr>
+                <a:t>함수</a:t>
+              </a:r>
+              <a:endParaRPr lang="en-US" altLang="ko-KR" sz="900" dirty="0">
+                <a:latin typeface="KoPubWorld돋움체 Medium" panose="00000600000000000000" pitchFamily="2" charset="-127"/>
+                <a:ea typeface="KoPubWorld돋움체 Medium" panose="00000600000000000000" pitchFamily="2" charset="-127"/>
+                <a:cs typeface="KoPubWorld돋움체 Medium" panose="00000600000000000000" pitchFamily="2" charset="-127"/>
+              </a:endParaRPr>
+            </a:p>
+            <a:p>
+              <a:pPr algn="ctr"/>
+              <a:r>
+                <a:rPr lang="ko-KR" altLang="en-US" sz="900" dirty="0">
+                  <a:latin typeface="KoPubWorld돋움체 Medium" panose="00000600000000000000" pitchFamily="2" charset="-127"/>
+                  <a:ea typeface="KoPubWorld돋움체 Medium" panose="00000600000000000000" pitchFamily="2" charset="-127"/>
+                  <a:cs typeface="KoPubWorld돋움체 Medium" panose="00000600000000000000" pitchFamily="2" charset="-127"/>
+                </a:rPr>
+                <a:t>윈도우 생성</a:t>
+              </a:r>
+              <a:endParaRPr lang="en-US" altLang="ko-KR" sz="900" dirty="0">
+                <a:latin typeface="KoPubWorld돋움체 Medium" panose="00000600000000000000" pitchFamily="2" charset="-127"/>
+                <a:ea typeface="KoPubWorld돋움체 Medium" panose="00000600000000000000" pitchFamily="2" charset="-127"/>
+                <a:cs typeface="KoPubWorld돋움체 Medium" panose="00000600000000000000" pitchFamily="2" charset="-127"/>
+              </a:endParaRPr>
+            </a:p>
+          </p:txBody>
+        </p:sp>
+        <p:sp>
+          <p:nvSpPr>
+            <p:cNvPr id="79" name="직사각형 78">
+              <a:extLst>
+                <a:ext uri="{FF2B5EF4-FFF2-40B4-BE49-F238E27FC236}">
+                  <a16:creationId xmlns:a16="http://schemas.microsoft.com/office/drawing/2014/main" id="{4552E89F-32B5-47D9-B4CE-6930DB34DBF7}"/>
+                </a:ext>
+              </a:extLst>
+            </p:cNvPr>
+            <p:cNvSpPr/>
+            <p:nvPr/>
+          </p:nvSpPr>
+          <p:spPr>
+            <a:xfrm>
+              <a:off x="1712923" y="7440532"/>
+              <a:ext cx="963562" cy="457830"/>
+            </a:xfrm>
+            <a:prstGeom prst="rect">
               <a:avLst/>
             </a:prstGeom>
           </p:spPr>
@@ -5645,88 +4573,78 @@
             <a:p>
               <a:pPr algn="ctr"/>
               <a:r>
-                <a:rPr lang="ko-KR" altLang="en-US" sz="900" spc="-150" dirty="0"/>
-                <a:t>카메라 거리에 따라</a:t>
-              </a:r>
-              <a:r>
-                <a:rPr lang="en-US" altLang="ko-KR" sz="900" spc="-150" dirty="0"/>
-                <a:t> </a:t>
+                <a:rPr lang="en-US" altLang="ko-KR" sz="1200" dirty="0">
+                  <a:latin typeface="KoPubWorld돋움체 Medium" panose="00000600000000000000" pitchFamily="2" charset="-127"/>
+                  <a:ea typeface="KoPubWorld돋움체 Medium" panose="00000600000000000000" pitchFamily="2" charset="-127"/>
+                  <a:cs typeface="KoPubWorld돋움체 Medium" panose="00000600000000000000" pitchFamily="2" charset="-127"/>
+                </a:rPr>
+                <a:t>Sample</a:t>
               </a:r>
             </a:p>
+          </p:txBody>
+        </p:sp>
+        <p:sp>
+          <p:nvSpPr>
+            <p:cNvPr id="81" name="직사각형 80">
+              <a:extLst>
+                <a:ext uri="{FF2B5EF4-FFF2-40B4-BE49-F238E27FC236}">
+                  <a16:creationId xmlns:a16="http://schemas.microsoft.com/office/drawing/2014/main" id="{37B82F03-42E6-4014-BF6C-9700556CCA71}"/>
+                </a:ext>
+              </a:extLst>
+            </p:cNvPr>
+            <p:cNvSpPr/>
+            <p:nvPr/>
+          </p:nvSpPr>
+          <p:spPr>
+            <a:xfrm>
+              <a:off x="4994424" y="7440532"/>
+              <a:ext cx="963562" cy="457830"/>
+            </a:xfrm>
+            <a:prstGeom prst="rect">
+              <a:avLst/>
+            </a:prstGeom>
+          </p:spPr>
+          <p:style>
+            <a:lnRef idx="2">
+              <a:schemeClr val="dk1"/>
+            </a:lnRef>
+            <a:fillRef idx="1">
+              <a:schemeClr val="lt1"/>
+            </a:fillRef>
+            <a:effectRef idx="0">
+              <a:schemeClr val="dk1"/>
+            </a:effectRef>
+            <a:fontRef idx="minor">
+              <a:schemeClr val="dk1"/>
+            </a:fontRef>
+          </p:style>
+          <p:txBody>
+            <a:bodyPr rtlCol="0" anchor="ctr"/>
+            <a:lstStyle/>
             <a:p>
               <a:pPr algn="ctr"/>
               <a:r>
-                <a:rPr lang="en-US" altLang="ko-KR" sz="900" spc="-150" dirty="0"/>
-                <a:t>8421 </a:t>
+                <a:rPr lang="en-US" altLang="ko-KR" sz="1200" dirty="0" err="1">
+                  <a:latin typeface="KoPubWorld돋움체 Medium" panose="00000600000000000000" pitchFamily="2" charset="-127"/>
+                  <a:ea typeface="KoPubWorld돋움체 Medium" panose="00000600000000000000" pitchFamily="2" charset="-127"/>
+                  <a:cs typeface="KoPubWorld돋움체 Medium" panose="00000600000000000000" pitchFamily="2" charset="-127"/>
+                </a:rPr>
+                <a:t>KFbxObj</a:t>
               </a:r>
-              <a:r>
-                <a:rPr lang="ko-KR" altLang="en-US" sz="900" spc="-150" dirty="0"/>
-                <a:t>규칙에 맞춰 </a:t>
-              </a:r>
-              <a:endParaRPr lang="en-US" altLang="ko-KR" sz="900" spc="-150" dirty="0"/>
-            </a:p>
-            <a:p>
-              <a:pPr algn="ctr"/>
-              <a:r>
-                <a:rPr lang="ko-KR" altLang="en-US" sz="900" spc="-150" dirty="0"/>
-                <a:t>동서남북 패치  </a:t>
-              </a:r>
-              <a:r>
-                <a:rPr lang="ko-KR" altLang="en-US" sz="900" spc="-150" dirty="0" err="1"/>
-                <a:t>렌더</a:t>
-              </a:r>
-              <a:endParaRPr lang="en-US" altLang="ko-KR" sz="900" spc="-150" dirty="0"/>
+              <a:endParaRPr lang="en-US" altLang="ko-KR" sz="1200" dirty="0">
+                <a:latin typeface="KoPubWorld돋움체 Medium" panose="00000600000000000000" pitchFamily="2" charset="-127"/>
+                <a:ea typeface="KoPubWorld돋움체 Medium" panose="00000600000000000000" pitchFamily="2" charset="-127"/>
+                <a:cs typeface="KoPubWorld돋움체 Medium" panose="00000600000000000000" pitchFamily="2" charset="-127"/>
+              </a:endParaRPr>
             </a:p>
           </p:txBody>
         </p:sp>
-        <p:cxnSp>
-          <p:nvCxnSpPr>
-            <p:cNvPr id="150" name="직선 화살표 연결선 149">
+        <p:sp>
+          <p:nvSpPr>
+            <p:cNvPr id="83" name="TextBox 82">
               <a:extLst>
                 <a:ext uri="{FF2B5EF4-FFF2-40B4-BE49-F238E27FC236}">
-                  <a16:creationId xmlns:a16="http://schemas.microsoft.com/office/drawing/2014/main" id="{DB77B47C-F37B-4F34-8097-D5E7E745F70B}"/>
-                </a:ext>
-              </a:extLst>
-            </p:cNvPr>
-            <p:cNvCxnSpPr>
-              <a:cxnSpLocks/>
-            </p:cNvCxnSpPr>
-            <p:nvPr/>
-          </p:nvCxnSpPr>
-          <p:spPr>
-            <a:xfrm flipH="1">
-              <a:off x="2930014" y="6061584"/>
-              <a:ext cx="4507048" cy="0"/>
-            </a:xfrm>
-            <a:prstGeom prst="straightConnector1">
-              <a:avLst/>
-            </a:prstGeom>
-            <a:ln>
-              <a:prstDash val="dash"/>
-              <a:tailEnd type="triangle"/>
-            </a:ln>
-          </p:spPr>
-          <p:style>
-            <a:lnRef idx="1">
-              <a:schemeClr val="dk1"/>
-            </a:lnRef>
-            <a:fillRef idx="0">
-              <a:schemeClr val="dk1"/>
-            </a:fillRef>
-            <a:effectRef idx="0">
-              <a:schemeClr val="dk1"/>
-            </a:effectRef>
-            <a:fontRef idx="minor">
-              <a:schemeClr val="tx1"/>
-            </a:fontRef>
-          </p:style>
-        </p:cxnSp>
-        <p:sp>
-          <p:nvSpPr>
-            <p:cNvPr id="151" name="TextBox 150">
-              <a:extLst>
-                <a:ext uri="{FF2B5EF4-FFF2-40B4-BE49-F238E27FC236}">
-                  <a16:creationId xmlns:a16="http://schemas.microsoft.com/office/drawing/2014/main" id="{D091EB83-14EB-424E-81F6-8CAB72CB03FB}"/>
+                  <a16:creationId xmlns:a16="http://schemas.microsoft.com/office/drawing/2014/main" id="{04F11185-8995-4B0C-95F5-0987611FA256}"/>
                 </a:ext>
               </a:extLst>
             </p:cNvPr>
@@ -5735,8 +4653,8 @@
           </p:nvSpPr>
           <p:spPr>
             <a:xfrm>
-              <a:off x="6937961" y="6053658"/>
-              <a:ext cx="535724" cy="246221"/>
+              <a:off x="5530830" y="1911532"/>
+              <a:ext cx="1422417" cy="892552"/>
             </a:xfrm>
             <a:prstGeom prst="rect">
               <a:avLst/>
@@ -5749,41 +4667,322 @@
             </a:bodyPr>
             <a:lstStyle/>
             <a:p>
-              <a:pPr algn="just"/>
               <a:r>
-                <a:rPr lang="en-US" altLang="ko-KR" sz="1000" dirty="0"/>
-                <a:t>return</a:t>
+                <a:rPr lang="en-US" altLang="ko-KR" sz="1000" dirty="0" err="1">
+                  <a:latin typeface="KoPubWorld돋움체 Medium" panose="00000600000000000000" pitchFamily="2" charset="-127"/>
+                  <a:ea typeface="KoPubWorld돋움체 Medium" panose="00000600000000000000" pitchFamily="2" charset="-127"/>
+                  <a:cs typeface="KoPubWorld돋움체 Medium" panose="00000600000000000000" pitchFamily="2" charset="-127"/>
+                </a:rPr>
+                <a:t>LoadObject</a:t>
               </a:r>
-              <a:endParaRPr lang="ko-KR" altLang="en-US" sz="1000" dirty="0"/>
+              <a:r>
+                <a:rPr lang="en-US" altLang="ko-KR" sz="1000" dirty="0">
+                  <a:latin typeface="KoPubWorld돋움체 Medium" panose="00000600000000000000" pitchFamily="2" charset="-127"/>
+                  <a:ea typeface="KoPubWorld돋움체 Medium" panose="00000600000000000000" pitchFamily="2" charset="-127"/>
+                  <a:cs typeface="KoPubWorld돋움체 Medium" panose="00000600000000000000" pitchFamily="2" charset="-127"/>
+                </a:rPr>
+                <a:t>()</a:t>
+              </a:r>
+            </a:p>
+            <a:p>
+              <a:endParaRPr lang="en-US" altLang="ko-KR" sz="1000" dirty="0">
+                <a:latin typeface="KoPubWorld돋움체 Medium" panose="00000600000000000000" pitchFamily="2" charset="-127"/>
+                <a:ea typeface="KoPubWorld돋움체 Medium" panose="00000600000000000000" pitchFamily="2" charset="-127"/>
+                <a:cs typeface="KoPubWorld돋움체 Medium" panose="00000600000000000000" pitchFamily="2" charset="-127"/>
+              </a:endParaRPr>
+            </a:p>
+            <a:p>
+              <a:r>
+                <a:rPr lang="en-US" altLang="ko-KR" sz="800" dirty="0" err="1">
+                  <a:latin typeface="KoPubWorld돋움체 Medium" panose="00000600000000000000" pitchFamily="2" charset="-127"/>
+                  <a:ea typeface="KoPubWorld돋움체 Medium" panose="00000600000000000000" pitchFamily="2" charset="-127"/>
+                  <a:cs typeface="KoPubWorld돋움체 Medium" panose="00000600000000000000" pitchFamily="2" charset="-127"/>
+                </a:rPr>
+                <a:t>PreProcess</a:t>
+              </a:r>
+              <a:r>
+                <a:rPr lang="en-US" altLang="ko-KR" sz="800" dirty="0">
+                  <a:latin typeface="KoPubWorld돋움체 Medium" panose="00000600000000000000" pitchFamily="2" charset="-127"/>
+                  <a:ea typeface="KoPubWorld돋움체 Medium" panose="00000600000000000000" pitchFamily="2" charset="-127"/>
+                  <a:cs typeface="KoPubWorld돋움체 Medium" panose="00000600000000000000" pitchFamily="2" charset="-127"/>
+                </a:rPr>
+                <a:t>()</a:t>
+              </a:r>
+            </a:p>
+            <a:p>
+              <a:r>
+                <a:rPr lang="en-US" altLang="ko-KR" sz="800" dirty="0" err="1">
+                  <a:latin typeface="KoPubWorld돋움체 Medium" panose="00000600000000000000" pitchFamily="2" charset="-127"/>
+                  <a:ea typeface="KoPubWorld돋움체 Medium" panose="00000600000000000000" pitchFamily="2" charset="-127"/>
+                  <a:cs typeface="KoPubWorld돋움체 Medium" panose="00000600000000000000" pitchFamily="2" charset="-127"/>
+                </a:rPr>
+                <a:t>ParseAnimation</a:t>
+              </a:r>
+              <a:r>
+                <a:rPr lang="en-US" altLang="ko-KR" sz="800" dirty="0">
+                  <a:latin typeface="KoPubWorld돋움체 Medium" panose="00000600000000000000" pitchFamily="2" charset="-127"/>
+                  <a:ea typeface="KoPubWorld돋움체 Medium" panose="00000600000000000000" pitchFamily="2" charset="-127"/>
+                  <a:cs typeface="KoPubWorld돋움체 Medium" panose="00000600000000000000" pitchFamily="2" charset="-127"/>
+                </a:rPr>
+                <a:t>()</a:t>
+              </a:r>
+            </a:p>
+            <a:p>
+              <a:r>
+                <a:rPr lang="en-US" altLang="ko-KR" sz="800" dirty="0" err="1">
+                  <a:latin typeface="KoPubWorld돋움체 Medium" panose="00000600000000000000" pitchFamily="2" charset="-127"/>
+                  <a:ea typeface="KoPubWorld돋움체 Medium" panose="00000600000000000000" pitchFamily="2" charset="-127"/>
+                  <a:cs typeface="KoPubWorld돋움체 Medium" panose="00000600000000000000" pitchFamily="2" charset="-127"/>
+                </a:rPr>
+                <a:t>ParseNode</a:t>
+              </a:r>
+              <a:r>
+                <a:rPr lang="en-US" altLang="ko-KR" sz="800" dirty="0">
+                  <a:latin typeface="KoPubWorld돋움체 Medium" panose="00000600000000000000" pitchFamily="2" charset="-127"/>
+                  <a:ea typeface="KoPubWorld돋움체 Medium" panose="00000600000000000000" pitchFamily="2" charset="-127"/>
+                  <a:cs typeface="KoPubWorld돋움체 Medium" panose="00000600000000000000" pitchFamily="2" charset="-127"/>
+                </a:rPr>
+                <a:t>()</a:t>
+              </a:r>
+            </a:p>
+            <a:p>
+              <a:r>
+                <a:rPr lang="en-US" altLang="ko-KR" sz="800" dirty="0" err="1">
+                  <a:latin typeface="KoPubWorld돋움체 Medium" panose="00000600000000000000" pitchFamily="2" charset="-127"/>
+                  <a:ea typeface="KoPubWorld돋움체 Medium" panose="00000600000000000000" pitchFamily="2" charset="-127"/>
+                  <a:cs typeface="KoPubWorld돋움체 Medium" panose="00000600000000000000" pitchFamily="2" charset="-127"/>
+                </a:rPr>
+                <a:t>ParseAnimationNode</a:t>
+              </a:r>
+              <a:r>
+                <a:rPr lang="en-US" altLang="ko-KR" sz="800" dirty="0">
+                  <a:latin typeface="KoPubWorld돋움체 Medium" panose="00000600000000000000" pitchFamily="2" charset="-127"/>
+                  <a:ea typeface="KoPubWorld돋움체 Medium" panose="00000600000000000000" pitchFamily="2" charset="-127"/>
+                  <a:cs typeface="KoPubWorld돋움체 Medium" panose="00000600000000000000" pitchFamily="2" charset="-127"/>
+                </a:rPr>
+                <a:t>()</a:t>
+              </a:r>
+            </a:p>
+          </p:txBody>
+        </p:sp>
+        <p:sp>
+          <p:nvSpPr>
+            <p:cNvPr id="87" name="사각형: 잘린 한쪽 모서리 86">
+              <a:extLst>
+                <a:ext uri="{FF2B5EF4-FFF2-40B4-BE49-F238E27FC236}">
+                  <a16:creationId xmlns:a16="http://schemas.microsoft.com/office/drawing/2014/main" id="{1EBBE0FF-E801-4A75-A35A-43C806366A8F}"/>
+                </a:ext>
+              </a:extLst>
+            </p:cNvPr>
+            <p:cNvSpPr/>
+            <p:nvPr/>
+          </p:nvSpPr>
+          <p:spPr>
+            <a:xfrm>
+              <a:off x="4419510" y="2099780"/>
+              <a:ext cx="972515" cy="845887"/>
+            </a:xfrm>
+            <a:prstGeom prst="snip1Rect">
+              <a:avLst/>
+            </a:prstGeom>
+          </p:spPr>
+          <p:style>
+            <a:lnRef idx="2">
+              <a:schemeClr val="dk1"/>
+            </a:lnRef>
+            <a:fillRef idx="1">
+              <a:schemeClr val="lt1"/>
+            </a:fillRef>
+            <a:effectRef idx="0">
+              <a:schemeClr val="dk1"/>
+            </a:effectRef>
+            <a:fontRef idx="minor">
+              <a:schemeClr val="dk1"/>
+            </a:fontRef>
+          </p:style>
+          <p:txBody>
+            <a:bodyPr rtlCol="0" anchor="ctr"/>
+            <a:lstStyle/>
+            <a:p>
+              <a:pPr algn="ctr"/>
+              <a:r>
+                <a:rPr lang="ko-KR" altLang="en-US" sz="1000" spc="-150" dirty="0">
+                  <a:latin typeface="KoPubWorld돋움체 Medium" panose="00000600000000000000" pitchFamily="2" charset="-127"/>
+                  <a:ea typeface="KoPubWorld돋움체 Medium" panose="00000600000000000000" pitchFamily="2" charset="-127"/>
+                  <a:cs typeface="KoPubWorld돋움체 Medium" panose="00000600000000000000" pitchFamily="2" charset="-127"/>
+                </a:rPr>
+                <a:t>오브젝트</a:t>
+              </a:r>
+              <a:r>
+                <a:rPr lang="en-US" altLang="ko-KR" sz="1000" spc="-150" dirty="0">
+                  <a:latin typeface="KoPubWorld돋움체 Medium" panose="00000600000000000000" pitchFamily="2" charset="-127"/>
+                  <a:ea typeface="KoPubWorld돋움체 Medium" panose="00000600000000000000" pitchFamily="2" charset="-127"/>
+                  <a:cs typeface="KoPubWorld돋움체 Medium" panose="00000600000000000000" pitchFamily="2" charset="-127"/>
+                </a:rPr>
+                <a:t>. </a:t>
+              </a:r>
+              <a:r>
+                <a:rPr lang="ko-KR" altLang="en-US" sz="1000" spc="-150" dirty="0">
+                  <a:latin typeface="KoPubWorld돋움체 Medium" panose="00000600000000000000" pitchFamily="2" charset="-127"/>
+                  <a:ea typeface="KoPubWorld돋움체 Medium" panose="00000600000000000000" pitchFamily="2" charset="-127"/>
+                  <a:cs typeface="KoPubWorld돋움체 Medium" panose="00000600000000000000" pitchFamily="2" charset="-127"/>
+                </a:rPr>
+                <a:t>캐릭터</a:t>
+              </a:r>
+              <a:endParaRPr lang="en-US" altLang="ko-KR" sz="1000" spc="-150" dirty="0">
+                <a:latin typeface="KoPubWorld돋움체 Medium" panose="00000600000000000000" pitchFamily="2" charset="-127"/>
+                <a:ea typeface="KoPubWorld돋움체 Medium" panose="00000600000000000000" pitchFamily="2" charset="-127"/>
+                <a:cs typeface="KoPubWorld돋움체 Medium" panose="00000600000000000000" pitchFamily="2" charset="-127"/>
+              </a:endParaRPr>
+            </a:p>
+            <a:p>
+              <a:pPr algn="ctr"/>
+              <a:r>
+                <a:rPr lang="en-US" altLang="ko-KR" sz="1000" spc="-150" dirty="0">
+                  <a:latin typeface="KoPubWorld돋움체 Medium" panose="00000600000000000000" pitchFamily="2" charset="-127"/>
+                  <a:ea typeface="KoPubWorld돋움체 Medium" panose="00000600000000000000" pitchFamily="2" charset="-127"/>
+                  <a:cs typeface="KoPubWorld돋움체 Medium" panose="00000600000000000000" pitchFamily="2" charset="-127"/>
+                </a:rPr>
+                <a:t>FBX </a:t>
+              </a:r>
+              <a:r>
+                <a:rPr lang="ko-KR" altLang="en-US" sz="1000" spc="-150" dirty="0">
+                  <a:latin typeface="KoPubWorld돋움체 Medium" panose="00000600000000000000" pitchFamily="2" charset="-127"/>
+                  <a:ea typeface="KoPubWorld돋움체 Medium" panose="00000600000000000000" pitchFamily="2" charset="-127"/>
+                  <a:cs typeface="KoPubWorld돋움체 Medium" panose="00000600000000000000" pitchFamily="2" charset="-127"/>
+                </a:rPr>
+                <a:t>파일  해석</a:t>
+              </a:r>
+              <a:endParaRPr lang="en-US" altLang="ko-KR" sz="1000" spc="-150" dirty="0">
+                <a:latin typeface="KoPubWorld돋움체 Medium" panose="00000600000000000000" pitchFamily="2" charset="-127"/>
+                <a:ea typeface="KoPubWorld돋움체 Medium" panose="00000600000000000000" pitchFamily="2" charset="-127"/>
+                <a:cs typeface="KoPubWorld돋움체 Medium" panose="00000600000000000000" pitchFamily="2" charset="-127"/>
+              </a:endParaRPr>
+            </a:p>
+            <a:p>
+              <a:pPr algn="ctr"/>
+              <a:r>
+                <a:rPr lang="ko-KR" altLang="en-US" sz="1000" spc="-150" dirty="0">
+                  <a:latin typeface="KoPubWorld돋움체 Medium" panose="00000600000000000000" pitchFamily="2" charset="-127"/>
+                  <a:ea typeface="KoPubWorld돋움체 Medium" panose="00000600000000000000" pitchFamily="2" charset="-127"/>
+                  <a:cs typeface="KoPubWorld돋움체 Medium" panose="00000600000000000000" pitchFamily="2" charset="-127"/>
+                </a:rPr>
+                <a:t>애니메이션</a:t>
+              </a:r>
+              <a:r>
+                <a:rPr lang="en-US" altLang="ko-KR" sz="1000" spc="-150" dirty="0">
+                  <a:latin typeface="KoPubWorld돋움체 Medium" panose="00000600000000000000" pitchFamily="2" charset="-127"/>
+                  <a:ea typeface="KoPubWorld돋움체 Medium" panose="00000600000000000000" pitchFamily="2" charset="-127"/>
+                  <a:cs typeface="KoPubWorld돋움체 Medium" panose="00000600000000000000" pitchFamily="2" charset="-127"/>
+                </a:rPr>
+                <a:t>, </a:t>
+              </a:r>
+              <a:r>
+                <a:rPr lang="ko-KR" altLang="en-US" sz="1000" spc="-150" dirty="0" err="1">
+                  <a:latin typeface="KoPubWorld돋움체 Medium" panose="00000600000000000000" pitchFamily="2" charset="-127"/>
+                  <a:ea typeface="KoPubWorld돋움체 Medium" panose="00000600000000000000" pitchFamily="2" charset="-127"/>
+                  <a:cs typeface="KoPubWorld돋움체 Medium" panose="00000600000000000000" pitchFamily="2" charset="-127"/>
+                </a:rPr>
+                <a:t>메터리얼</a:t>
+              </a:r>
+              <a:r>
+                <a:rPr lang="ko-KR" altLang="en-US" sz="1000" spc="-150" dirty="0">
+                  <a:latin typeface="KoPubWorld돋움체 Medium" panose="00000600000000000000" pitchFamily="2" charset="-127"/>
+                  <a:ea typeface="KoPubWorld돋움체 Medium" panose="00000600000000000000" pitchFamily="2" charset="-127"/>
+                  <a:cs typeface="KoPubWorld돋움체 Medium" panose="00000600000000000000" pitchFamily="2" charset="-127"/>
+                </a:rPr>
+                <a:t> 등 해석한다</a:t>
+              </a:r>
+              <a:r>
+                <a:rPr lang="en-US" altLang="ko-KR" sz="1000" spc="-150" dirty="0">
+                  <a:latin typeface="KoPubWorld돋움체 Medium" panose="00000600000000000000" pitchFamily="2" charset="-127"/>
+                  <a:ea typeface="KoPubWorld돋움체 Medium" panose="00000600000000000000" pitchFamily="2" charset="-127"/>
+                  <a:cs typeface="KoPubWorld돋움체 Medium" panose="00000600000000000000" pitchFamily="2" charset="-127"/>
+                </a:rPr>
+                <a:t>.</a:t>
+              </a:r>
+            </a:p>
+          </p:txBody>
+        </p:sp>
+        <p:sp>
+          <p:nvSpPr>
+            <p:cNvPr id="91" name="직사각형 90">
+              <a:extLst>
+                <a:ext uri="{FF2B5EF4-FFF2-40B4-BE49-F238E27FC236}">
+                  <a16:creationId xmlns:a16="http://schemas.microsoft.com/office/drawing/2014/main" id="{861DF2DF-8E6B-4860-AD66-C8A326F50EBB}"/>
+                </a:ext>
+              </a:extLst>
+            </p:cNvPr>
+            <p:cNvSpPr/>
+            <p:nvPr/>
+          </p:nvSpPr>
+          <p:spPr>
+            <a:xfrm>
+              <a:off x="6419109" y="903835"/>
+              <a:ext cx="963562" cy="457830"/>
+            </a:xfrm>
+            <a:prstGeom prst="rect">
+              <a:avLst/>
+            </a:prstGeom>
+          </p:spPr>
+          <p:style>
+            <a:lnRef idx="2">
+              <a:schemeClr val="dk1"/>
+            </a:lnRef>
+            <a:fillRef idx="1">
+              <a:schemeClr val="lt1"/>
+            </a:fillRef>
+            <a:effectRef idx="0">
+              <a:schemeClr val="dk1"/>
+            </a:effectRef>
+            <a:fontRef idx="minor">
+              <a:schemeClr val="dk1"/>
+            </a:fontRef>
+          </p:style>
+          <p:txBody>
+            <a:bodyPr rtlCol="0" anchor="ctr"/>
+            <a:lstStyle/>
+            <a:p>
+              <a:pPr algn="ctr"/>
+              <a:r>
+                <a:rPr lang="en-US" altLang="ko-KR" sz="1200" dirty="0" err="1">
+                  <a:latin typeface="KoPubWorld돋움체 Medium" panose="00000600000000000000" pitchFamily="2" charset="-127"/>
+                  <a:ea typeface="KoPubWorld돋움체 Medium" panose="00000600000000000000" pitchFamily="2" charset="-127"/>
+                  <a:cs typeface="KoPubWorld돋움체 Medium" panose="00000600000000000000" pitchFamily="2" charset="-127"/>
+                </a:rPr>
+                <a:t>Kmesh</a:t>
+              </a:r>
+              <a:endParaRPr lang="en-US" altLang="ko-KR" sz="1200" dirty="0">
+                <a:latin typeface="KoPubWorld돋움체 Medium" panose="00000600000000000000" pitchFamily="2" charset="-127"/>
+                <a:ea typeface="KoPubWorld돋움체 Medium" panose="00000600000000000000" pitchFamily="2" charset="-127"/>
+                <a:cs typeface="KoPubWorld돋움체 Medium" panose="00000600000000000000" pitchFamily="2" charset="-127"/>
+              </a:endParaRPr>
             </a:p>
           </p:txBody>
         </p:sp>
         <p:cxnSp>
           <p:nvCxnSpPr>
-            <p:cNvPr id="155" name="직선 화살표 연결선 154">
+            <p:cNvPr id="92" name="직선 연결선 91">
               <a:extLst>
                 <a:ext uri="{FF2B5EF4-FFF2-40B4-BE49-F238E27FC236}">
-                  <a16:creationId xmlns:a16="http://schemas.microsoft.com/office/drawing/2014/main" id="{75D45EB1-FE3D-4C7D-B957-00DEE7CB5F48}"/>
+                  <a16:creationId xmlns:a16="http://schemas.microsoft.com/office/drawing/2014/main" id="{F2BD6469-3F53-48BE-B971-2734CC779A8A}"/>
                 </a:ext>
               </a:extLst>
             </p:cNvPr>
             <p:cNvCxnSpPr>
               <a:cxnSpLocks/>
+              <a:stCxn id="91" idx="2"/>
             </p:cNvCxnSpPr>
             <p:nvPr/>
           </p:nvCxnSpPr>
           <p:spPr>
-            <a:xfrm flipH="1">
-              <a:off x="2930013" y="6962913"/>
-              <a:ext cx="3007816" cy="0"/>
+            <a:xfrm>
+              <a:off x="6900890" y="1361665"/>
+              <a:ext cx="10362" cy="6074390"/>
             </a:xfrm>
-            <a:prstGeom prst="straightConnector1">
+            <a:prstGeom prst="line">
               <a:avLst/>
             </a:prstGeom>
-            <a:ln>
-              <a:prstDash val="dash"/>
-              <a:tailEnd type="triangle"/>
-            </a:ln>
           </p:spPr>
           <p:style>
             <a:lnRef idx="1">
@@ -5802,10 +5001,117 @@
         </p:cxnSp>
         <p:sp>
           <p:nvSpPr>
-            <p:cNvPr id="157" name="TextBox 156">
+            <p:cNvPr id="93" name="직사각형 92">
               <a:extLst>
                 <a:ext uri="{FF2B5EF4-FFF2-40B4-BE49-F238E27FC236}">
-                  <a16:creationId xmlns:a16="http://schemas.microsoft.com/office/drawing/2014/main" id="{88126DB7-6743-4607-9D15-93F18897ADDF}"/>
+                  <a16:creationId xmlns:a16="http://schemas.microsoft.com/office/drawing/2014/main" id="{E63A501D-B9B0-437D-96B4-C3BE737931C3}"/>
+                </a:ext>
+              </a:extLst>
+            </p:cNvPr>
+            <p:cNvSpPr/>
+            <p:nvPr/>
+          </p:nvSpPr>
+          <p:spPr>
+            <a:xfrm>
+              <a:off x="6419109" y="7440532"/>
+              <a:ext cx="963562" cy="457830"/>
+            </a:xfrm>
+            <a:prstGeom prst="rect">
+              <a:avLst/>
+            </a:prstGeom>
+          </p:spPr>
+          <p:style>
+            <a:lnRef idx="2">
+              <a:schemeClr val="dk1"/>
+            </a:lnRef>
+            <a:fillRef idx="1">
+              <a:schemeClr val="lt1"/>
+            </a:fillRef>
+            <a:effectRef idx="0">
+              <a:schemeClr val="dk1"/>
+            </a:effectRef>
+            <a:fontRef idx="minor">
+              <a:schemeClr val="dk1"/>
+            </a:fontRef>
+          </p:style>
+          <p:txBody>
+            <a:bodyPr rtlCol="0" anchor="ctr"/>
+            <a:lstStyle/>
+            <a:p>
+              <a:pPr algn="ctr"/>
+              <a:r>
+                <a:rPr lang="en-US" altLang="ko-KR" sz="1200" dirty="0" err="1">
+                  <a:latin typeface="KoPubWorld돋움체 Medium" panose="00000600000000000000" pitchFamily="2" charset="-127"/>
+                  <a:ea typeface="KoPubWorld돋움체 Medium" panose="00000600000000000000" pitchFamily="2" charset="-127"/>
+                  <a:cs typeface="KoPubWorld돋움체 Medium" panose="00000600000000000000" pitchFamily="2" charset="-127"/>
+                </a:rPr>
+                <a:t>KMesh</a:t>
+              </a:r>
+              <a:endParaRPr lang="en-US" altLang="ko-KR" sz="1200" dirty="0">
+                <a:latin typeface="KoPubWorld돋움체 Medium" panose="00000600000000000000" pitchFamily="2" charset="-127"/>
+                <a:ea typeface="KoPubWorld돋움체 Medium" panose="00000600000000000000" pitchFamily="2" charset="-127"/>
+                <a:cs typeface="KoPubWorld돋움체 Medium" panose="00000600000000000000" pitchFamily="2" charset="-127"/>
+              </a:endParaRPr>
+            </a:p>
+          </p:txBody>
+        </p:sp>
+        <p:sp>
+          <p:nvSpPr>
+            <p:cNvPr id="94" name="직사각형 93">
+              <a:extLst>
+                <a:ext uri="{FF2B5EF4-FFF2-40B4-BE49-F238E27FC236}">
+                  <a16:creationId xmlns:a16="http://schemas.microsoft.com/office/drawing/2014/main" id="{34837500-EC9F-4098-9571-1292FD36F401}"/>
+                </a:ext>
+              </a:extLst>
+            </p:cNvPr>
+            <p:cNvSpPr/>
+            <p:nvPr/>
+          </p:nvSpPr>
+          <p:spPr>
+            <a:xfrm>
+              <a:off x="6855272" y="2936567"/>
+              <a:ext cx="108465" cy="1004073"/>
+            </a:xfrm>
+            <a:prstGeom prst="rect">
+              <a:avLst/>
+            </a:prstGeom>
+            <a:solidFill>
+              <a:schemeClr val="bg1"/>
+            </a:solidFill>
+          </p:spPr>
+          <p:style>
+            <a:lnRef idx="2">
+              <a:schemeClr val="dk1"/>
+            </a:lnRef>
+            <a:fillRef idx="1">
+              <a:schemeClr val="lt1"/>
+            </a:fillRef>
+            <a:effectRef idx="0">
+              <a:schemeClr val="dk1"/>
+            </a:effectRef>
+            <a:fontRef idx="minor">
+              <a:schemeClr val="dk1"/>
+            </a:fontRef>
+          </p:style>
+          <p:txBody>
+            <a:bodyPr rtlCol="0" anchor="ctr"/>
+            <a:lstStyle/>
+            <a:p>
+              <a:pPr algn="ctr"/>
+              <a:endParaRPr lang="en-US" altLang="ko-KR" sz="1200" dirty="0">
+                <a:latin typeface="KoPubWorld돋움체 Medium" panose="00000600000000000000" pitchFamily="2" charset="-127"/>
+                <a:ea typeface="KoPubWorld돋움체 Medium" panose="00000600000000000000" pitchFamily="2" charset="-127"/>
+                <a:cs typeface="KoPubWorld돋움체 Medium" panose="00000600000000000000" pitchFamily="2" charset="-127"/>
+              </a:endParaRPr>
+            </a:p>
+          </p:txBody>
+        </p:sp>
+        <p:sp>
+          <p:nvSpPr>
+            <p:cNvPr id="98" name="TextBox 97">
+              <a:extLst>
+                <a:ext uri="{FF2B5EF4-FFF2-40B4-BE49-F238E27FC236}">
+                  <a16:creationId xmlns:a16="http://schemas.microsoft.com/office/drawing/2014/main" id="{F0A11BB0-0F54-45FC-9599-B3C8BA779565}"/>
                 </a:ext>
               </a:extLst>
             </p:cNvPr>
@@ -5814,8 +5120,8 @@
           </p:nvSpPr>
           <p:spPr>
             <a:xfrm>
-              <a:off x="5411131" y="6970294"/>
-              <a:ext cx="535724" cy="246221"/>
+              <a:off x="6944714" y="2902844"/>
+              <a:ext cx="1422417" cy="1015663"/>
             </a:xfrm>
             <a:prstGeom prst="rect">
               <a:avLst/>
@@ -5828,21 +5134,128 @@
             </a:bodyPr>
             <a:lstStyle/>
             <a:p>
-              <a:pPr algn="just"/>
               <a:r>
-                <a:rPr lang="en-US" altLang="ko-KR" sz="1000" dirty="0"/>
-                <a:t>return</a:t>
+                <a:rPr lang="en-US" altLang="ko-KR" sz="1000" dirty="0" err="1">
+                  <a:latin typeface="KoPubWorld돋움체 Medium" panose="00000600000000000000" pitchFamily="2" charset="-127"/>
+                  <a:ea typeface="KoPubWorld돋움체 Medium" panose="00000600000000000000" pitchFamily="2" charset="-127"/>
+                  <a:cs typeface="KoPubWorld돋움체 Medium" panose="00000600000000000000" pitchFamily="2" charset="-127"/>
+                </a:rPr>
+                <a:t>CreateModel</a:t>
               </a:r>
-              <a:endParaRPr lang="ko-KR" altLang="en-US" sz="1000" dirty="0"/>
+              <a:r>
+                <a:rPr lang="en-US" altLang="ko-KR" sz="1000" dirty="0">
+                  <a:latin typeface="KoPubWorld돋움체 Medium" panose="00000600000000000000" pitchFamily="2" charset="-127"/>
+                  <a:ea typeface="KoPubWorld돋움체 Medium" panose="00000600000000000000" pitchFamily="2" charset="-127"/>
+                  <a:cs typeface="KoPubWorld돋움체 Medium" panose="00000600000000000000" pitchFamily="2" charset="-127"/>
+                </a:rPr>
+                <a:t>()</a:t>
+              </a:r>
+            </a:p>
+            <a:p>
+              <a:endParaRPr lang="en-US" altLang="ko-KR" sz="1000" dirty="0">
+                <a:latin typeface="KoPubWorld돋움체 Medium" panose="00000600000000000000" pitchFamily="2" charset="-127"/>
+                <a:ea typeface="KoPubWorld돋움체 Medium" panose="00000600000000000000" pitchFamily="2" charset="-127"/>
+                <a:cs typeface="KoPubWorld돋움체 Medium" panose="00000600000000000000" pitchFamily="2" charset="-127"/>
+              </a:endParaRPr>
+            </a:p>
+            <a:p>
+              <a:r>
+                <a:rPr lang="en-US" altLang="ko-KR" sz="800" dirty="0" err="1">
+                  <a:latin typeface="KoPubWorld돋움체 Medium" panose="00000600000000000000" pitchFamily="2" charset="-127"/>
+                  <a:ea typeface="KoPubWorld돋움체 Medium" panose="00000600000000000000" pitchFamily="2" charset="-127"/>
+                  <a:cs typeface="KoPubWorld돋움체 Medium" panose="00000600000000000000" pitchFamily="2" charset="-127"/>
+                </a:rPr>
+                <a:t>CreateVertexBuffer</a:t>
+              </a:r>
+              <a:r>
+                <a:rPr lang="en-US" altLang="ko-KR" sz="800" dirty="0">
+                  <a:latin typeface="KoPubWorld돋움체 Medium" panose="00000600000000000000" pitchFamily="2" charset="-127"/>
+                  <a:ea typeface="KoPubWorld돋움체 Medium" panose="00000600000000000000" pitchFamily="2" charset="-127"/>
+                  <a:cs typeface="KoPubWorld돋움체 Medium" panose="00000600000000000000" pitchFamily="2" charset="-127"/>
+                </a:rPr>
+                <a:t>()</a:t>
+              </a:r>
+            </a:p>
+            <a:p>
+              <a:r>
+                <a:rPr lang="en-US" altLang="ko-KR" sz="800" dirty="0" err="1">
+                  <a:latin typeface="KoPubWorld돋움체 Medium" panose="00000600000000000000" pitchFamily="2" charset="-127"/>
+                  <a:ea typeface="KoPubWorld돋움체 Medium" panose="00000600000000000000" pitchFamily="2" charset="-127"/>
+                  <a:cs typeface="KoPubWorld돋움체 Medium" panose="00000600000000000000" pitchFamily="2" charset="-127"/>
+                </a:rPr>
+                <a:t>CreateIndexBuffer</a:t>
+              </a:r>
+              <a:r>
+                <a:rPr lang="en-US" altLang="ko-KR" sz="800" dirty="0">
+                  <a:latin typeface="KoPubWorld돋움체 Medium" panose="00000600000000000000" pitchFamily="2" charset="-127"/>
+                  <a:ea typeface="KoPubWorld돋움체 Medium" panose="00000600000000000000" pitchFamily="2" charset="-127"/>
+                  <a:cs typeface="KoPubWorld돋움체 Medium" panose="00000600000000000000" pitchFamily="2" charset="-127"/>
+                </a:rPr>
+                <a:t>()</a:t>
+              </a:r>
+            </a:p>
+            <a:p>
+              <a:r>
+                <a:rPr lang="en-US" altLang="ko-KR" sz="800" dirty="0" err="1">
+                  <a:latin typeface="KoPubWorld돋움체 Medium" panose="00000600000000000000" pitchFamily="2" charset="-127"/>
+                  <a:ea typeface="KoPubWorld돋움체 Medium" panose="00000600000000000000" pitchFamily="2" charset="-127"/>
+                  <a:cs typeface="KoPubWorld돋움체 Medium" panose="00000600000000000000" pitchFamily="2" charset="-127"/>
+                </a:rPr>
+                <a:t>LoadTexture</a:t>
+              </a:r>
+              <a:r>
+                <a:rPr lang="en-US" altLang="ko-KR" sz="800" dirty="0">
+                  <a:latin typeface="KoPubWorld돋움체 Medium" panose="00000600000000000000" pitchFamily="2" charset="-127"/>
+                  <a:ea typeface="KoPubWorld돋움체 Medium" panose="00000600000000000000" pitchFamily="2" charset="-127"/>
+                  <a:cs typeface="KoPubWorld돋움체 Medium" panose="00000600000000000000" pitchFamily="2" charset="-127"/>
+                </a:rPr>
+                <a:t>()</a:t>
+              </a:r>
+            </a:p>
+            <a:p>
+              <a:r>
+                <a:rPr lang="en-US" altLang="ko-KR" sz="800" dirty="0" err="1">
+                  <a:latin typeface="KoPubWorld돋움체 Medium" panose="00000600000000000000" pitchFamily="2" charset="-127"/>
+                  <a:ea typeface="KoPubWorld돋움체 Medium" panose="00000600000000000000" pitchFamily="2" charset="-127"/>
+                  <a:cs typeface="KoPubWorld돋움체 Medium" panose="00000600000000000000" pitchFamily="2" charset="-127"/>
+                </a:rPr>
+                <a:t>CreateVertexLayout</a:t>
+              </a:r>
+              <a:r>
+                <a:rPr lang="en-US" altLang="ko-KR" sz="800" dirty="0">
+                  <a:latin typeface="KoPubWorld돋움체 Medium" panose="00000600000000000000" pitchFamily="2" charset="-127"/>
+                  <a:ea typeface="KoPubWorld돋움체 Medium" panose="00000600000000000000" pitchFamily="2" charset="-127"/>
+                  <a:cs typeface="KoPubWorld돋움체 Medium" panose="00000600000000000000" pitchFamily="2" charset="-127"/>
+                </a:rPr>
+                <a:t>()</a:t>
+              </a:r>
+            </a:p>
+            <a:p>
+              <a:r>
+                <a:rPr lang="en-US" altLang="ko-KR" sz="800" dirty="0" err="1">
+                  <a:latin typeface="KoPubWorld돋움체 Medium" panose="00000600000000000000" pitchFamily="2" charset="-127"/>
+                  <a:ea typeface="KoPubWorld돋움체 Medium" panose="00000600000000000000" pitchFamily="2" charset="-127"/>
+                  <a:cs typeface="KoPubWorld돋움체 Medium" panose="00000600000000000000" pitchFamily="2" charset="-127"/>
+                </a:rPr>
+                <a:t>CreateConstantBuffer</a:t>
+              </a:r>
+              <a:r>
+                <a:rPr lang="en-US" altLang="ko-KR" sz="800" dirty="0">
+                  <a:latin typeface="KoPubWorld돋움체 Medium" panose="00000600000000000000" pitchFamily="2" charset="-127"/>
+                  <a:ea typeface="KoPubWorld돋움체 Medium" panose="00000600000000000000" pitchFamily="2" charset="-127"/>
+                  <a:cs typeface="KoPubWorld돋움체 Medium" panose="00000600000000000000" pitchFamily="2" charset="-127"/>
+                </a:rPr>
+                <a:t>()</a:t>
+              </a:r>
             </a:p>
           </p:txBody>
         </p:sp>
         <p:sp>
           <p:nvSpPr>
-            <p:cNvPr id="159" name="직사각형 158">
+            <p:cNvPr id="99" name="사각형: 잘린 한쪽 모서리 98">
               <a:extLst>
                 <a:ext uri="{FF2B5EF4-FFF2-40B4-BE49-F238E27FC236}">
-                  <a16:creationId xmlns:a16="http://schemas.microsoft.com/office/drawing/2014/main" id="{3BB86FE3-AA48-4E15-A382-2897DF30280E}"/>
+                  <a16:creationId xmlns:a16="http://schemas.microsoft.com/office/drawing/2014/main" id="{C9CDA062-0A90-4F77-B87F-C96DB15D75BC}"/>
                 </a:ext>
               </a:extLst>
             </p:cNvPr>
@@ -5851,10 +5264,10 @@
           </p:nvSpPr>
           <p:spPr>
             <a:xfrm>
-              <a:off x="3953024" y="8363154"/>
-              <a:ext cx="963562" cy="589935"/>
+              <a:off x="7024806" y="1729378"/>
+              <a:ext cx="1112065" cy="612962"/>
             </a:xfrm>
-            <a:prstGeom prst="rect">
+            <a:prstGeom prst="snip1Rect">
               <a:avLst/>
             </a:prstGeom>
           </p:spPr>
@@ -5878,19 +5291,176 @@
             <a:p>
               <a:pPr algn="ctr"/>
               <a:r>
-                <a:rPr lang="en-US" altLang="ko-KR" sz="1200" b="1" dirty="0" err="1"/>
-                <a:t>KModel</a:t>
+                <a:rPr lang="ko-KR" altLang="en-US" sz="1000" spc="-150" dirty="0" err="1">
+                  <a:latin typeface="KoPubWorld돋움체 Medium" panose="00000600000000000000" pitchFamily="2" charset="-127"/>
+                  <a:ea typeface="KoPubWorld돋움체 Medium" panose="00000600000000000000" pitchFamily="2" charset="-127"/>
+                  <a:cs typeface="KoPubWorld돋움체 Medium" panose="00000600000000000000" pitchFamily="2" charset="-127"/>
+                </a:rPr>
+                <a:t>매쉬당</a:t>
               </a:r>
-              <a:endParaRPr lang="en-US" altLang="ko-KR" sz="1200" b="1" dirty="0"/>
+              <a:r>
+                <a:rPr lang="ko-KR" altLang="en-US" sz="1000" spc="-150" dirty="0">
+                  <a:latin typeface="KoPubWorld돋움체 Medium" panose="00000600000000000000" pitchFamily="2" charset="-127"/>
+                  <a:ea typeface="KoPubWorld돋움체 Medium" panose="00000600000000000000" pitchFamily="2" charset="-127"/>
+                  <a:cs typeface="KoPubWorld돋움체 Medium" panose="00000600000000000000" pitchFamily="2" charset="-127"/>
+                </a:rPr>
+                <a:t> 모델 생성</a:t>
+              </a:r>
+              <a:endParaRPr lang="en-US" altLang="ko-KR" sz="1000" spc="-150" dirty="0">
+                <a:latin typeface="KoPubWorld돋움체 Medium" panose="00000600000000000000" pitchFamily="2" charset="-127"/>
+                <a:ea typeface="KoPubWorld돋움체 Medium" panose="00000600000000000000" pitchFamily="2" charset="-127"/>
+                <a:cs typeface="KoPubWorld돋움체 Medium" panose="00000600000000000000" pitchFamily="2" charset="-127"/>
+              </a:endParaRPr>
+            </a:p>
+            <a:p>
+              <a:pPr algn="ctr"/>
+              <a:r>
+                <a:rPr lang="en-US" altLang="ko-KR" sz="1000" spc="-150" dirty="0">
+                  <a:latin typeface="KoPubWorld돋움체 Medium" panose="00000600000000000000" pitchFamily="2" charset="-127"/>
+                  <a:ea typeface="KoPubWorld돋움체 Medium" panose="00000600000000000000" pitchFamily="2" charset="-127"/>
+                  <a:cs typeface="KoPubWorld돋움체 Medium" panose="00000600000000000000" pitchFamily="2" charset="-127"/>
+                </a:rPr>
+                <a:t>Model </a:t>
+              </a:r>
+              <a:r>
+                <a:rPr lang="ko-KR" altLang="en-US" sz="1000" spc="-150" dirty="0" err="1">
+                  <a:latin typeface="KoPubWorld돋움체 Medium" panose="00000600000000000000" pitchFamily="2" charset="-127"/>
+                  <a:ea typeface="KoPubWorld돋움체 Medium" panose="00000600000000000000" pitchFamily="2" charset="-127"/>
+                  <a:cs typeface="KoPubWorld돋움체 Medium" panose="00000600000000000000" pitchFamily="2" charset="-127"/>
+                </a:rPr>
+                <a:t>클래스상속받아</a:t>
+              </a:r>
+              <a:r>
+                <a:rPr lang="ko-KR" altLang="en-US" sz="1000" spc="-150" dirty="0">
+                  <a:latin typeface="KoPubWorld돋움체 Medium" panose="00000600000000000000" pitchFamily="2" charset="-127"/>
+                  <a:ea typeface="KoPubWorld돋움체 Medium" panose="00000600000000000000" pitchFamily="2" charset="-127"/>
+                  <a:cs typeface="KoPubWorld돋움체 Medium" panose="00000600000000000000" pitchFamily="2" charset="-127"/>
+                </a:rPr>
+                <a:t> 오버로딩</a:t>
+              </a:r>
+              <a:endParaRPr lang="en-US" altLang="ko-KR" sz="1000" spc="-150" dirty="0">
+                <a:latin typeface="KoPubWorld돋움체 Medium" panose="00000600000000000000" pitchFamily="2" charset="-127"/>
+                <a:ea typeface="KoPubWorld돋움체 Medium" panose="00000600000000000000" pitchFamily="2" charset="-127"/>
+                <a:cs typeface="KoPubWorld돋움체 Medium" panose="00000600000000000000" pitchFamily="2" charset="-127"/>
+              </a:endParaRPr>
             </a:p>
           </p:txBody>
         </p:sp>
+        <p:grpSp>
+          <p:nvGrpSpPr>
+            <p:cNvPr id="100" name="그룹 99">
+              <a:extLst>
+                <a:ext uri="{FF2B5EF4-FFF2-40B4-BE49-F238E27FC236}">
+                  <a16:creationId xmlns:a16="http://schemas.microsoft.com/office/drawing/2014/main" id="{C47AEE76-79D1-473A-9B6C-29A3142F1CAF}"/>
+                </a:ext>
+              </a:extLst>
+            </p:cNvPr>
+            <p:cNvGrpSpPr/>
+            <p:nvPr/>
+          </p:nvGrpSpPr>
+          <p:grpSpPr>
+            <a:xfrm>
+              <a:off x="5530829" y="3720486"/>
+              <a:ext cx="1326839" cy="246221"/>
+              <a:chOff x="2917672" y="3784529"/>
+              <a:chExt cx="1298895" cy="246221"/>
+            </a:xfrm>
+          </p:grpSpPr>
+          <p:cxnSp>
+            <p:nvCxnSpPr>
+              <p:cNvPr id="102" name="직선 화살표 연결선 101">
+                <a:extLst>
+                  <a:ext uri="{FF2B5EF4-FFF2-40B4-BE49-F238E27FC236}">
+                    <a16:creationId xmlns:a16="http://schemas.microsoft.com/office/drawing/2014/main" id="{1E9F46CB-8531-45FD-AAF4-91C485AA3E6A}"/>
+                  </a:ext>
+                </a:extLst>
+              </p:cNvPr>
+              <p:cNvCxnSpPr>
+                <a:cxnSpLocks/>
+              </p:cNvCxnSpPr>
+              <p:nvPr/>
+            </p:nvCxnSpPr>
+            <p:spPr>
+              <a:xfrm flipH="1">
+                <a:off x="2917672" y="4000205"/>
+                <a:ext cx="1298895" cy="0"/>
+              </a:xfrm>
+              <a:prstGeom prst="straightConnector1">
+                <a:avLst/>
+              </a:prstGeom>
+              <a:ln>
+                <a:prstDash val="dash"/>
+                <a:headEnd type="none" w="lg" len="med"/>
+                <a:tailEnd type="triangle" w="lg" len="lg"/>
+              </a:ln>
+            </p:spPr>
+            <p:style>
+              <a:lnRef idx="1">
+                <a:schemeClr val="dk1"/>
+              </a:lnRef>
+              <a:fillRef idx="0">
+                <a:schemeClr val="dk1"/>
+              </a:fillRef>
+              <a:effectRef idx="0">
+                <a:schemeClr val="dk1"/>
+              </a:effectRef>
+              <a:fontRef idx="minor">
+                <a:schemeClr val="tx1"/>
+              </a:fontRef>
+            </p:style>
+          </p:cxnSp>
+          <p:sp>
+            <p:nvSpPr>
+              <p:cNvPr id="103" name="TextBox 102">
+                <a:extLst>
+                  <a:ext uri="{FF2B5EF4-FFF2-40B4-BE49-F238E27FC236}">
+                    <a16:creationId xmlns:a16="http://schemas.microsoft.com/office/drawing/2014/main" id="{87C023A7-F4A5-46D9-A0F8-FC5A3D5D2846}"/>
+                  </a:ext>
+                </a:extLst>
+              </p:cNvPr>
+              <p:cNvSpPr txBox="1"/>
+              <p:nvPr/>
+            </p:nvSpPr>
+            <p:spPr>
+              <a:xfrm>
+                <a:off x="3278425" y="3784529"/>
+                <a:ext cx="535724" cy="246221"/>
+              </a:xfrm>
+              <a:prstGeom prst="rect">
+                <a:avLst/>
+              </a:prstGeom>
+              <a:noFill/>
+            </p:spPr>
+            <p:txBody>
+              <a:bodyPr wrap="square" rtlCol="0">
+                <a:spAutoFit/>
+              </a:bodyPr>
+              <a:lstStyle/>
+              <a:p>
+                <a:pPr algn="r"/>
+                <a:r>
+                  <a:rPr lang="en-US" altLang="ko-KR" sz="1000" dirty="0">
+                    <a:latin typeface="KoPubWorld돋움체 Medium" panose="00000600000000000000" pitchFamily="2" charset="-127"/>
+                    <a:ea typeface="KoPubWorld돋움체 Medium" panose="00000600000000000000" pitchFamily="2" charset="-127"/>
+                    <a:cs typeface="KoPubWorld돋움체 Medium" panose="00000600000000000000" pitchFamily="2" charset="-127"/>
+                  </a:rPr>
+                  <a:t>return;</a:t>
+                </a:r>
+                <a:endParaRPr lang="ko-KR" altLang="en-US" sz="1000" dirty="0">
+                  <a:latin typeface="KoPubWorld돋움체 Medium" panose="00000600000000000000" pitchFamily="2" charset="-127"/>
+                  <a:ea typeface="KoPubWorld돋움체 Medium" panose="00000600000000000000" pitchFamily="2" charset="-127"/>
+                  <a:cs typeface="KoPubWorld돋움체 Medium" panose="00000600000000000000" pitchFamily="2" charset="-127"/>
+                </a:endParaRPr>
+              </a:p>
+            </p:txBody>
+          </p:sp>
+        </p:grpSp>
         <p:sp>
           <p:nvSpPr>
-            <p:cNvPr id="160" name="직사각형 159">
+            <p:cNvPr id="123" name="직사각형 122">
               <a:extLst>
                 <a:ext uri="{FF2B5EF4-FFF2-40B4-BE49-F238E27FC236}">
-                  <a16:creationId xmlns:a16="http://schemas.microsoft.com/office/drawing/2014/main" id="{99DDF293-913C-4DC5-A0F0-8EB6F3981251}"/>
+                  <a16:creationId xmlns:a16="http://schemas.microsoft.com/office/drawing/2014/main" id="{FF8D475F-5185-43B2-905B-81EE23836FBF}"/>
                 </a:ext>
               </a:extLst>
             </p:cNvPr>
@@ -5899,8 +5469,8 @@
           </p:nvSpPr>
           <p:spPr>
             <a:xfrm>
-              <a:off x="5449043" y="8363154"/>
-              <a:ext cx="963562" cy="589935"/>
+              <a:off x="3896965" y="903835"/>
+              <a:ext cx="963562" cy="457830"/>
             </a:xfrm>
             <a:prstGeom prst="rect">
               <a:avLst/>
@@ -5926,19 +5496,67 @@
             <a:p>
               <a:pPr algn="ctr"/>
               <a:r>
-                <a:rPr lang="en-US" altLang="ko-KR" sz="1200" b="1" dirty="0" err="1"/>
-                <a:t>KQuadtree</a:t>
+                <a:rPr lang="en-US" altLang="ko-KR" sz="1200" dirty="0" err="1">
+                  <a:latin typeface="KoPubWorld돋움체 Medium" panose="00000600000000000000" pitchFamily="2" charset="-127"/>
+                  <a:ea typeface="KoPubWorld돋움체 Medium" panose="00000600000000000000" pitchFamily="2" charset="-127"/>
+                  <a:cs typeface="KoPubWorld돋움체 Medium" panose="00000600000000000000" pitchFamily="2" charset="-127"/>
+                </a:rPr>
+                <a:t>KCore</a:t>
               </a:r>
-              <a:endParaRPr lang="en-US" altLang="ko-KR" sz="1200" b="1" dirty="0"/>
+              <a:endParaRPr lang="en-US" altLang="ko-KR" sz="1200" dirty="0">
+                <a:latin typeface="KoPubWorld돋움체 Medium" panose="00000600000000000000" pitchFamily="2" charset="-127"/>
+                <a:ea typeface="KoPubWorld돋움체 Medium" panose="00000600000000000000" pitchFamily="2" charset="-127"/>
+                <a:cs typeface="KoPubWorld돋움체 Medium" panose="00000600000000000000" pitchFamily="2" charset="-127"/>
+              </a:endParaRPr>
             </a:p>
           </p:txBody>
         </p:sp>
+        <p:cxnSp>
+          <p:nvCxnSpPr>
+            <p:cNvPr id="124" name="직선 연결선 123">
+              <a:extLst>
+                <a:ext uri="{FF2B5EF4-FFF2-40B4-BE49-F238E27FC236}">
+                  <a16:creationId xmlns:a16="http://schemas.microsoft.com/office/drawing/2014/main" id="{F0A130ED-9924-48CC-BE7C-347DF489C28B}"/>
+                </a:ext>
+              </a:extLst>
+            </p:cNvPr>
+            <p:cNvCxnSpPr>
+              <a:cxnSpLocks/>
+              <a:stCxn id="123" idx="2"/>
+              <a:endCxn id="125" idx="0"/>
+            </p:cNvCxnSpPr>
+            <p:nvPr/>
+          </p:nvCxnSpPr>
+          <p:spPr>
+            <a:xfrm>
+              <a:off x="4378746" y="1361665"/>
+              <a:ext cx="0" cy="6078867"/>
+            </a:xfrm>
+            <a:prstGeom prst="line">
+              <a:avLst/>
+            </a:prstGeom>
+          </p:spPr>
+          <p:style>
+            <a:lnRef idx="1">
+              <a:schemeClr val="dk1"/>
+            </a:lnRef>
+            <a:fillRef idx="0">
+              <a:schemeClr val="dk1"/>
+            </a:fillRef>
+            <a:effectRef idx="0">
+              <a:schemeClr val="dk1"/>
+            </a:effectRef>
+            <a:fontRef idx="minor">
+              <a:schemeClr val="tx1"/>
+            </a:fontRef>
+          </p:style>
+        </p:cxnSp>
         <p:sp>
           <p:nvSpPr>
-            <p:cNvPr id="161" name="직사각형 160">
+            <p:cNvPr id="125" name="직사각형 124">
               <a:extLst>
                 <a:ext uri="{FF2B5EF4-FFF2-40B4-BE49-F238E27FC236}">
-                  <a16:creationId xmlns:a16="http://schemas.microsoft.com/office/drawing/2014/main" id="{B0B51219-3C2C-478C-9FF3-7591993B096D}"/>
+                  <a16:creationId xmlns:a16="http://schemas.microsoft.com/office/drawing/2014/main" id="{213212F6-94E8-4318-A86F-D9B034C5530F}"/>
                 </a:ext>
               </a:extLst>
             </p:cNvPr>
@@ -5947,8 +5565,8 @@
           </p:nvSpPr>
           <p:spPr>
             <a:xfrm>
-              <a:off x="6945034" y="8335995"/>
-              <a:ext cx="963562" cy="589935"/>
+              <a:off x="3896965" y="7440532"/>
+              <a:ext cx="963562" cy="457830"/>
             </a:xfrm>
             <a:prstGeom prst="rect">
               <a:avLst/>
@@ -5974,205 +5592,101 @@
             <a:p>
               <a:pPr algn="ctr"/>
               <a:r>
-                <a:rPr lang="en-US" altLang="ko-KR" sz="1200" b="1" dirty="0" err="1"/>
-                <a:t>KCamera</a:t>
+                <a:rPr lang="en-US" altLang="ko-KR" sz="1200" dirty="0" err="1">
+                  <a:latin typeface="KoPubWorld돋움체 Medium" panose="00000600000000000000" pitchFamily="2" charset="-127"/>
+                  <a:ea typeface="KoPubWorld돋움체 Medium" panose="00000600000000000000" pitchFamily="2" charset="-127"/>
+                  <a:cs typeface="KoPubWorld돋움체 Medium" panose="00000600000000000000" pitchFamily="2" charset="-127"/>
+                </a:rPr>
+                <a:t>KCore</a:t>
               </a:r>
-              <a:endParaRPr lang="en-US" altLang="ko-KR" sz="1200" b="1" dirty="0"/>
+              <a:endParaRPr lang="en-US" altLang="ko-KR" sz="1200" dirty="0">
+                <a:latin typeface="KoPubWorld돋움체 Medium" panose="00000600000000000000" pitchFamily="2" charset="-127"/>
+                <a:ea typeface="KoPubWorld돋움체 Medium" panose="00000600000000000000" pitchFamily="2" charset="-127"/>
+                <a:cs typeface="KoPubWorld돋움체 Medium" panose="00000600000000000000" pitchFamily="2" charset="-127"/>
+              </a:endParaRPr>
+            </a:p>
+          </p:txBody>
+        </p:sp>
+        <p:sp>
+          <p:nvSpPr>
+            <p:cNvPr id="128" name="직사각형 127">
+              <a:extLst>
+                <a:ext uri="{FF2B5EF4-FFF2-40B4-BE49-F238E27FC236}">
+                  <a16:creationId xmlns:a16="http://schemas.microsoft.com/office/drawing/2014/main" id="{BE47EF32-6AAC-44B0-9111-EAAFFAFD13BD}"/>
+                </a:ext>
+              </a:extLst>
+            </p:cNvPr>
+            <p:cNvSpPr/>
+            <p:nvPr/>
+          </p:nvSpPr>
+          <p:spPr>
+            <a:xfrm>
+              <a:off x="2818040" y="903835"/>
+              <a:ext cx="963562" cy="457830"/>
+            </a:xfrm>
+            <a:prstGeom prst="rect">
+              <a:avLst/>
+            </a:prstGeom>
+          </p:spPr>
+          <p:style>
+            <a:lnRef idx="2">
+              <a:schemeClr val="dk1"/>
+            </a:lnRef>
+            <a:fillRef idx="1">
+              <a:schemeClr val="lt1"/>
+            </a:fillRef>
+            <a:effectRef idx="0">
+              <a:schemeClr val="dk1"/>
+            </a:effectRef>
+            <a:fontRef idx="minor">
+              <a:schemeClr val="dk1"/>
+            </a:fontRef>
+          </p:style>
+          <p:txBody>
+            <a:bodyPr rtlCol="0" anchor="ctr"/>
+            <a:lstStyle/>
+            <a:p>
+              <a:pPr algn="ctr"/>
+              <a:r>
+                <a:rPr lang="en-US" altLang="ko-KR" sz="1200" dirty="0" err="1">
+                  <a:latin typeface="KoPubWorld돋움체 Medium" panose="00000600000000000000" pitchFamily="2" charset="-127"/>
+                  <a:ea typeface="KoPubWorld돋움체 Medium" panose="00000600000000000000" pitchFamily="2" charset="-127"/>
+                  <a:cs typeface="KoPubWorld돋움체 Medium" panose="00000600000000000000" pitchFamily="2" charset="-127"/>
+                </a:rPr>
+                <a:t>KWindow</a:t>
+              </a:r>
+              <a:endParaRPr lang="en-US" altLang="ko-KR" sz="1200" dirty="0">
+                <a:latin typeface="KoPubWorld돋움체 Medium" panose="00000600000000000000" pitchFamily="2" charset="-127"/>
+                <a:ea typeface="KoPubWorld돋움체 Medium" panose="00000600000000000000" pitchFamily="2" charset="-127"/>
+                <a:cs typeface="KoPubWorld돋움체 Medium" panose="00000600000000000000" pitchFamily="2" charset="-127"/>
+              </a:endParaRPr>
             </a:p>
           </p:txBody>
         </p:sp>
         <p:cxnSp>
           <p:nvCxnSpPr>
-            <p:cNvPr id="167" name="직선 화살표 연결선 166">
+            <p:cNvPr id="129" name="직선 연결선 128">
               <a:extLst>
                 <a:ext uri="{FF2B5EF4-FFF2-40B4-BE49-F238E27FC236}">
-                  <a16:creationId xmlns:a16="http://schemas.microsoft.com/office/drawing/2014/main" id="{934DF106-084E-4D99-9934-2B6E82AE183E}"/>
+                  <a16:creationId xmlns:a16="http://schemas.microsoft.com/office/drawing/2014/main" id="{1FE717E1-363D-4EAC-B8AC-02145293C3CA}"/>
                 </a:ext>
               </a:extLst>
             </p:cNvPr>
             <p:cNvCxnSpPr>
               <a:cxnSpLocks/>
-            </p:cNvCxnSpPr>
-            <p:nvPr/>
-          </p:nvCxnSpPr>
-          <p:spPr>
-            <a:xfrm flipH="1" flipV="1">
-              <a:off x="4533736" y="2654334"/>
-              <a:ext cx="4698026" cy="1"/>
-            </a:xfrm>
-            <a:prstGeom prst="straightConnector1">
-              <a:avLst/>
-            </a:prstGeom>
-            <a:ln>
-              <a:prstDash val="dash"/>
-              <a:tailEnd type="triangle"/>
-            </a:ln>
-          </p:spPr>
-          <p:style>
-            <a:lnRef idx="1">
-              <a:schemeClr val="dk1"/>
-            </a:lnRef>
-            <a:fillRef idx="0">
-              <a:schemeClr val="dk1"/>
-            </a:fillRef>
-            <a:effectRef idx="0">
-              <a:schemeClr val="dk1"/>
-            </a:effectRef>
-            <a:fontRef idx="minor">
-              <a:schemeClr val="tx1"/>
-            </a:fontRef>
-          </p:style>
-        </p:cxnSp>
-        <p:cxnSp>
-          <p:nvCxnSpPr>
-            <p:cNvPr id="170" name="직선 화살표 연결선 169">
-              <a:extLst>
-                <a:ext uri="{FF2B5EF4-FFF2-40B4-BE49-F238E27FC236}">
-                  <a16:creationId xmlns:a16="http://schemas.microsoft.com/office/drawing/2014/main" id="{1135A03D-1DEC-498A-870E-53364015F883}"/>
-                </a:ext>
-              </a:extLst>
-            </p:cNvPr>
-            <p:cNvCxnSpPr>
-              <a:cxnSpLocks/>
+              <a:stCxn id="128" idx="2"/>
+              <a:endCxn id="130" idx="0"/>
             </p:cNvCxnSpPr>
             <p:nvPr/>
           </p:nvCxnSpPr>
           <p:spPr>
             <a:xfrm>
-              <a:off x="4423027" y="8106901"/>
-              <a:ext cx="1517557" cy="0"/>
+              <a:off x="3299821" y="1361665"/>
+              <a:ext cx="0" cy="6078867"/>
             </a:xfrm>
-            <a:prstGeom prst="straightConnector1">
+            <a:prstGeom prst="line">
               <a:avLst/>
             </a:prstGeom>
-            <a:ln>
-              <a:tailEnd type="triangle"/>
-            </a:ln>
-          </p:spPr>
-          <p:style>
-            <a:lnRef idx="1">
-              <a:schemeClr val="dk1"/>
-            </a:lnRef>
-            <a:fillRef idx="0">
-              <a:schemeClr val="dk1"/>
-            </a:fillRef>
-            <a:effectRef idx="0">
-              <a:schemeClr val="dk1"/>
-            </a:effectRef>
-            <a:fontRef idx="minor">
-              <a:schemeClr val="tx1"/>
-            </a:fontRef>
-          </p:style>
-        </p:cxnSp>
-        <p:cxnSp>
-          <p:nvCxnSpPr>
-            <p:cNvPr id="171" name="직선 화살표 연결선 170">
-              <a:extLst>
-                <a:ext uri="{FF2B5EF4-FFF2-40B4-BE49-F238E27FC236}">
-                  <a16:creationId xmlns:a16="http://schemas.microsoft.com/office/drawing/2014/main" id="{80A28923-91F8-4089-A1D9-0408BB12022C}"/>
-                </a:ext>
-              </a:extLst>
-            </p:cNvPr>
-            <p:cNvCxnSpPr>
-              <a:cxnSpLocks/>
-            </p:cNvCxnSpPr>
-            <p:nvPr/>
-          </p:nvCxnSpPr>
-          <p:spPr>
-            <a:xfrm flipH="1" flipV="1">
-              <a:off x="4410015" y="8196928"/>
-              <a:ext cx="1496197" cy="2111"/>
-            </a:xfrm>
-            <a:prstGeom prst="straightConnector1">
-              <a:avLst/>
-            </a:prstGeom>
-            <a:ln>
-              <a:prstDash val="dash"/>
-              <a:tailEnd type="triangle"/>
-            </a:ln>
-          </p:spPr>
-          <p:style>
-            <a:lnRef idx="1">
-              <a:schemeClr val="dk1"/>
-            </a:lnRef>
-            <a:fillRef idx="0">
-              <a:schemeClr val="dk1"/>
-            </a:fillRef>
-            <a:effectRef idx="0">
-              <a:schemeClr val="dk1"/>
-            </a:effectRef>
-            <a:fontRef idx="minor">
-              <a:schemeClr val="tx1"/>
-            </a:fontRef>
-          </p:style>
-        </p:cxnSp>
-        <p:cxnSp>
-          <p:nvCxnSpPr>
-            <p:cNvPr id="172" name="직선 화살표 연결선 171">
-              <a:extLst>
-                <a:ext uri="{FF2B5EF4-FFF2-40B4-BE49-F238E27FC236}">
-                  <a16:creationId xmlns:a16="http://schemas.microsoft.com/office/drawing/2014/main" id="{B80C52D2-55F2-4E2E-BD0A-555D39DCDBFE}"/>
-                </a:ext>
-              </a:extLst>
-            </p:cNvPr>
-            <p:cNvCxnSpPr>
-              <a:cxnSpLocks/>
-            </p:cNvCxnSpPr>
-            <p:nvPr/>
-          </p:nvCxnSpPr>
-          <p:spPr>
-            <a:xfrm>
-              <a:off x="5919505" y="8106901"/>
-              <a:ext cx="1517557" cy="0"/>
-            </a:xfrm>
-            <a:prstGeom prst="straightConnector1">
-              <a:avLst/>
-            </a:prstGeom>
-            <a:ln>
-              <a:tailEnd type="triangle"/>
-            </a:ln>
-          </p:spPr>
-          <p:style>
-            <a:lnRef idx="1">
-              <a:schemeClr val="dk1"/>
-            </a:lnRef>
-            <a:fillRef idx="0">
-              <a:schemeClr val="dk1"/>
-            </a:fillRef>
-            <a:effectRef idx="0">
-              <a:schemeClr val="dk1"/>
-            </a:effectRef>
-            <a:fontRef idx="minor">
-              <a:schemeClr val="tx1"/>
-            </a:fontRef>
-          </p:style>
-        </p:cxnSp>
-        <p:cxnSp>
-          <p:nvCxnSpPr>
-            <p:cNvPr id="173" name="직선 화살표 연결선 172">
-              <a:extLst>
-                <a:ext uri="{FF2B5EF4-FFF2-40B4-BE49-F238E27FC236}">
-                  <a16:creationId xmlns:a16="http://schemas.microsoft.com/office/drawing/2014/main" id="{34B39FCF-9DAE-4BCE-BA51-44F32738D270}"/>
-                </a:ext>
-              </a:extLst>
-            </p:cNvPr>
-            <p:cNvCxnSpPr>
-              <a:cxnSpLocks/>
-            </p:cNvCxnSpPr>
-            <p:nvPr/>
-          </p:nvCxnSpPr>
-          <p:spPr>
-            <a:xfrm flipH="1" flipV="1">
-              <a:off x="5906493" y="8196928"/>
-              <a:ext cx="1496197" cy="2111"/>
-            </a:xfrm>
-            <a:prstGeom prst="straightConnector1">
-              <a:avLst/>
-            </a:prstGeom>
-            <a:ln>
-              <a:prstDash val="dash"/>
-              <a:tailEnd type="triangle"/>
-            </a:ln>
           </p:spPr>
           <p:style>
             <a:lnRef idx="1">
@@ -6191,10 +5705,10 @@
         </p:cxnSp>
         <p:sp>
           <p:nvSpPr>
-            <p:cNvPr id="177" name="직사각형 176">
+            <p:cNvPr id="130" name="직사각형 129">
               <a:extLst>
                 <a:ext uri="{FF2B5EF4-FFF2-40B4-BE49-F238E27FC236}">
-                  <a16:creationId xmlns:a16="http://schemas.microsoft.com/office/drawing/2014/main" id="{C80E0796-80A4-415C-A2A2-54A048CF8EBD}"/>
+                  <a16:creationId xmlns:a16="http://schemas.microsoft.com/office/drawing/2014/main" id="{9C8860C7-722C-43EE-8C74-AAF6BAB313AA}"/>
                 </a:ext>
               </a:extLst>
             </p:cNvPr>
@@ -6203,8 +5717,8 @@
           </p:nvSpPr>
           <p:spPr>
             <a:xfrm>
-              <a:off x="8742417" y="8322885"/>
-              <a:ext cx="963562" cy="589935"/>
+              <a:off x="2818040" y="7440532"/>
+              <a:ext cx="963562" cy="457830"/>
             </a:xfrm>
             <a:prstGeom prst="rect">
               <a:avLst/>
@@ -6230,141 +5744,471 @@
             <a:p>
               <a:pPr algn="ctr"/>
               <a:r>
-                <a:rPr lang="en-US" altLang="ko-KR" sz="1200" b="1" dirty="0" err="1"/>
-                <a:t>KMap</a:t>
+                <a:rPr lang="en-US" altLang="ko-KR" sz="1200" dirty="0" err="1">
+                  <a:latin typeface="KoPubWorld돋움체 Medium" panose="00000600000000000000" pitchFamily="2" charset="-127"/>
+                  <a:ea typeface="KoPubWorld돋움체 Medium" panose="00000600000000000000" pitchFamily="2" charset="-127"/>
+                  <a:cs typeface="KoPubWorld돋움체 Medium" panose="00000600000000000000" pitchFamily="2" charset="-127"/>
+                </a:rPr>
+                <a:t>KWindow</a:t>
               </a:r>
-              <a:endParaRPr lang="en-US" altLang="ko-KR" sz="1200" b="1" dirty="0"/>
+              <a:endParaRPr lang="en-US" altLang="ko-KR" sz="1200" dirty="0">
+                <a:latin typeface="KoPubWorld돋움체 Medium" panose="00000600000000000000" pitchFamily="2" charset="-127"/>
+                <a:ea typeface="KoPubWorld돋움체 Medium" panose="00000600000000000000" pitchFamily="2" charset="-127"/>
+                <a:cs typeface="KoPubWorld돋움체 Medium" panose="00000600000000000000" pitchFamily="2" charset="-127"/>
+              </a:endParaRPr>
             </a:p>
           </p:txBody>
         </p:sp>
-        <p:cxnSp>
-          <p:nvCxnSpPr>
-            <p:cNvPr id="178" name="직선 화살표 연결선 177">
+        <p:grpSp>
+          <p:nvGrpSpPr>
+            <p:cNvPr id="135" name="그룹 134">
               <a:extLst>
                 <a:ext uri="{FF2B5EF4-FFF2-40B4-BE49-F238E27FC236}">
-                  <a16:creationId xmlns:a16="http://schemas.microsoft.com/office/drawing/2014/main" id="{A00B272B-5124-4961-BA27-F18563B2C40E}"/>
+                  <a16:creationId xmlns:a16="http://schemas.microsoft.com/office/drawing/2014/main" id="{AA5DA271-8B20-49CF-B37F-4DED92B2831A}"/>
                 </a:ext>
               </a:extLst>
             </p:cNvPr>
-            <p:cNvCxnSpPr>
-              <a:cxnSpLocks/>
-            </p:cNvCxnSpPr>
+            <p:cNvGrpSpPr/>
             <p:nvPr/>
-          </p:nvCxnSpPr>
-          <p:spPr>
+          </p:nvGrpSpPr>
+          <p:grpSpPr>
             <a:xfrm>
-              <a:off x="2959511" y="5991843"/>
-              <a:ext cx="7647652" cy="0"/>
+              <a:off x="2191868" y="1803921"/>
+              <a:ext cx="3238426" cy="246221"/>
+              <a:chOff x="2930013" y="5274178"/>
+              <a:chExt cx="1276192" cy="246221"/>
             </a:xfrm>
-            <a:prstGeom prst="straightConnector1">
-              <a:avLst/>
-            </a:prstGeom>
-            <a:ln>
-              <a:tailEnd type="triangle"/>
-            </a:ln>
-          </p:spPr>
-          <p:style>
-            <a:lnRef idx="1">
-              <a:schemeClr val="dk1"/>
-            </a:lnRef>
-            <a:fillRef idx="0">
-              <a:schemeClr val="dk1"/>
-            </a:fillRef>
-            <a:effectRef idx="0">
-              <a:schemeClr val="dk1"/>
-            </a:effectRef>
-            <a:fontRef idx="minor">
-              <a:schemeClr val="tx1"/>
-            </a:fontRef>
-          </p:style>
-        </p:cxnSp>
-        <p:cxnSp>
-          <p:nvCxnSpPr>
-            <p:cNvPr id="186" name="직선 화살표 연결선 185">
+          </p:grpSpPr>
+          <p:cxnSp>
+            <p:nvCxnSpPr>
+              <p:cNvPr id="136" name="직선 화살표 연결선 135">
+                <a:extLst>
+                  <a:ext uri="{FF2B5EF4-FFF2-40B4-BE49-F238E27FC236}">
+                    <a16:creationId xmlns:a16="http://schemas.microsoft.com/office/drawing/2014/main" id="{111971F2-EF57-48BB-AC86-13C2DC5F39E0}"/>
+                  </a:ext>
+                </a:extLst>
+              </p:cNvPr>
+              <p:cNvCxnSpPr>
+                <a:cxnSpLocks/>
+              </p:cNvCxnSpPr>
+              <p:nvPr/>
+            </p:nvCxnSpPr>
+            <p:spPr>
+              <a:xfrm>
+                <a:off x="2930013" y="5478412"/>
+                <a:ext cx="1276192" cy="0"/>
+              </a:xfrm>
+              <a:prstGeom prst="straightConnector1">
+                <a:avLst/>
+              </a:prstGeom>
+              <a:ln>
+                <a:tailEnd type="triangle" w="lg" len="lg"/>
+              </a:ln>
+            </p:spPr>
+            <p:style>
+              <a:lnRef idx="1">
+                <a:schemeClr val="dk1"/>
+              </a:lnRef>
+              <a:fillRef idx="0">
+                <a:schemeClr val="dk1"/>
+              </a:fillRef>
+              <a:effectRef idx="0">
+                <a:schemeClr val="dk1"/>
+              </a:effectRef>
+              <a:fontRef idx="minor">
+                <a:schemeClr val="tx1"/>
+              </a:fontRef>
+            </p:style>
+          </p:cxnSp>
+          <p:sp>
+            <p:nvSpPr>
+              <p:cNvPr id="137" name="TextBox 136">
+                <a:extLst>
+                  <a:ext uri="{FF2B5EF4-FFF2-40B4-BE49-F238E27FC236}">
+                    <a16:creationId xmlns:a16="http://schemas.microsoft.com/office/drawing/2014/main" id="{166C544F-AE8F-4CFB-B272-51EA2D91BCA8}"/>
+                  </a:ext>
+                </a:extLst>
+              </p:cNvPr>
+              <p:cNvSpPr txBox="1"/>
+              <p:nvPr/>
+            </p:nvSpPr>
+            <p:spPr>
+              <a:xfrm>
+                <a:off x="3037392" y="5274178"/>
+                <a:ext cx="1022969" cy="246221"/>
+              </a:xfrm>
+              <a:prstGeom prst="rect">
+                <a:avLst/>
+              </a:prstGeom>
+              <a:noFill/>
+            </p:spPr>
+            <p:txBody>
+              <a:bodyPr wrap="square" rtlCol="0">
+                <a:spAutoFit/>
+              </a:bodyPr>
+              <a:lstStyle/>
+              <a:p>
+                <a:pPr algn="ctr"/>
+                <a:r>
+                  <a:rPr lang="en-US" altLang="ko-KR" sz="1000" dirty="0">
+                    <a:latin typeface="KoPubWorld돋움체 Medium" panose="00000600000000000000" pitchFamily="2" charset="-127"/>
+                    <a:ea typeface="KoPubWorld돋움체 Medium" panose="00000600000000000000" pitchFamily="2" charset="-127"/>
+                    <a:cs typeface="KoPubWorld돋움체 Medium" panose="00000600000000000000" pitchFamily="2" charset="-127"/>
+                  </a:rPr>
+                  <a:t>Init()</a:t>
+                </a:r>
+                <a:endParaRPr lang="ko-KR" altLang="en-US" sz="1000" dirty="0">
+                  <a:latin typeface="KoPubWorld돋움체 Medium" panose="00000600000000000000" pitchFamily="2" charset="-127"/>
+                  <a:ea typeface="KoPubWorld돋움체 Medium" panose="00000600000000000000" pitchFamily="2" charset="-127"/>
+                  <a:cs typeface="KoPubWorld돋움체 Medium" panose="00000600000000000000" pitchFamily="2" charset="-127"/>
+                </a:endParaRPr>
+              </a:p>
+            </p:txBody>
+          </p:sp>
+        </p:grpSp>
+        <p:grpSp>
+          <p:nvGrpSpPr>
+            <p:cNvPr id="140" name="그룹 139">
               <a:extLst>
                 <a:ext uri="{FF2B5EF4-FFF2-40B4-BE49-F238E27FC236}">
-                  <a16:creationId xmlns:a16="http://schemas.microsoft.com/office/drawing/2014/main" id="{45E8A8E0-20B2-45F3-ACEC-406BE53C5FE1}"/>
+                  <a16:creationId xmlns:a16="http://schemas.microsoft.com/office/drawing/2014/main" id="{829392DF-2614-4D50-9AEB-4C00B0381430}"/>
                 </a:ext>
               </a:extLst>
             </p:cNvPr>
-            <p:cNvCxnSpPr>
-              <a:cxnSpLocks/>
-            </p:cNvCxnSpPr>
+            <p:cNvGrpSpPr/>
             <p:nvPr/>
-          </p:nvCxnSpPr>
-          <p:spPr>
+          </p:nvGrpSpPr>
+          <p:grpSpPr>
             <a:xfrm>
-              <a:off x="4468294" y="6858000"/>
-              <a:ext cx="1502777" cy="0"/>
+              <a:off x="3307773" y="1395576"/>
+              <a:ext cx="1070973" cy="246221"/>
+              <a:chOff x="2930013" y="5274178"/>
+              <a:chExt cx="1276192" cy="246221"/>
             </a:xfrm>
-            <a:prstGeom prst="straightConnector1">
-              <a:avLst/>
-            </a:prstGeom>
-            <a:ln>
-              <a:tailEnd type="triangle"/>
-            </a:ln>
-          </p:spPr>
-          <p:style>
-            <a:lnRef idx="1">
-              <a:schemeClr val="dk1"/>
-            </a:lnRef>
-            <a:fillRef idx="0">
-              <a:schemeClr val="dk1"/>
-            </a:fillRef>
-            <a:effectRef idx="0">
-              <a:schemeClr val="dk1"/>
-            </a:effectRef>
-            <a:fontRef idx="minor">
-              <a:schemeClr val="tx1"/>
-            </a:fontRef>
-          </p:style>
-        </p:cxnSp>
-        <p:sp>
-          <p:nvSpPr>
-            <p:cNvPr id="192" name="TextBox 191">
+          </p:grpSpPr>
+          <p:cxnSp>
+            <p:nvCxnSpPr>
+              <p:cNvPr id="141" name="직선 화살표 연결선 140">
+                <a:extLst>
+                  <a:ext uri="{FF2B5EF4-FFF2-40B4-BE49-F238E27FC236}">
+                    <a16:creationId xmlns:a16="http://schemas.microsoft.com/office/drawing/2014/main" id="{B7936CA0-93A5-4C04-B66B-DD5AE86166B0}"/>
+                  </a:ext>
+                </a:extLst>
+              </p:cNvPr>
+              <p:cNvCxnSpPr>
+                <a:cxnSpLocks/>
+              </p:cNvCxnSpPr>
+              <p:nvPr/>
+            </p:nvCxnSpPr>
+            <p:spPr>
+              <a:xfrm>
+                <a:off x="2930013" y="5478412"/>
+                <a:ext cx="1276192" cy="0"/>
+              </a:xfrm>
+              <a:prstGeom prst="straightConnector1">
+                <a:avLst/>
+              </a:prstGeom>
+              <a:ln>
+                <a:tailEnd type="triangle" w="lg" len="lg"/>
+              </a:ln>
+            </p:spPr>
+            <p:style>
+              <a:lnRef idx="1">
+                <a:schemeClr val="dk1"/>
+              </a:lnRef>
+              <a:fillRef idx="0">
+                <a:schemeClr val="dk1"/>
+              </a:fillRef>
+              <a:effectRef idx="0">
+                <a:schemeClr val="dk1"/>
+              </a:effectRef>
+              <a:fontRef idx="minor">
+                <a:schemeClr val="tx1"/>
+              </a:fontRef>
+            </p:style>
+          </p:cxnSp>
+          <p:sp>
+            <p:nvSpPr>
+              <p:cNvPr id="142" name="TextBox 141">
+                <a:extLst>
+                  <a:ext uri="{FF2B5EF4-FFF2-40B4-BE49-F238E27FC236}">
+                    <a16:creationId xmlns:a16="http://schemas.microsoft.com/office/drawing/2014/main" id="{9B693EDB-DDF0-4783-8823-795F72EBD4E3}"/>
+                  </a:ext>
+                </a:extLst>
+              </p:cNvPr>
+              <p:cNvSpPr txBox="1"/>
+              <p:nvPr/>
+            </p:nvSpPr>
+            <p:spPr>
+              <a:xfrm>
+                <a:off x="3037393" y="5274178"/>
+                <a:ext cx="1022969" cy="246221"/>
+              </a:xfrm>
+              <a:prstGeom prst="rect">
+                <a:avLst/>
+              </a:prstGeom>
+              <a:noFill/>
+            </p:spPr>
+            <p:txBody>
+              <a:bodyPr wrap="square" rtlCol="0">
+                <a:spAutoFit/>
+              </a:bodyPr>
+              <a:lstStyle/>
+              <a:p>
+                <a:pPr algn="ctr"/>
+                <a:r>
+                  <a:rPr lang="en-US" altLang="ko-KR" sz="1000" dirty="0" err="1">
+                    <a:latin typeface="KoPubWorld돋움체 Medium" panose="00000600000000000000" pitchFamily="2" charset="-127"/>
+                    <a:ea typeface="KoPubWorld돋움체 Medium" panose="00000600000000000000" pitchFamily="2" charset="-127"/>
+                    <a:cs typeface="KoPubWorld돋움체 Medium" panose="00000600000000000000" pitchFamily="2" charset="-127"/>
+                  </a:rPr>
+                  <a:t>GameInit</a:t>
+                </a:r>
+                <a:r>
+                  <a:rPr lang="en-US" altLang="ko-KR" sz="1000" dirty="0">
+                    <a:latin typeface="KoPubWorld돋움체 Medium" panose="00000600000000000000" pitchFamily="2" charset="-127"/>
+                    <a:ea typeface="KoPubWorld돋움체 Medium" panose="00000600000000000000" pitchFamily="2" charset="-127"/>
+                    <a:cs typeface="KoPubWorld돋움체 Medium" panose="00000600000000000000" pitchFamily="2" charset="-127"/>
+                  </a:rPr>
+                  <a:t>()</a:t>
+                </a:r>
+                <a:endParaRPr lang="ko-KR" altLang="en-US" sz="1000" dirty="0">
+                  <a:latin typeface="KoPubWorld돋움체 Medium" panose="00000600000000000000" pitchFamily="2" charset="-127"/>
+                  <a:ea typeface="KoPubWorld돋움체 Medium" panose="00000600000000000000" pitchFamily="2" charset="-127"/>
+                  <a:cs typeface="KoPubWorld돋움체 Medium" panose="00000600000000000000" pitchFamily="2" charset="-127"/>
+                </a:endParaRPr>
+              </a:p>
+            </p:txBody>
+          </p:sp>
+        </p:grpSp>
+        <p:grpSp>
+          <p:nvGrpSpPr>
+            <p:cNvPr id="162" name="그룹 161">
               <a:extLst>
                 <a:ext uri="{FF2B5EF4-FFF2-40B4-BE49-F238E27FC236}">
-                  <a16:creationId xmlns:a16="http://schemas.microsoft.com/office/drawing/2014/main" id="{20275FAF-9971-4CB2-98D1-C01F09BC1474}"/>
+                  <a16:creationId xmlns:a16="http://schemas.microsoft.com/office/drawing/2014/main" id="{5B776B85-A465-45C8-A326-6DB00E958641}"/>
                 </a:ext>
               </a:extLst>
             </p:cNvPr>
-            <p:cNvSpPr txBox="1"/>
+            <p:cNvGrpSpPr/>
             <p:nvPr/>
-          </p:nvSpPr>
-          <p:spPr>
+          </p:nvGrpSpPr>
+          <p:grpSpPr>
+            <a:xfrm flipH="1">
+              <a:off x="2191869" y="1587932"/>
+              <a:ext cx="2194060" cy="246221"/>
+              <a:chOff x="2930013" y="5274178"/>
+              <a:chExt cx="1276192" cy="246221"/>
+            </a:xfrm>
+          </p:grpSpPr>
+          <p:cxnSp>
+            <p:nvCxnSpPr>
+              <p:cNvPr id="163" name="직선 화살표 연결선 162">
+                <a:extLst>
+                  <a:ext uri="{FF2B5EF4-FFF2-40B4-BE49-F238E27FC236}">
+                    <a16:creationId xmlns:a16="http://schemas.microsoft.com/office/drawing/2014/main" id="{49FE8EB6-60D0-4935-A869-12D0911A08F1}"/>
+                  </a:ext>
+                </a:extLst>
+              </p:cNvPr>
+              <p:cNvCxnSpPr>
+                <a:cxnSpLocks/>
+              </p:cNvCxnSpPr>
+              <p:nvPr/>
+            </p:nvCxnSpPr>
+            <p:spPr>
+              <a:xfrm>
+                <a:off x="2930013" y="5478412"/>
+                <a:ext cx="1276192" cy="0"/>
+              </a:xfrm>
+              <a:prstGeom prst="straightConnector1">
+                <a:avLst/>
+              </a:prstGeom>
+              <a:ln>
+                <a:tailEnd type="triangle" w="lg" len="lg"/>
+              </a:ln>
+            </p:spPr>
+            <p:style>
+              <a:lnRef idx="1">
+                <a:schemeClr val="dk1"/>
+              </a:lnRef>
+              <a:fillRef idx="0">
+                <a:schemeClr val="dk1"/>
+              </a:fillRef>
+              <a:effectRef idx="0">
+                <a:schemeClr val="dk1"/>
+              </a:effectRef>
+              <a:fontRef idx="minor">
+                <a:schemeClr val="tx1"/>
+              </a:fontRef>
+            </p:style>
+          </p:cxnSp>
+          <p:sp>
+            <p:nvSpPr>
+              <p:cNvPr id="164" name="TextBox 163">
+                <a:extLst>
+                  <a:ext uri="{FF2B5EF4-FFF2-40B4-BE49-F238E27FC236}">
+                    <a16:creationId xmlns:a16="http://schemas.microsoft.com/office/drawing/2014/main" id="{DB2C1A8F-9CE2-4305-BE30-B9F7B28B2FF2}"/>
+                  </a:ext>
+                </a:extLst>
+              </p:cNvPr>
+              <p:cNvSpPr txBox="1"/>
+              <p:nvPr/>
+            </p:nvSpPr>
+            <p:spPr>
+              <a:xfrm>
+                <a:off x="3037393" y="5274178"/>
+                <a:ext cx="467637" cy="246221"/>
+              </a:xfrm>
+              <a:prstGeom prst="rect">
+                <a:avLst/>
+              </a:prstGeom>
+              <a:noFill/>
+            </p:spPr>
+            <p:txBody>
+              <a:bodyPr wrap="square" rtlCol="0">
+                <a:spAutoFit/>
+              </a:bodyPr>
+              <a:lstStyle/>
+              <a:p>
+                <a:pPr algn="ctr"/>
+                <a:r>
+                  <a:rPr lang="en-US" altLang="ko-KR" sz="1000" dirty="0">
+                    <a:latin typeface="KoPubWorld돋움체 Medium" panose="00000600000000000000" pitchFamily="2" charset="-127"/>
+                    <a:ea typeface="KoPubWorld돋움체 Medium" panose="00000600000000000000" pitchFamily="2" charset="-127"/>
+                    <a:cs typeface="KoPubWorld돋움체 Medium" panose="00000600000000000000" pitchFamily="2" charset="-127"/>
+                  </a:rPr>
+                  <a:t>Init()</a:t>
+                </a:r>
+                <a:endParaRPr lang="ko-KR" altLang="en-US" sz="1000" dirty="0">
+                  <a:latin typeface="KoPubWorld돋움체 Medium" panose="00000600000000000000" pitchFamily="2" charset="-127"/>
+                  <a:ea typeface="KoPubWorld돋움체 Medium" panose="00000600000000000000" pitchFamily="2" charset="-127"/>
+                  <a:cs typeface="KoPubWorld돋움체 Medium" panose="00000600000000000000" pitchFamily="2" charset="-127"/>
+                </a:endParaRPr>
+              </a:p>
+            </p:txBody>
+          </p:sp>
+        </p:grpSp>
+        <p:grpSp>
+          <p:nvGrpSpPr>
+            <p:cNvPr id="69" name="그룹 68">
+              <a:extLst>
+                <a:ext uri="{FF2B5EF4-FFF2-40B4-BE49-F238E27FC236}">
+                  <a16:creationId xmlns:a16="http://schemas.microsoft.com/office/drawing/2014/main" id="{A06290BD-515C-46C4-9AD8-59246CC15A97}"/>
+                </a:ext>
+              </a:extLst>
+            </p:cNvPr>
+            <p:cNvGrpSpPr/>
+            <p:nvPr/>
+          </p:nvGrpSpPr>
+          <p:grpSpPr>
             <a:xfrm>
-              <a:off x="8660700" y="2228621"/>
-              <a:ext cx="543740" cy="293414"/>
+              <a:off x="5538785" y="2758801"/>
+              <a:ext cx="1305971" cy="246221"/>
+              <a:chOff x="2930013" y="5274178"/>
+              <a:chExt cx="1276192" cy="246221"/>
             </a:xfrm>
-            <a:prstGeom prst="rect">
-              <a:avLst/>
-            </a:prstGeom>
-            <a:noFill/>
-          </p:spPr>
-          <p:txBody>
-            <a:bodyPr wrap="none" rtlCol="0">
-              <a:spAutoFit/>
-            </a:bodyPr>
-            <a:lstStyle/>
-            <a:p>
-              <a:pPr algn="r">
-                <a:lnSpc>
-                  <a:spcPct val="150000"/>
-                </a:lnSpc>
-              </a:pPr>
-              <a:r>
-                <a:rPr lang="en-US" altLang="ko-KR" sz="1000" dirty="0"/>
-                <a:t>Load()</a:t>
-              </a:r>
-            </a:p>
-          </p:txBody>
-        </p:sp>
+          </p:grpSpPr>
+          <p:cxnSp>
+            <p:nvCxnSpPr>
+              <p:cNvPr id="71" name="직선 화살표 연결선 70">
+                <a:extLst>
+                  <a:ext uri="{FF2B5EF4-FFF2-40B4-BE49-F238E27FC236}">
+                    <a16:creationId xmlns:a16="http://schemas.microsoft.com/office/drawing/2014/main" id="{40850BDB-611E-45BD-9D9F-C06418F10372}"/>
+                  </a:ext>
+                </a:extLst>
+              </p:cNvPr>
+              <p:cNvCxnSpPr>
+                <a:cxnSpLocks/>
+              </p:cNvCxnSpPr>
+              <p:nvPr/>
+            </p:nvCxnSpPr>
+            <p:spPr>
+              <a:xfrm>
+                <a:off x="2930013" y="5478412"/>
+                <a:ext cx="1276192" cy="0"/>
+              </a:xfrm>
+              <a:prstGeom prst="straightConnector1">
+                <a:avLst/>
+              </a:prstGeom>
+              <a:ln>
+                <a:tailEnd type="triangle" w="lg" len="lg"/>
+              </a:ln>
+            </p:spPr>
+            <p:style>
+              <a:lnRef idx="1">
+                <a:schemeClr val="dk1"/>
+              </a:lnRef>
+              <a:fillRef idx="0">
+                <a:schemeClr val="dk1"/>
+              </a:fillRef>
+              <a:effectRef idx="0">
+                <a:schemeClr val="dk1"/>
+              </a:effectRef>
+              <a:fontRef idx="minor">
+                <a:schemeClr val="tx1"/>
+              </a:fontRef>
+            </p:style>
+          </p:cxnSp>
+          <p:sp>
+            <p:nvSpPr>
+              <p:cNvPr id="72" name="TextBox 71">
+                <a:extLst>
+                  <a:ext uri="{FF2B5EF4-FFF2-40B4-BE49-F238E27FC236}">
+                    <a16:creationId xmlns:a16="http://schemas.microsoft.com/office/drawing/2014/main" id="{B1BD68BA-D0FE-4EF6-AE1B-1959BC5BDDEB}"/>
+                  </a:ext>
+                </a:extLst>
+              </p:cNvPr>
+              <p:cNvSpPr txBox="1"/>
+              <p:nvPr/>
+            </p:nvSpPr>
+            <p:spPr>
+              <a:xfrm>
+                <a:off x="3037393" y="5274178"/>
+                <a:ext cx="1022969" cy="246221"/>
+              </a:xfrm>
+              <a:prstGeom prst="rect">
+                <a:avLst/>
+              </a:prstGeom>
+              <a:noFill/>
+            </p:spPr>
+            <p:txBody>
+              <a:bodyPr wrap="square" rtlCol="0">
+                <a:spAutoFit/>
+              </a:bodyPr>
+              <a:lstStyle/>
+              <a:p>
+                <a:pPr algn="ctr"/>
+                <a:r>
+                  <a:rPr lang="en-US" altLang="ko-KR" sz="1000" dirty="0" err="1">
+                    <a:latin typeface="KoPubWorld돋움체 Medium" panose="00000600000000000000" pitchFamily="2" charset="-127"/>
+                    <a:ea typeface="KoPubWorld돋움체 Medium" panose="00000600000000000000" pitchFamily="2" charset="-127"/>
+                    <a:cs typeface="KoPubWorld돋움체 Medium" panose="00000600000000000000" pitchFamily="2" charset="-127"/>
+                  </a:rPr>
+                  <a:t>CreateModel</a:t>
+                </a:r>
+                <a:r>
+                  <a:rPr lang="en-US" altLang="ko-KR" sz="1000" dirty="0">
+                    <a:latin typeface="KoPubWorld돋움체 Medium" panose="00000600000000000000" pitchFamily="2" charset="-127"/>
+                    <a:ea typeface="KoPubWorld돋움체 Medium" panose="00000600000000000000" pitchFamily="2" charset="-127"/>
+                    <a:cs typeface="KoPubWorld돋움체 Medium" panose="00000600000000000000" pitchFamily="2" charset="-127"/>
+                  </a:rPr>
+                  <a:t>()</a:t>
+                </a:r>
+                <a:endParaRPr lang="ko-KR" altLang="en-US" sz="1000" dirty="0">
+                  <a:latin typeface="KoPubWorld돋움체 Medium" panose="00000600000000000000" pitchFamily="2" charset="-127"/>
+                  <a:ea typeface="KoPubWorld돋움체 Medium" panose="00000600000000000000" pitchFamily="2" charset="-127"/>
+                  <a:cs typeface="KoPubWorld돋움체 Medium" panose="00000600000000000000" pitchFamily="2" charset="-127"/>
+                </a:endParaRPr>
+              </a:p>
+            </p:txBody>
+          </p:sp>
+        </p:grpSp>
         <p:sp>
           <p:nvSpPr>
-            <p:cNvPr id="193" name="사각형: 잘린 한쪽 모서리 192">
+            <p:cNvPr id="78" name="사각형: 잘린 한쪽 모서리 77">
               <a:extLst>
                 <a:ext uri="{FF2B5EF4-FFF2-40B4-BE49-F238E27FC236}">
-                  <a16:creationId xmlns:a16="http://schemas.microsoft.com/office/drawing/2014/main" id="{47BB24E6-4ED4-4E2B-ABC3-146D595A63CC}"/>
+                  <a16:creationId xmlns:a16="http://schemas.microsoft.com/office/drawing/2014/main" id="{C17F35A6-BA71-4749-90B2-74FB62CD7520}"/>
                 </a:ext>
               </a:extLst>
             </p:cNvPr>
@@ -6373,8 +6217,8 @@
           </p:nvSpPr>
           <p:spPr>
             <a:xfrm>
-              <a:off x="8055104" y="1904624"/>
-              <a:ext cx="1112065" cy="393700"/>
+              <a:off x="7048865" y="2426696"/>
+              <a:ext cx="1112065" cy="447577"/>
             </a:xfrm>
             <a:prstGeom prst="snip1Rect">
               <a:avLst/>
@@ -6400,104 +6244,1857 @@
             <a:p>
               <a:pPr algn="ctr"/>
               <a:r>
-                <a:rPr lang="ko-KR" altLang="en-US" sz="1000" spc="-150" dirty="0"/>
-                <a:t>맵</a:t>
+                <a:rPr lang="ko-KR" altLang="en-US" sz="1000" spc="-150" dirty="0" err="1">
+                  <a:latin typeface="KoPubWorld돋움체 Medium" panose="00000600000000000000" pitchFamily="2" charset="-127"/>
+                  <a:ea typeface="KoPubWorld돋움체 Medium" panose="00000600000000000000" pitchFamily="2" charset="-127"/>
+                  <a:cs typeface="KoPubWorld돋움체 Medium" panose="00000600000000000000" pitchFamily="2" charset="-127"/>
+                </a:rPr>
+                <a:t>렌더를</a:t>
               </a:r>
               <a:r>
-                <a:rPr lang="en-US" altLang="ko-KR" sz="1000" spc="-150" dirty="0"/>
-                <a:t> </a:t>
+                <a:rPr lang="ko-KR" altLang="en-US" sz="1000" spc="-150" dirty="0">
+                  <a:latin typeface="KoPubWorld돋움체 Medium" panose="00000600000000000000" pitchFamily="2" charset="-127"/>
+                  <a:ea typeface="KoPubWorld돋움체 Medium" panose="00000600000000000000" pitchFamily="2" charset="-127"/>
+                  <a:cs typeface="KoPubWorld돋움체 Medium" panose="00000600000000000000" pitchFamily="2" charset="-127"/>
+                </a:rPr>
+                <a:t> 위한 버퍼 생성</a:t>
               </a:r>
               <a:r>
-                <a:rPr lang="ko-KR" altLang="en-US" sz="1000" spc="-150" dirty="0"/>
-                <a:t>정보 </a:t>
+                <a:rPr lang="en-US" altLang="ko-KR" sz="1000" spc="-150" dirty="0">
+                  <a:latin typeface="KoPubWorld돋움체 Medium" panose="00000600000000000000" pitchFamily="2" charset="-127"/>
+                  <a:ea typeface="KoPubWorld돋움체 Medium" panose="00000600000000000000" pitchFamily="2" charset="-127"/>
+                  <a:cs typeface="KoPubWorld돋움체 Medium" panose="00000600000000000000" pitchFamily="2" charset="-127"/>
+                </a:rPr>
+                <a:t>,</a:t>
               </a:r>
-              <a:r>
-                <a:rPr lang="ko-KR" altLang="en-US" sz="1000" spc="-150" dirty="0" err="1"/>
-                <a:t>읽어오기</a:t>
-              </a:r>
-              <a:endParaRPr lang="en-US" altLang="ko-KR" sz="1000" spc="-150" dirty="0"/>
+            </a:p>
+          </p:txBody>
+        </p:sp>
+        <p:grpSp>
+          <p:nvGrpSpPr>
+            <p:cNvPr id="80" name="그룹 79">
+              <a:extLst>
+                <a:ext uri="{FF2B5EF4-FFF2-40B4-BE49-F238E27FC236}">
+                  <a16:creationId xmlns:a16="http://schemas.microsoft.com/office/drawing/2014/main" id="{BC5523AB-7ACA-436C-A749-A51B88151597}"/>
+                </a:ext>
+              </a:extLst>
+            </p:cNvPr>
+            <p:cNvGrpSpPr/>
+            <p:nvPr/>
+          </p:nvGrpSpPr>
+          <p:grpSpPr>
+            <a:xfrm>
+              <a:off x="3298231" y="4042244"/>
+              <a:ext cx="1066104" cy="246221"/>
+              <a:chOff x="2928166" y="5255128"/>
+              <a:chExt cx="1278039" cy="246221"/>
+            </a:xfrm>
+          </p:grpSpPr>
+          <p:cxnSp>
+            <p:nvCxnSpPr>
+              <p:cNvPr id="82" name="직선 화살표 연결선 81">
+                <a:extLst>
+                  <a:ext uri="{FF2B5EF4-FFF2-40B4-BE49-F238E27FC236}">
+                    <a16:creationId xmlns:a16="http://schemas.microsoft.com/office/drawing/2014/main" id="{C7BA426B-0465-43C1-B5A3-387ADD549701}"/>
+                  </a:ext>
+                </a:extLst>
+              </p:cNvPr>
+              <p:cNvCxnSpPr>
+                <a:cxnSpLocks/>
+              </p:cNvCxnSpPr>
+              <p:nvPr/>
+            </p:nvCxnSpPr>
+            <p:spPr>
+              <a:xfrm>
+                <a:off x="2930013" y="5478412"/>
+                <a:ext cx="1276192" cy="0"/>
+              </a:xfrm>
+              <a:prstGeom prst="straightConnector1">
+                <a:avLst/>
+              </a:prstGeom>
+              <a:ln>
+                <a:tailEnd type="triangle" w="lg" len="lg"/>
+              </a:ln>
+            </p:spPr>
+            <p:style>
+              <a:lnRef idx="1">
+                <a:schemeClr val="dk1"/>
+              </a:lnRef>
+              <a:fillRef idx="0">
+                <a:schemeClr val="dk1"/>
+              </a:fillRef>
+              <a:effectRef idx="0">
+                <a:schemeClr val="dk1"/>
+              </a:effectRef>
+              <a:fontRef idx="minor">
+                <a:schemeClr val="tx1"/>
+              </a:fontRef>
+            </p:style>
+          </p:cxnSp>
+          <p:sp>
+            <p:nvSpPr>
+              <p:cNvPr id="84" name="TextBox 83">
+                <a:extLst>
+                  <a:ext uri="{FF2B5EF4-FFF2-40B4-BE49-F238E27FC236}">
+                    <a16:creationId xmlns:a16="http://schemas.microsoft.com/office/drawing/2014/main" id="{6B1A384C-2452-47A3-B4BF-B336D003E91A}"/>
+                  </a:ext>
+                </a:extLst>
+              </p:cNvPr>
+              <p:cNvSpPr txBox="1"/>
+              <p:nvPr/>
+            </p:nvSpPr>
+            <p:spPr>
+              <a:xfrm>
+                <a:off x="2928166" y="5255128"/>
+                <a:ext cx="1132196" cy="246221"/>
+              </a:xfrm>
+              <a:prstGeom prst="rect">
+                <a:avLst/>
+              </a:prstGeom>
+              <a:noFill/>
+            </p:spPr>
+            <p:txBody>
+              <a:bodyPr wrap="square" rtlCol="0">
+                <a:spAutoFit/>
+              </a:bodyPr>
+              <a:lstStyle/>
+              <a:p>
+                <a:pPr algn="ctr"/>
+                <a:r>
+                  <a:rPr lang="en-US" altLang="ko-KR" sz="1000" dirty="0" err="1">
+                    <a:latin typeface="KoPubWorld돋움체 Medium" panose="00000600000000000000" pitchFamily="2" charset="-127"/>
+                    <a:ea typeface="KoPubWorld돋움체 Medium" panose="00000600000000000000" pitchFamily="2" charset="-127"/>
+                    <a:cs typeface="KoPubWorld돋움체 Medium" panose="00000600000000000000" pitchFamily="2" charset="-127"/>
+                  </a:rPr>
+                  <a:t>GameFrame</a:t>
+                </a:r>
+                <a:r>
+                  <a:rPr lang="en-US" altLang="ko-KR" sz="1000" dirty="0">
+                    <a:latin typeface="KoPubWorld돋움체 Medium" panose="00000600000000000000" pitchFamily="2" charset="-127"/>
+                    <a:ea typeface="KoPubWorld돋움체 Medium" panose="00000600000000000000" pitchFamily="2" charset="-127"/>
+                    <a:cs typeface="KoPubWorld돋움체 Medium" panose="00000600000000000000" pitchFamily="2" charset="-127"/>
+                  </a:rPr>
+                  <a:t>()</a:t>
+                </a:r>
+                <a:endParaRPr lang="ko-KR" altLang="en-US" sz="1000" dirty="0">
+                  <a:latin typeface="KoPubWorld돋움체 Medium" panose="00000600000000000000" pitchFamily="2" charset="-127"/>
+                  <a:ea typeface="KoPubWorld돋움체 Medium" panose="00000600000000000000" pitchFamily="2" charset="-127"/>
+                  <a:cs typeface="KoPubWorld돋움체 Medium" panose="00000600000000000000" pitchFamily="2" charset="-127"/>
+                </a:endParaRPr>
+              </a:p>
+            </p:txBody>
+          </p:sp>
+        </p:grpSp>
+        <p:grpSp>
+          <p:nvGrpSpPr>
+            <p:cNvPr id="85" name="그룹 84">
+              <a:extLst>
+                <a:ext uri="{FF2B5EF4-FFF2-40B4-BE49-F238E27FC236}">
+                  <a16:creationId xmlns:a16="http://schemas.microsoft.com/office/drawing/2014/main" id="{707EAFFD-3187-4806-9BD8-C0BFB70AA05F}"/>
+                </a:ext>
+              </a:extLst>
+            </p:cNvPr>
+            <p:cNvGrpSpPr/>
+            <p:nvPr/>
+          </p:nvGrpSpPr>
+          <p:grpSpPr>
+            <a:xfrm>
+              <a:off x="3245744" y="5251781"/>
+              <a:ext cx="1126592" cy="246221"/>
+              <a:chOff x="2855653" y="5274178"/>
+              <a:chExt cx="1350552" cy="246221"/>
+            </a:xfrm>
+          </p:grpSpPr>
+          <p:cxnSp>
+            <p:nvCxnSpPr>
+              <p:cNvPr id="86" name="직선 화살표 연결선 85">
+                <a:extLst>
+                  <a:ext uri="{FF2B5EF4-FFF2-40B4-BE49-F238E27FC236}">
+                    <a16:creationId xmlns:a16="http://schemas.microsoft.com/office/drawing/2014/main" id="{9C7B8F5C-8ECA-437D-80AB-1046D1871DC1}"/>
+                  </a:ext>
+                </a:extLst>
+              </p:cNvPr>
+              <p:cNvCxnSpPr>
+                <a:cxnSpLocks/>
+              </p:cNvCxnSpPr>
+              <p:nvPr/>
+            </p:nvCxnSpPr>
+            <p:spPr>
+              <a:xfrm>
+                <a:off x="2930013" y="5478412"/>
+                <a:ext cx="1276192" cy="0"/>
+              </a:xfrm>
+              <a:prstGeom prst="straightConnector1">
+                <a:avLst/>
+              </a:prstGeom>
+              <a:ln>
+                <a:tailEnd type="triangle" w="lg" len="lg"/>
+              </a:ln>
+            </p:spPr>
+            <p:style>
+              <a:lnRef idx="1">
+                <a:schemeClr val="dk1"/>
+              </a:lnRef>
+              <a:fillRef idx="0">
+                <a:schemeClr val="dk1"/>
+              </a:fillRef>
+              <a:effectRef idx="0">
+                <a:schemeClr val="dk1"/>
+              </a:effectRef>
+              <a:fontRef idx="minor">
+                <a:schemeClr val="tx1"/>
+              </a:fontRef>
+            </p:style>
+          </p:cxnSp>
+          <p:sp>
+            <p:nvSpPr>
+              <p:cNvPr id="88" name="TextBox 87">
+                <a:extLst>
+                  <a:ext uri="{FF2B5EF4-FFF2-40B4-BE49-F238E27FC236}">
+                    <a16:creationId xmlns:a16="http://schemas.microsoft.com/office/drawing/2014/main" id="{A0580551-0F56-4630-A51C-6BEAFBCC1055}"/>
+                  </a:ext>
+                </a:extLst>
+              </p:cNvPr>
+              <p:cNvSpPr txBox="1"/>
+              <p:nvPr/>
+            </p:nvSpPr>
+            <p:spPr>
+              <a:xfrm>
+                <a:off x="2855653" y="5274178"/>
+                <a:ext cx="1295317" cy="246221"/>
+              </a:xfrm>
+              <a:prstGeom prst="rect">
+                <a:avLst/>
+              </a:prstGeom>
+              <a:noFill/>
+            </p:spPr>
+            <p:txBody>
+              <a:bodyPr wrap="square" rtlCol="0">
+                <a:spAutoFit/>
+              </a:bodyPr>
+              <a:lstStyle/>
+              <a:p>
+                <a:pPr algn="ctr"/>
+                <a:r>
+                  <a:rPr lang="en-US" altLang="ko-KR" sz="1000" dirty="0" err="1">
+                    <a:latin typeface="KoPubWorld돋움체 Medium" panose="00000600000000000000" pitchFamily="2" charset="-127"/>
+                    <a:ea typeface="KoPubWorld돋움체 Medium" panose="00000600000000000000" pitchFamily="2" charset="-127"/>
+                    <a:cs typeface="KoPubWorld돋움체 Medium" panose="00000600000000000000" pitchFamily="2" charset="-127"/>
+                  </a:rPr>
+                  <a:t>GameRender</a:t>
+                </a:r>
+                <a:r>
+                  <a:rPr lang="en-US" altLang="ko-KR" sz="1000" dirty="0">
+                    <a:latin typeface="KoPubWorld돋움체 Medium" panose="00000600000000000000" pitchFamily="2" charset="-127"/>
+                    <a:ea typeface="KoPubWorld돋움체 Medium" panose="00000600000000000000" pitchFamily="2" charset="-127"/>
+                    <a:cs typeface="KoPubWorld돋움체 Medium" panose="00000600000000000000" pitchFamily="2" charset="-127"/>
+                  </a:rPr>
+                  <a:t>()</a:t>
+                </a:r>
+                <a:endParaRPr lang="ko-KR" altLang="en-US" sz="1000" dirty="0">
+                  <a:latin typeface="KoPubWorld돋움체 Medium" panose="00000600000000000000" pitchFamily="2" charset="-127"/>
+                  <a:ea typeface="KoPubWorld돋움체 Medium" panose="00000600000000000000" pitchFamily="2" charset="-127"/>
+                  <a:cs typeface="KoPubWorld돋움체 Medium" panose="00000600000000000000" pitchFamily="2" charset="-127"/>
+                </a:endParaRPr>
+              </a:p>
+            </p:txBody>
+          </p:sp>
+        </p:grpSp>
+        <p:grpSp>
+          <p:nvGrpSpPr>
+            <p:cNvPr id="90" name="그룹 89">
+              <a:extLst>
+                <a:ext uri="{FF2B5EF4-FFF2-40B4-BE49-F238E27FC236}">
+                  <a16:creationId xmlns:a16="http://schemas.microsoft.com/office/drawing/2014/main" id="{1F9A01F5-1FD5-4E4B-BAC6-119BB6424834}"/>
+                </a:ext>
+              </a:extLst>
+            </p:cNvPr>
+            <p:cNvGrpSpPr/>
+            <p:nvPr/>
+          </p:nvGrpSpPr>
+          <p:grpSpPr>
+            <a:xfrm flipH="1">
+              <a:off x="2191097" y="4283616"/>
+              <a:ext cx="2194060" cy="246221"/>
+              <a:chOff x="2930013" y="5283703"/>
+              <a:chExt cx="1276192" cy="246221"/>
+            </a:xfrm>
+          </p:grpSpPr>
+          <p:cxnSp>
+            <p:nvCxnSpPr>
+              <p:cNvPr id="95" name="직선 화살표 연결선 94">
+                <a:extLst>
+                  <a:ext uri="{FF2B5EF4-FFF2-40B4-BE49-F238E27FC236}">
+                    <a16:creationId xmlns:a16="http://schemas.microsoft.com/office/drawing/2014/main" id="{43B439B8-9759-4313-9871-A441BA2DF98D}"/>
+                  </a:ext>
+                </a:extLst>
+              </p:cNvPr>
+              <p:cNvCxnSpPr>
+                <a:cxnSpLocks/>
+              </p:cNvCxnSpPr>
+              <p:nvPr/>
+            </p:nvCxnSpPr>
+            <p:spPr>
+              <a:xfrm>
+                <a:off x="2930013" y="5478412"/>
+                <a:ext cx="1276192" cy="0"/>
+              </a:xfrm>
+              <a:prstGeom prst="straightConnector1">
+                <a:avLst/>
+              </a:prstGeom>
+              <a:ln>
+                <a:tailEnd type="triangle" w="lg" len="lg"/>
+              </a:ln>
+            </p:spPr>
+            <p:style>
+              <a:lnRef idx="1">
+                <a:schemeClr val="dk1"/>
+              </a:lnRef>
+              <a:fillRef idx="0">
+                <a:schemeClr val="dk1"/>
+              </a:fillRef>
+              <a:effectRef idx="0">
+                <a:schemeClr val="dk1"/>
+              </a:effectRef>
+              <a:fontRef idx="minor">
+                <a:schemeClr val="tx1"/>
+              </a:fontRef>
+            </p:style>
+          </p:cxnSp>
+          <p:sp>
+            <p:nvSpPr>
+              <p:cNvPr id="96" name="TextBox 95">
+                <a:extLst>
+                  <a:ext uri="{FF2B5EF4-FFF2-40B4-BE49-F238E27FC236}">
+                    <a16:creationId xmlns:a16="http://schemas.microsoft.com/office/drawing/2014/main" id="{4959764E-2013-491B-B284-9BC78EF67A10}"/>
+                  </a:ext>
+                </a:extLst>
+              </p:cNvPr>
+              <p:cNvSpPr txBox="1"/>
+              <p:nvPr/>
+            </p:nvSpPr>
+            <p:spPr>
+              <a:xfrm>
+                <a:off x="3042933" y="5283703"/>
+                <a:ext cx="467637" cy="246221"/>
+              </a:xfrm>
+              <a:prstGeom prst="rect">
+                <a:avLst/>
+              </a:prstGeom>
+              <a:noFill/>
+            </p:spPr>
+            <p:txBody>
+              <a:bodyPr wrap="square" rtlCol="0">
+                <a:spAutoFit/>
+              </a:bodyPr>
+              <a:lstStyle/>
+              <a:p>
+                <a:pPr algn="ctr"/>
+                <a:r>
+                  <a:rPr lang="en-US" altLang="ko-KR" sz="1000" dirty="0">
+                    <a:latin typeface="KoPubWorld돋움체 Medium" panose="00000600000000000000" pitchFamily="2" charset="-127"/>
+                    <a:ea typeface="KoPubWorld돋움체 Medium" panose="00000600000000000000" pitchFamily="2" charset="-127"/>
+                    <a:cs typeface="KoPubWorld돋움체 Medium" panose="00000600000000000000" pitchFamily="2" charset="-127"/>
+                  </a:rPr>
+                  <a:t>Frame()</a:t>
+                </a:r>
+                <a:endParaRPr lang="ko-KR" altLang="en-US" sz="1000" dirty="0">
+                  <a:latin typeface="KoPubWorld돋움체 Medium" panose="00000600000000000000" pitchFamily="2" charset="-127"/>
+                  <a:ea typeface="KoPubWorld돋움체 Medium" panose="00000600000000000000" pitchFamily="2" charset="-127"/>
+                  <a:cs typeface="KoPubWorld돋움체 Medium" panose="00000600000000000000" pitchFamily="2" charset="-127"/>
+                </a:endParaRPr>
+              </a:p>
+            </p:txBody>
+          </p:sp>
+        </p:grpSp>
+        <p:grpSp>
+          <p:nvGrpSpPr>
+            <p:cNvPr id="117" name="그룹 116">
+              <a:extLst>
+                <a:ext uri="{FF2B5EF4-FFF2-40B4-BE49-F238E27FC236}">
+                  <a16:creationId xmlns:a16="http://schemas.microsoft.com/office/drawing/2014/main" id="{547EF559-9CEA-44C8-B9ED-6198A3D2E0D4}"/>
+                </a:ext>
+              </a:extLst>
+            </p:cNvPr>
+            <p:cNvGrpSpPr/>
+            <p:nvPr/>
+          </p:nvGrpSpPr>
+          <p:grpSpPr>
+            <a:xfrm>
+              <a:off x="2191868" y="4509258"/>
+              <a:ext cx="3238426" cy="246221"/>
+              <a:chOff x="2930013" y="5274178"/>
+              <a:chExt cx="1276192" cy="246221"/>
+            </a:xfrm>
+          </p:grpSpPr>
+          <p:cxnSp>
+            <p:nvCxnSpPr>
+              <p:cNvPr id="118" name="직선 화살표 연결선 117">
+                <a:extLst>
+                  <a:ext uri="{FF2B5EF4-FFF2-40B4-BE49-F238E27FC236}">
+                    <a16:creationId xmlns:a16="http://schemas.microsoft.com/office/drawing/2014/main" id="{EA9A68E9-7E0F-4496-B561-48BA2B81C800}"/>
+                  </a:ext>
+                </a:extLst>
+              </p:cNvPr>
+              <p:cNvCxnSpPr>
+                <a:cxnSpLocks/>
+              </p:cNvCxnSpPr>
+              <p:nvPr/>
+            </p:nvCxnSpPr>
+            <p:spPr>
+              <a:xfrm>
+                <a:off x="2930013" y="5478412"/>
+                <a:ext cx="1276192" cy="0"/>
+              </a:xfrm>
+              <a:prstGeom prst="straightConnector1">
+                <a:avLst/>
+              </a:prstGeom>
+              <a:ln>
+                <a:tailEnd type="triangle" w="lg" len="lg"/>
+              </a:ln>
+            </p:spPr>
+            <p:style>
+              <a:lnRef idx="1">
+                <a:schemeClr val="dk1"/>
+              </a:lnRef>
+              <a:fillRef idx="0">
+                <a:schemeClr val="dk1"/>
+              </a:fillRef>
+              <a:effectRef idx="0">
+                <a:schemeClr val="dk1"/>
+              </a:effectRef>
+              <a:fontRef idx="minor">
+                <a:schemeClr val="tx1"/>
+              </a:fontRef>
+            </p:style>
+          </p:cxnSp>
+          <p:sp>
+            <p:nvSpPr>
+              <p:cNvPr id="119" name="TextBox 118">
+                <a:extLst>
+                  <a:ext uri="{FF2B5EF4-FFF2-40B4-BE49-F238E27FC236}">
+                    <a16:creationId xmlns:a16="http://schemas.microsoft.com/office/drawing/2014/main" id="{95E55925-4354-4E65-AA5A-878891CE05F0}"/>
+                  </a:ext>
+                </a:extLst>
+              </p:cNvPr>
+              <p:cNvSpPr txBox="1"/>
+              <p:nvPr/>
+            </p:nvSpPr>
+            <p:spPr>
+              <a:xfrm>
+                <a:off x="3037392" y="5274178"/>
+                <a:ext cx="1022969" cy="246221"/>
+              </a:xfrm>
+              <a:prstGeom prst="rect">
+                <a:avLst/>
+              </a:prstGeom>
+              <a:noFill/>
+            </p:spPr>
+            <p:txBody>
+              <a:bodyPr wrap="square" rtlCol="0">
+                <a:spAutoFit/>
+              </a:bodyPr>
+              <a:lstStyle/>
+              <a:p>
+                <a:pPr algn="ctr"/>
+                <a:r>
+                  <a:rPr lang="en-US" altLang="ko-KR" sz="1000" dirty="0">
+                    <a:latin typeface="KoPubWorld돋움체 Medium" panose="00000600000000000000" pitchFamily="2" charset="-127"/>
+                    <a:ea typeface="KoPubWorld돋움체 Medium" panose="00000600000000000000" pitchFamily="2" charset="-127"/>
+                    <a:cs typeface="KoPubWorld돋움체 Medium" panose="00000600000000000000" pitchFamily="2" charset="-127"/>
+                  </a:rPr>
+                  <a:t>Frame()</a:t>
+                </a:r>
+                <a:endParaRPr lang="ko-KR" altLang="en-US" sz="1000" dirty="0">
+                  <a:latin typeface="KoPubWorld돋움체 Medium" panose="00000600000000000000" pitchFamily="2" charset="-127"/>
+                  <a:ea typeface="KoPubWorld돋움체 Medium" panose="00000600000000000000" pitchFamily="2" charset="-127"/>
+                  <a:cs typeface="KoPubWorld돋움체 Medium" panose="00000600000000000000" pitchFamily="2" charset="-127"/>
+                </a:endParaRPr>
+              </a:p>
+            </p:txBody>
+          </p:sp>
+        </p:grpSp>
+        <p:sp>
+          <p:nvSpPr>
+            <p:cNvPr id="120" name="직사각형 119">
+              <a:extLst>
+                <a:ext uri="{FF2B5EF4-FFF2-40B4-BE49-F238E27FC236}">
+                  <a16:creationId xmlns:a16="http://schemas.microsoft.com/office/drawing/2014/main" id="{D61F918E-9923-420A-80B2-BE7F7D18FBC2}"/>
+                </a:ext>
+              </a:extLst>
+            </p:cNvPr>
+            <p:cNvSpPr/>
+            <p:nvPr/>
+          </p:nvSpPr>
+          <p:spPr>
+            <a:xfrm>
+              <a:off x="5432561" y="4650440"/>
+              <a:ext cx="106224" cy="504000"/>
+            </a:xfrm>
+            <a:prstGeom prst="rect">
+              <a:avLst/>
+            </a:prstGeom>
+            <a:solidFill>
+              <a:schemeClr val="bg1"/>
+            </a:solidFill>
+          </p:spPr>
+          <p:style>
+            <a:lnRef idx="2">
+              <a:schemeClr val="dk1"/>
+            </a:lnRef>
+            <a:fillRef idx="1">
+              <a:schemeClr val="lt1"/>
+            </a:fillRef>
+            <a:effectRef idx="0">
+              <a:schemeClr val="dk1"/>
+            </a:effectRef>
+            <a:fontRef idx="minor">
+              <a:schemeClr val="dk1"/>
+            </a:fontRef>
+          </p:style>
+          <p:txBody>
+            <a:bodyPr rtlCol="0" anchor="ctr"/>
+            <a:lstStyle/>
+            <a:p>
+              <a:pPr algn="ctr"/>
+              <a:endParaRPr lang="en-US" altLang="ko-KR" sz="1200" dirty="0">
+                <a:latin typeface="KoPubWorld돋움체 Medium" panose="00000600000000000000" pitchFamily="2" charset="-127"/>
+                <a:ea typeface="KoPubWorld돋움체 Medium" panose="00000600000000000000" pitchFamily="2" charset="-127"/>
+                <a:cs typeface="KoPubWorld돋움체 Medium" panose="00000600000000000000" pitchFamily="2" charset="-127"/>
+              </a:endParaRPr>
             </a:p>
           </p:txBody>
         </p:sp>
         <p:sp>
           <p:nvSpPr>
-            <p:cNvPr id="195" name="TextBox 194">
+            <p:cNvPr id="121" name="사각형: 잘린 한쪽 모서리 120">
               <a:extLst>
                 <a:ext uri="{FF2B5EF4-FFF2-40B4-BE49-F238E27FC236}">
-                  <a16:creationId xmlns:a16="http://schemas.microsoft.com/office/drawing/2014/main" id="{123CBF09-EB96-4C18-A04D-D426825A296B}"/>
+                  <a16:creationId xmlns:a16="http://schemas.microsoft.com/office/drawing/2014/main" id="{371B68F4-6833-405C-A0B0-8E138E185B8C}"/>
                 </a:ext>
               </a:extLst>
             </p:cNvPr>
-            <p:cNvSpPr txBox="1"/>
+            <p:cNvSpPr/>
             <p:nvPr/>
           </p:nvSpPr>
           <p:spPr>
             <a:xfrm>
-              <a:off x="5248197" y="6584639"/>
-              <a:ext cx="673582" cy="246221"/>
+              <a:off x="5601160" y="4307205"/>
+              <a:ext cx="972515" cy="845887"/>
+            </a:xfrm>
+            <a:prstGeom prst="snip1Rect">
+              <a:avLst/>
+            </a:prstGeom>
+          </p:spPr>
+          <p:style>
+            <a:lnRef idx="2">
+              <a:schemeClr val="dk1"/>
+            </a:lnRef>
+            <a:fillRef idx="1">
+              <a:schemeClr val="lt1"/>
+            </a:fillRef>
+            <a:effectRef idx="0">
+              <a:schemeClr val="dk1"/>
+            </a:effectRef>
+            <a:fontRef idx="minor">
+              <a:schemeClr val="dk1"/>
+            </a:fontRef>
+          </p:style>
+          <p:txBody>
+            <a:bodyPr rtlCol="0" anchor="ctr"/>
+            <a:lstStyle/>
+            <a:p>
+              <a:pPr algn="ctr"/>
+              <a:r>
+                <a:rPr lang="ko-KR" altLang="en-US" sz="1000" spc="-150" dirty="0">
+                  <a:latin typeface="KoPubWorld돋움체 Medium" panose="00000600000000000000" pitchFamily="2" charset="-127"/>
+                  <a:ea typeface="KoPubWorld돋움체 Medium" panose="00000600000000000000" pitchFamily="2" charset="-127"/>
+                  <a:cs typeface="KoPubWorld돋움체 Medium" panose="00000600000000000000" pitchFamily="2" charset="-127"/>
+                </a:rPr>
+                <a:t>오브젝트</a:t>
+              </a:r>
+              <a:r>
+                <a:rPr lang="en-US" altLang="ko-KR" sz="1000" spc="-150" dirty="0">
+                  <a:latin typeface="KoPubWorld돋움체 Medium" panose="00000600000000000000" pitchFamily="2" charset="-127"/>
+                  <a:ea typeface="KoPubWorld돋움체 Medium" panose="00000600000000000000" pitchFamily="2" charset="-127"/>
+                  <a:cs typeface="KoPubWorld돋움체 Medium" panose="00000600000000000000" pitchFamily="2" charset="-127"/>
+                </a:rPr>
+                <a:t>. </a:t>
+              </a:r>
+              <a:r>
+                <a:rPr lang="ko-KR" altLang="en-US" sz="1000" spc="-150" dirty="0">
+                  <a:latin typeface="KoPubWorld돋움체 Medium" panose="00000600000000000000" pitchFamily="2" charset="-127"/>
+                  <a:ea typeface="KoPubWorld돋움체 Medium" panose="00000600000000000000" pitchFamily="2" charset="-127"/>
+                  <a:cs typeface="KoPubWorld돋움체 Medium" panose="00000600000000000000" pitchFamily="2" charset="-127"/>
+                </a:rPr>
+                <a:t>캐릭터</a:t>
+              </a:r>
+              <a:endParaRPr lang="en-US" altLang="ko-KR" sz="1000" spc="-150" dirty="0">
+                <a:latin typeface="KoPubWorld돋움체 Medium" panose="00000600000000000000" pitchFamily="2" charset="-127"/>
+                <a:ea typeface="KoPubWorld돋움체 Medium" panose="00000600000000000000" pitchFamily="2" charset="-127"/>
+                <a:cs typeface="KoPubWorld돋움체 Medium" panose="00000600000000000000" pitchFamily="2" charset="-127"/>
+              </a:endParaRPr>
+            </a:p>
+            <a:p>
+              <a:pPr algn="ctr"/>
+              <a:r>
+                <a:rPr lang="ko-KR" altLang="en-US" sz="1000" spc="-150" dirty="0">
+                  <a:latin typeface="KoPubWorld돋움체 Medium" panose="00000600000000000000" pitchFamily="2" charset="-127"/>
+                  <a:ea typeface="KoPubWorld돋움체 Medium" panose="00000600000000000000" pitchFamily="2" charset="-127"/>
+                  <a:cs typeface="KoPubWorld돋움체 Medium" panose="00000600000000000000" pitchFamily="2" charset="-127"/>
+                </a:rPr>
+                <a:t>애니메이션 및 캐릭터의 이동 처리</a:t>
+              </a:r>
+              <a:r>
+                <a:rPr lang="en-US" altLang="ko-KR" sz="1000" spc="-150" dirty="0">
+                  <a:latin typeface="KoPubWorld돋움체 Medium" panose="00000600000000000000" pitchFamily="2" charset="-127"/>
+                  <a:ea typeface="KoPubWorld돋움체 Medium" panose="00000600000000000000" pitchFamily="2" charset="-127"/>
+                  <a:cs typeface="KoPubWorld돋움체 Medium" panose="00000600000000000000" pitchFamily="2" charset="-127"/>
+                </a:rPr>
+                <a:t>.</a:t>
+              </a:r>
+            </a:p>
+          </p:txBody>
+        </p:sp>
+        <p:grpSp>
+          <p:nvGrpSpPr>
+            <p:cNvPr id="122" name="그룹 121">
+              <a:extLst>
+                <a:ext uri="{FF2B5EF4-FFF2-40B4-BE49-F238E27FC236}">
+                  <a16:creationId xmlns:a16="http://schemas.microsoft.com/office/drawing/2014/main" id="{79D3CF40-C042-42BD-9910-A62C430A1EF0}"/>
+                </a:ext>
+              </a:extLst>
+            </p:cNvPr>
+            <p:cNvGrpSpPr/>
+            <p:nvPr/>
+          </p:nvGrpSpPr>
+          <p:grpSpPr>
+            <a:xfrm>
+              <a:off x="2191868" y="4933913"/>
+              <a:ext cx="3294699" cy="246221"/>
+              <a:chOff x="2917672" y="3784529"/>
+              <a:chExt cx="1298895" cy="246221"/>
+            </a:xfrm>
+          </p:grpSpPr>
+          <p:cxnSp>
+            <p:nvCxnSpPr>
+              <p:cNvPr id="126" name="직선 화살표 연결선 125">
+                <a:extLst>
+                  <a:ext uri="{FF2B5EF4-FFF2-40B4-BE49-F238E27FC236}">
+                    <a16:creationId xmlns:a16="http://schemas.microsoft.com/office/drawing/2014/main" id="{65E66D56-5D0C-4BAF-AF66-B01680E2800F}"/>
+                  </a:ext>
+                </a:extLst>
+              </p:cNvPr>
+              <p:cNvCxnSpPr>
+                <a:cxnSpLocks/>
+              </p:cNvCxnSpPr>
+              <p:nvPr/>
+            </p:nvCxnSpPr>
+            <p:spPr>
+              <a:xfrm flipH="1">
+                <a:off x="2917672" y="4000205"/>
+                <a:ext cx="1298895" cy="0"/>
+              </a:xfrm>
+              <a:prstGeom prst="straightConnector1">
+                <a:avLst/>
+              </a:prstGeom>
+              <a:ln>
+                <a:prstDash val="dash"/>
+                <a:headEnd type="none" w="lg" len="med"/>
+                <a:tailEnd type="triangle" w="lg" len="lg"/>
+              </a:ln>
+            </p:spPr>
+            <p:style>
+              <a:lnRef idx="1">
+                <a:schemeClr val="dk1"/>
+              </a:lnRef>
+              <a:fillRef idx="0">
+                <a:schemeClr val="dk1"/>
+              </a:fillRef>
+              <a:effectRef idx="0">
+                <a:schemeClr val="dk1"/>
+              </a:effectRef>
+              <a:fontRef idx="minor">
+                <a:schemeClr val="tx1"/>
+              </a:fontRef>
+            </p:style>
+          </p:cxnSp>
+          <p:sp>
+            <p:nvSpPr>
+              <p:cNvPr id="127" name="TextBox 126">
+                <a:extLst>
+                  <a:ext uri="{FF2B5EF4-FFF2-40B4-BE49-F238E27FC236}">
+                    <a16:creationId xmlns:a16="http://schemas.microsoft.com/office/drawing/2014/main" id="{632F21DC-4C3E-4EB9-BA21-0BEA434E4CFF}"/>
+                  </a:ext>
+                </a:extLst>
+              </p:cNvPr>
+              <p:cNvSpPr txBox="1"/>
+              <p:nvPr/>
+            </p:nvSpPr>
+            <p:spPr>
+              <a:xfrm>
+                <a:off x="3278425" y="3784529"/>
+                <a:ext cx="535724" cy="246221"/>
+              </a:xfrm>
+              <a:prstGeom prst="rect">
+                <a:avLst/>
+              </a:prstGeom>
+              <a:noFill/>
+            </p:spPr>
+            <p:txBody>
+              <a:bodyPr wrap="square" rtlCol="0">
+                <a:spAutoFit/>
+              </a:bodyPr>
+              <a:lstStyle/>
+              <a:p>
+                <a:pPr algn="r"/>
+                <a:r>
+                  <a:rPr lang="en-US" altLang="ko-KR" sz="1000" dirty="0">
+                    <a:latin typeface="KoPubWorld돋움체 Medium" panose="00000600000000000000" pitchFamily="2" charset="-127"/>
+                    <a:ea typeface="KoPubWorld돋움체 Medium" panose="00000600000000000000" pitchFamily="2" charset="-127"/>
+                    <a:cs typeface="KoPubWorld돋움체 Medium" panose="00000600000000000000" pitchFamily="2" charset="-127"/>
+                  </a:rPr>
+                  <a:t>return;</a:t>
+                </a:r>
+                <a:endParaRPr lang="ko-KR" altLang="en-US" sz="1000" dirty="0">
+                  <a:latin typeface="KoPubWorld돋움체 Medium" panose="00000600000000000000" pitchFamily="2" charset="-127"/>
+                  <a:ea typeface="KoPubWorld돋움체 Medium" panose="00000600000000000000" pitchFamily="2" charset="-127"/>
+                  <a:cs typeface="KoPubWorld돋움체 Medium" panose="00000600000000000000" pitchFamily="2" charset="-127"/>
+                </a:endParaRPr>
+              </a:p>
+            </p:txBody>
+          </p:sp>
+        </p:grpSp>
+        <p:grpSp>
+          <p:nvGrpSpPr>
+            <p:cNvPr id="144" name="그룹 143">
+              <a:extLst>
+                <a:ext uri="{FF2B5EF4-FFF2-40B4-BE49-F238E27FC236}">
+                  <a16:creationId xmlns:a16="http://schemas.microsoft.com/office/drawing/2014/main" id="{C3D23FB5-1B1B-4BB3-8F1D-557996F549AE}"/>
+                </a:ext>
+              </a:extLst>
+            </p:cNvPr>
+            <p:cNvGrpSpPr/>
+            <p:nvPr/>
+          </p:nvGrpSpPr>
+          <p:grpSpPr>
+            <a:xfrm flipH="1">
+              <a:off x="2191097" y="5483969"/>
+              <a:ext cx="2194060" cy="246221"/>
+              <a:chOff x="2930013" y="5283703"/>
+              <a:chExt cx="1276192" cy="246221"/>
+            </a:xfrm>
+          </p:grpSpPr>
+          <p:cxnSp>
+            <p:nvCxnSpPr>
+              <p:cNvPr id="146" name="직선 화살표 연결선 145">
+                <a:extLst>
+                  <a:ext uri="{FF2B5EF4-FFF2-40B4-BE49-F238E27FC236}">
+                    <a16:creationId xmlns:a16="http://schemas.microsoft.com/office/drawing/2014/main" id="{7E218782-EE82-4050-A046-8CB02EF086F3}"/>
+                  </a:ext>
+                </a:extLst>
+              </p:cNvPr>
+              <p:cNvCxnSpPr>
+                <a:cxnSpLocks/>
+              </p:cNvCxnSpPr>
+              <p:nvPr/>
+            </p:nvCxnSpPr>
+            <p:spPr>
+              <a:xfrm>
+                <a:off x="2930013" y="5478412"/>
+                <a:ext cx="1276192" cy="0"/>
+              </a:xfrm>
+              <a:prstGeom prst="straightConnector1">
+                <a:avLst/>
+              </a:prstGeom>
+              <a:ln>
+                <a:tailEnd type="triangle" w="lg" len="lg"/>
+              </a:ln>
+            </p:spPr>
+            <p:style>
+              <a:lnRef idx="1">
+                <a:schemeClr val="dk1"/>
+              </a:lnRef>
+              <a:fillRef idx="0">
+                <a:schemeClr val="dk1"/>
+              </a:fillRef>
+              <a:effectRef idx="0">
+                <a:schemeClr val="dk1"/>
+              </a:effectRef>
+              <a:fontRef idx="minor">
+                <a:schemeClr val="tx1"/>
+              </a:fontRef>
+            </p:style>
+          </p:cxnSp>
+          <p:sp>
+            <p:nvSpPr>
+              <p:cNvPr id="148" name="TextBox 147">
+                <a:extLst>
+                  <a:ext uri="{FF2B5EF4-FFF2-40B4-BE49-F238E27FC236}">
+                    <a16:creationId xmlns:a16="http://schemas.microsoft.com/office/drawing/2014/main" id="{77E36400-0B67-4736-B652-873CAE553BB5}"/>
+                  </a:ext>
+                </a:extLst>
+              </p:cNvPr>
+              <p:cNvSpPr txBox="1"/>
+              <p:nvPr/>
+            </p:nvSpPr>
+            <p:spPr>
+              <a:xfrm>
+                <a:off x="3042933" y="5283703"/>
+                <a:ext cx="467637" cy="246221"/>
+              </a:xfrm>
+              <a:prstGeom prst="rect">
+                <a:avLst/>
+              </a:prstGeom>
+              <a:noFill/>
+            </p:spPr>
+            <p:txBody>
+              <a:bodyPr wrap="square" rtlCol="0">
+                <a:spAutoFit/>
+              </a:bodyPr>
+              <a:lstStyle/>
+              <a:p>
+                <a:pPr algn="ctr"/>
+                <a:r>
+                  <a:rPr lang="en-US" altLang="ko-KR" sz="1000" dirty="0">
+                    <a:latin typeface="KoPubWorld돋움체 Medium" panose="00000600000000000000" pitchFamily="2" charset="-127"/>
+                    <a:ea typeface="KoPubWorld돋움체 Medium" panose="00000600000000000000" pitchFamily="2" charset="-127"/>
+                    <a:cs typeface="KoPubWorld돋움체 Medium" panose="00000600000000000000" pitchFamily="2" charset="-127"/>
+                  </a:rPr>
+                  <a:t>Render()</a:t>
+                </a:r>
+                <a:endParaRPr lang="ko-KR" altLang="en-US" sz="1000" dirty="0">
+                  <a:latin typeface="KoPubWorld돋움체 Medium" panose="00000600000000000000" pitchFamily="2" charset="-127"/>
+                  <a:ea typeface="KoPubWorld돋움체 Medium" panose="00000600000000000000" pitchFamily="2" charset="-127"/>
+                  <a:cs typeface="KoPubWorld돋움체 Medium" panose="00000600000000000000" pitchFamily="2" charset="-127"/>
+                </a:endParaRPr>
+              </a:p>
+            </p:txBody>
+          </p:sp>
+        </p:grpSp>
+        <p:grpSp>
+          <p:nvGrpSpPr>
+            <p:cNvPr id="150" name="그룹 149">
+              <a:extLst>
+                <a:ext uri="{FF2B5EF4-FFF2-40B4-BE49-F238E27FC236}">
+                  <a16:creationId xmlns:a16="http://schemas.microsoft.com/office/drawing/2014/main" id="{33FDCDD7-588A-425D-ABCB-AA78A53A92D5}"/>
+                </a:ext>
+              </a:extLst>
+            </p:cNvPr>
+            <p:cNvGrpSpPr/>
+            <p:nvPr/>
+          </p:nvGrpSpPr>
+          <p:grpSpPr>
+            <a:xfrm>
+              <a:off x="2191868" y="5709611"/>
+              <a:ext cx="3238426" cy="246221"/>
+              <a:chOff x="2930013" y="5274178"/>
+              <a:chExt cx="1276192" cy="246221"/>
+            </a:xfrm>
+          </p:grpSpPr>
+          <p:cxnSp>
+            <p:nvCxnSpPr>
+              <p:cNvPr id="151" name="직선 화살표 연결선 150">
+                <a:extLst>
+                  <a:ext uri="{FF2B5EF4-FFF2-40B4-BE49-F238E27FC236}">
+                    <a16:creationId xmlns:a16="http://schemas.microsoft.com/office/drawing/2014/main" id="{5F4A45BC-D004-456B-828A-133B6D8AC5A7}"/>
+                  </a:ext>
+                </a:extLst>
+              </p:cNvPr>
+              <p:cNvCxnSpPr>
+                <a:cxnSpLocks/>
+              </p:cNvCxnSpPr>
+              <p:nvPr/>
+            </p:nvCxnSpPr>
+            <p:spPr>
+              <a:xfrm>
+                <a:off x="2930013" y="5478412"/>
+                <a:ext cx="1276192" cy="0"/>
+              </a:xfrm>
+              <a:prstGeom prst="straightConnector1">
+                <a:avLst/>
+              </a:prstGeom>
+              <a:ln>
+                <a:tailEnd type="triangle" w="lg" len="lg"/>
+              </a:ln>
+            </p:spPr>
+            <p:style>
+              <a:lnRef idx="1">
+                <a:schemeClr val="dk1"/>
+              </a:lnRef>
+              <a:fillRef idx="0">
+                <a:schemeClr val="dk1"/>
+              </a:fillRef>
+              <a:effectRef idx="0">
+                <a:schemeClr val="dk1"/>
+              </a:effectRef>
+              <a:fontRef idx="minor">
+                <a:schemeClr val="tx1"/>
+              </a:fontRef>
+            </p:style>
+          </p:cxnSp>
+          <p:sp>
+            <p:nvSpPr>
+              <p:cNvPr id="152" name="TextBox 151">
+                <a:extLst>
+                  <a:ext uri="{FF2B5EF4-FFF2-40B4-BE49-F238E27FC236}">
+                    <a16:creationId xmlns:a16="http://schemas.microsoft.com/office/drawing/2014/main" id="{647B4B31-C9CF-4814-A016-436F92089D02}"/>
+                  </a:ext>
+                </a:extLst>
+              </p:cNvPr>
+              <p:cNvSpPr txBox="1"/>
+              <p:nvPr/>
+            </p:nvSpPr>
+            <p:spPr>
+              <a:xfrm>
+                <a:off x="3037392" y="5274178"/>
+                <a:ext cx="1022969" cy="246221"/>
+              </a:xfrm>
+              <a:prstGeom prst="rect">
+                <a:avLst/>
+              </a:prstGeom>
+              <a:noFill/>
+            </p:spPr>
+            <p:txBody>
+              <a:bodyPr wrap="square" rtlCol="0">
+                <a:spAutoFit/>
+              </a:bodyPr>
+              <a:lstStyle/>
+              <a:p>
+                <a:pPr algn="ctr"/>
+                <a:r>
+                  <a:rPr lang="en-US" altLang="ko-KR" sz="1000" dirty="0">
+                    <a:latin typeface="KoPubWorld돋움체 Medium" panose="00000600000000000000" pitchFamily="2" charset="-127"/>
+                    <a:ea typeface="KoPubWorld돋움체 Medium" panose="00000600000000000000" pitchFamily="2" charset="-127"/>
+                    <a:cs typeface="KoPubWorld돋움체 Medium" panose="00000600000000000000" pitchFamily="2" charset="-127"/>
+                  </a:rPr>
+                  <a:t>Render()</a:t>
+                </a:r>
+                <a:endParaRPr lang="ko-KR" altLang="en-US" sz="1000" dirty="0">
+                  <a:latin typeface="KoPubWorld돋움체 Medium" panose="00000600000000000000" pitchFamily="2" charset="-127"/>
+                  <a:ea typeface="KoPubWorld돋움체 Medium" panose="00000600000000000000" pitchFamily="2" charset="-127"/>
+                  <a:cs typeface="KoPubWorld돋움체 Medium" panose="00000600000000000000" pitchFamily="2" charset="-127"/>
+                </a:endParaRPr>
+              </a:p>
+            </p:txBody>
+          </p:sp>
+        </p:grpSp>
+        <p:sp>
+          <p:nvSpPr>
+            <p:cNvPr id="153" name="직사각형 152">
+              <a:extLst>
+                <a:ext uri="{FF2B5EF4-FFF2-40B4-BE49-F238E27FC236}">
+                  <a16:creationId xmlns:a16="http://schemas.microsoft.com/office/drawing/2014/main" id="{4A075222-C709-4E9A-AFB8-06701FC292DB}"/>
+                </a:ext>
+              </a:extLst>
+            </p:cNvPr>
+            <p:cNvSpPr/>
+            <p:nvPr/>
+          </p:nvSpPr>
+          <p:spPr>
+            <a:xfrm>
+              <a:off x="5432561" y="5862835"/>
+              <a:ext cx="106224" cy="684000"/>
             </a:xfrm>
             <a:prstGeom prst="rect">
               <a:avLst/>
             </a:prstGeom>
-            <a:noFill/>
+            <a:solidFill>
+              <a:schemeClr val="bg1"/>
+            </a:solidFill>
           </p:spPr>
+          <p:style>
+            <a:lnRef idx="2">
+              <a:schemeClr val="dk1"/>
+            </a:lnRef>
+            <a:fillRef idx="1">
+              <a:schemeClr val="lt1"/>
+            </a:fillRef>
+            <a:effectRef idx="0">
+              <a:schemeClr val="dk1"/>
+            </a:effectRef>
+            <a:fontRef idx="minor">
+              <a:schemeClr val="dk1"/>
+            </a:fontRef>
+          </p:style>
           <p:txBody>
-            <a:bodyPr wrap="none" rtlCol="0">
-              <a:spAutoFit/>
-            </a:bodyPr>
+            <a:bodyPr rtlCol="0" anchor="ctr"/>
             <a:lstStyle/>
             <a:p>
-              <a:pPr algn="r"/>
-              <a:r>
-                <a:rPr lang="en-US" altLang="ko-KR" sz="1000" dirty="0"/>
-                <a:t>Render()</a:t>
-              </a:r>
+              <a:pPr algn="ctr"/>
+              <a:endParaRPr lang="en-US" altLang="ko-KR" sz="1200" dirty="0">
+                <a:latin typeface="KoPubWorld돋움체 Medium" panose="00000600000000000000" pitchFamily="2" charset="-127"/>
+                <a:ea typeface="KoPubWorld돋움체 Medium" panose="00000600000000000000" pitchFamily="2" charset="-127"/>
+                <a:cs typeface="KoPubWorld돋움체 Medium" panose="00000600000000000000" pitchFamily="2" charset="-127"/>
+              </a:endParaRPr>
             </a:p>
           </p:txBody>
         </p:sp>
-        <p:cxnSp>
-          <p:nvCxnSpPr>
-            <p:cNvPr id="196" name="직선 화살표 연결선 195">
+        <p:sp>
+          <p:nvSpPr>
+            <p:cNvPr id="154" name="사각형: 잘린 한쪽 모서리 153">
               <a:extLst>
                 <a:ext uri="{FF2B5EF4-FFF2-40B4-BE49-F238E27FC236}">
-                  <a16:creationId xmlns:a16="http://schemas.microsoft.com/office/drawing/2014/main" id="{F7D2BA55-8B24-4282-930A-F2237BC265D1}"/>
+                  <a16:creationId xmlns:a16="http://schemas.microsoft.com/office/drawing/2014/main" id="{F90654A1-FF2D-483A-8923-748C37F632C8}"/>
                 </a:ext>
               </a:extLst>
             </p:cNvPr>
-            <p:cNvCxnSpPr>
-              <a:cxnSpLocks/>
-              <a:endCxn id="148" idx="3"/>
-            </p:cNvCxnSpPr>
+            <p:cNvSpPr/>
             <p:nvPr/>
-          </p:nvCxnSpPr>
+          </p:nvSpPr>
           <p:spPr>
-            <a:xfrm flipH="1" flipV="1">
-              <a:off x="4512440" y="7381123"/>
-              <a:ext cx="6094723" cy="20266"/>
+            <a:xfrm>
+              <a:off x="7191529" y="5862835"/>
+              <a:ext cx="1144405" cy="637591"/>
             </a:xfrm>
-            <a:prstGeom prst="straightConnector1">
+            <a:prstGeom prst="snip1Rect">
               <a:avLst/>
             </a:prstGeom>
-            <a:ln>
-              <a:prstDash val="dash"/>
-              <a:tailEnd type="triangle"/>
-            </a:ln>
           </p:spPr>
           <p:style>
-            <a:lnRef idx="1">
+            <a:lnRef idx="2">
               <a:schemeClr val="dk1"/>
             </a:lnRef>
-            <a:fillRef idx="0">
-              <a:schemeClr val="dk1"/>
+            <a:fillRef idx="1">
+              <a:schemeClr val="lt1"/>
             </a:fillRef>
             <a:effectRef idx="0">
               <a:schemeClr val="dk1"/>
             </a:effectRef>
             <a:fontRef idx="minor">
-              <a:schemeClr val="tx1"/>
+              <a:schemeClr val="dk1"/>
             </a:fontRef>
           </p:style>
-        </p:cxnSp>
+          <p:txBody>
+            <a:bodyPr rtlCol="0" anchor="ctr"/>
+            <a:lstStyle/>
+            <a:p>
+              <a:pPr algn="ctr"/>
+              <a:r>
+                <a:rPr lang="ko-KR" altLang="en-US" sz="1000" spc="-150" dirty="0" err="1">
+                  <a:latin typeface="KoPubWorld돋움체 Medium" panose="00000600000000000000" pitchFamily="2" charset="-127"/>
+                  <a:ea typeface="KoPubWorld돋움체 Medium" panose="00000600000000000000" pitchFamily="2" charset="-127"/>
+                  <a:cs typeface="KoPubWorld돋움체 Medium" panose="00000600000000000000" pitchFamily="2" charset="-127"/>
+                </a:rPr>
+                <a:t>매쉬별로</a:t>
+              </a:r>
+              <a:r>
+                <a:rPr lang="ko-KR" altLang="en-US" sz="1000" spc="-150" dirty="0">
+                  <a:latin typeface="KoPubWorld돋움체 Medium" panose="00000600000000000000" pitchFamily="2" charset="-127"/>
+                  <a:ea typeface="KoPubWorld돋움체 Medium" panose="00000600000000000000" pitchFamily="2" charset="-127"/>
+                  <a:cs typeface="KoPubWorld돋움체 Medium" panose="00000600000000000000" pitchFamily="2" charset="-127"/>
+                </a:rPr>
+                <a:t>  </a:t>
+              </a:r>
+              <a:r>
+                <a:rPr lang="en-US" altLang="ko-KR" sz="1000" spc="-150" dirty="0">
+                  <a:latin typeface="KoPubWorld돋움체 Medium" panose="00000600000000000000" pitchFamily="2" charset="-127"/>
+                  <a:ea typeface="KoPubWorld돋움체 Medium" panose="00000600000000000000" pitchFamily="2" charset="-127"/>
+                  <a:cs typeface="KoPubWorld돋움체 Medium" panose="00000600000000000000" pitchFamily="2" charset="-127"/>
+                </a:rPr>
+                <a:t>PNCTIW_VERTEX  </a:t>
+              </a:r>
+              <a:r>
+                <a:rPr lang="ko-KR" altLang="en-US" sz="1000" spc="-150" dirty="0">
+                  <a:latin typeface="KoPubWorld돋움체 Medium" panose="00000600000000000000" pitchFamily="2" charset="-127"/>
+                  <a:ea typeface="KoPubWorld돋움체 Medium" panose="00000600000000000000" pitchFamily="2" charset="-127"/>
+                  <a:cs typeface="KoPubWorld돋움체 Medium" panose="00000600000000000000" pitchFamily="2" charset="-127"/>
+                </a:rPr>
+                <a:t>구조로 버퍼 생성</a:t>
+              </a:r>
+              <a:endParaRPr lang="en-US" altLang="ko-KR" sz="1000" spc="-150" dirty="0">
+                <a:latin typeface="KoPubWorld돋움체 Medium" panose="00000600000000000000" pitchFamily="2" charset="-127"/>
+                <a:ea typeface="KoPubWorld돋움체 Medium" panose="00000600000000000000" pitchFamily="2" charset="-127"/>
+                <a:cs typeface="KoPubWorld돋움체 Medium" panose="00000600000000000000" pitchFamily="2" charset="-127"/>
+              </a:endParaRPr>
+            </a:p>
+          </p:txBody>
+        </p:sp>
+        <p:sp>
+          <p:nvSpPr>
+            <p:cNvPr id="167" name="직사각형 166">
+              <a:extLst>
+                <a:ext uri="{FF2B5EF4-FFF2-40B4-BE49-F238E27FC236}">
+                  <a16:creationId xmlns:a16="http://schemas.microsoft.com/office/drawing/2014/main" id="{F8B28107-4542-4948-8590-294223CB617C}"/>
+                </a:ext>
+              </a:extLst>
+            </p:cNvPr>
+            <p:cNvSpPr/>
+            <p:nvPr/>
+          </p:nvSpPr>
+          <p:spPr>
+            <a:xfrm>
+              <a:off x="6862959" y="5996426"/>
+              <a:ext cx="106224" cy="324000"/>
+            </a:xfrm>
+            <a:prstGeom prst="rect">
+              <a:avLst/>
+            </a:prstGeom>
+            <a:solidFill>
+              <a:schemeClr val="bg1"/>
+            </a:solidFill>
+          </p:spPr>
+          <p:style>
+            <a:lnRef idx="2">
+              <a:schemeClr val="dk1"/>
+            </a:lnRef>
+            <a:fillRef idx="1">
+              <a:schemeClr val="lt1"/>
+            </a:fillRef>
+            <a:effectRef idx="0">
+              <a:schemeClr val="dk1"/>
+            </a:effectRef>
+            <a:fontRef idx="minor">
+              <a:schemeClr val="dk1"/>
+            </a:fontRef>
+          </p:style>
+          <p:txBody>
+            <a:bodyPr rtlCol="0" anchor="ctr"/>
+            <a:lstStyle/>
+            <a:p>
+              <a:pPr algn="ctr"/>
+              <a:endParaRPr lang="en-US" altLang="ko-KR" sz="1200" dirty="0">
+                <a:latin typeface="KoPubWorld돋움체 Medium" panose="00000600000000000000" pitchFamily="2" charset="-127"/>
+                <a:ea typeface="KoPubWorld돋움체 Medium" panose="00000600000000000000" pitchFamily="2" charset="-127"/>
+                <a:cs typeface="KoPubWorld돋움체 Medium" panose="00000600000000000000" pitchFamily="2" charset="-127"/>
+              </a:endParaRPr>
+            </a:p>
+          </p:txBody>
+        </p:sp>
+        <p:grpSp>
+          <p:nvGrpSpPr>
+            <p:cNvPr id="173" name="그룹 172">
+              <a:extLst>
+                <a:ext uri="{FF2B5EF4-FFF2-40B4-BE49-F238E27FC236}">
+                  <a16:creationId xmlns:a16="http://schemas.microsoft.com/office/drawing/2014/main" id="{E6F7208A-E9D8-4742-B24B-BC07C272F5E7}"/>
+                </a:ext>
+              </a:extLst>
+            </p:cNvPr>
+            <p:cNvGrpSpPr/>
+            <p:nvPr/>
+          </p:nvGrpSpPr>
+          <p:grpSpPr>
+            <a:xfrm>
+              <a:off x="2191868" y="6330074"/>
+              <a:ext cx="3294699" cy="246221"/>
+              <a:chOff x="2917672" y="3784529"/>
+              <a:chExt cx="1298895" cy="246221"/>
+            </a:xfrm>
+          </p:grpSpPr>
+          <p:cxnSp>
+            <p:nvCxnSpPr>
+              <p:cNvPr id="174" name="직선 화살표 연결선 173">
+                <a:extLst>
+                  <a:ext uri="{FF2B5EF4-FFF2-40B4-BE49-F238E27FC236}">
+                    <a16:creationId xmlns:a16="http://schemas.microsoft.com/office/drawing/2014/main" id="{C10900E7-E0FD-4219-BE76-C3F5306CD5D9}"/>
+                  </a:ext>
+                </a:extLst>
+              </p:cNvPr>
+              <p:cNvCxnSpPr>
+                <a:cxnSpLocks/>
+              </p:cNvCxnSpPr>
+              <p:nvPr/>
+            </p:nvCxnSpPr>
+            <p:spPr>
+              <a:xfrm flipH="1">
+                <a:off x="2917672" y="4000205"/>
+                <a:ext cx="1298895" cy="0"/>
+              </a:xfrm>
+              <a:prstGeom prst="straightConnector1">
+                <a:avLst/>
+              </a:prstGeom>
+              <a:ln>
+                <a:prstDash val="dash"/>
+                <a:headEnd type="none" w="lg" len="med"/>
+                <a:tailEnd type="triangle" w="lg" len="lg"/>
+              </a:ln>
+            </p:spPr>
+            <p:style>
+              <a:lnRef idx="1">
+                <a:schemeClr val="dk1"/>
+              </a:lnRef>
+              <a:fillRef idx="0">
+                <a:schemeClr val="dk1"/>
+              </a:fillRef>
+              <a:effectRef idx="0">
+                <a:schemeClr val="dk1"/>
+              </a:effectRef>
+              <a:fontRef idx="minor">
+                <a:schemeClr val="tx1"/>
+              </a:fontRef>
+            </p:style>
+          </p:cxnSp>
+          <p:sp>
+            <p:nvSpPr>
+              <p:cNvPr id="175" name="TextBox 174">
+                <a:extLst>
+                  <a:ext uri="{FF2B5EF4-FFF2-40B4-BE49-F238E27FC236}">
+                    <a16:creationId xmlns:a16="http://schemas.microsoft.com/office/drawing/2014/main" id="{443347E4-CA1F-4525-8D8E-0CB8C5526FAF}"/>
+                  </a:ext>
+                </a:extLst>
+              </p:cNvPr>
+              <p:cNvSpPr txBox="1"/>
+              <p:nvPr/>
+            </p:nvSpPr>
+            <p:spPr>
+              <a:xfrm>
+                <a:off x="3278425" y="3784529"/>
+                <a:ext cx="535724" cy="246221"/>
+              </a:xfrm>
+              <a:prstGeom prst="rect">
+                <a:avLst/>
+              </a:prstGeom>
+              <a:noFill/>
+            </p:spPr>
+            <p:txBody>
+              <a:bodyPr wrap="square" rtlCol="0">
+                <a:spAutoFit/>
+              </a:bodyPr>
+              <a:lstStyle/>
+              <a:p>
+                <a:pPr algn="r"/>
+                <a:r>
+                  <a:rPr lang="en-US" altLang="ko-KR" sz="1000" dirty="0">
+                    <a:latin typeface="KoPubWorld돋움체 Medium" panose="00000600000000000000" pitchFamily="2" charset="-127"/>
+                    <a:ea typeface="KoPubWorld돋움체 Medium" panose="00000600000000000000" pitchFamily="2" charset="-127"/>
+                    <a:cs typeface="KoPubWorld돋움체 Medium" panose="00000600000000000000" pitchFamily="2" charset="-127"/>
+                  </a:rPr>
+                  <a:t>return;</a:t>
+                </a:r>
+                <a:endParaRPr lang="ko-KR" altLang="en-US" sz="1000" dirty="0">
+                  <a:latin typeface="KoPubWorld돋움체 Medium" panose="00000600000000000000" pitchFamily="2" charset="-127"/>
+                  <a:ea typeface="KoPubWorld돋움체 Medium" panose="00000600000000000000" pitchFamily="2" charset="-127"/>
+                  <a:cs typeface="KoPubWorld돋움체 Medium" panose="00000600000000000000" pitchFamily="2" charset="-127"/>
+                </a:endParaRPr>
+              </a:p>
+            </p:txBody>
+          </p:sp>
+        </p:grpSp>
+        <p:grpSp>
+          <p:nvGrpSpPr>
+            <p:cNvPr id="161" name="그룹 160">
+              <a:extLst>
+                <a:ext uri="{FF2B5EF4-FFF2-40B4-BE49-F238E27FC236}">
+                  <a16:creationId xmlns:a16="http://schemas.microsoft.com/office/drawing/2014/main" id="{89C729E3-5EAC-4430-9107-7884DFB5DF39}"/>
+                </a:ext>
+              </a:extLst>
+            </p:cNvPr>
+            <p:cNvGrpSpPr/>
+            <p:nvPr/>
+          </p:nvGrpSpPr>
+          <p:grpSpPr>
+            <a:xfrm>
+              <a:off x="5556435" y="5846977"/>
+              <a:ext cx="1372465" cy="246221"/>
+              <a:chOff x="2930013" y="5274178"/>
+              <a:chExt cx="1276192" cy="246221"/>
+            </a:xfrm>
+          </p:grpSpPr>
+          <p:cxnSp>
+            <p:nvCxnSpPr>
+              <p:cNvPr id="165" name="직선 화살표 연결선 164">
+                <a:extLst>
+                  <a:ext uri="{FF2B5EF4-FFF2-40B4-BE49-F238E27FC236}">
+                    <a16:creationId xmlns:a16="http://schemas.microsoft.com/office/drawing/2014/main" id="{6B696E69-A4B9-43E1-93E0-1441B02DAF69}"/>
+                  </a:ext>
+                </a:extLst>
+              </p:cNvPr>
+              <p:cNvCxnSpPr>
+                <a:cxnSpLocks/>
+              </p:cNvCxnSpPr>
+              <p:nvPr/>
+            </p:nvCxnSpPr>
+            <p:spPr>
+              <a:xfrm>
+                <a:off x="2930013" y="5478412"/>
+                <a:ext cx="1276192" cy="0"/>
+              </a:xfrm>
+              <a:prstGeom prst="straightConnector1">
+                <a:avLst/>
+              </a:prstGeom>
+              <a:ln>
+                <a:tailEnd type="triangle" w="lg" len="lg"/>
+              </a:ln>
+            </p:spPr>
+            <p:style>
+              <a:lnRef idx="1">
+                <a:schemeClr val="dk1"/>
+              </a:lnRef>
+              <a:fillRef idx="0">
+                <a:schemeClr val="dk1"/>
+              </a:fillRef>
+              <a:effectRef idx="0">
+                <a:schemeClr val="dk1"/>
+              </a:effectRef>
+              <a:fontRef idx="minor">
+                <a:schemeClr val="tx1"/>
+              </a:fontRef>
+            </p:style>
+          </p:cxnSp>
+          <p:sp>
+            <p:nvSpPr>
+              <p:cNvPr id="166" name="TextBox 165">
+                <a:extLst>
+                  <a:ext uri="{FF2B5EF4-FFF2-40B4-BE49-F238E27FC236}">
+                    <a16:creationId xmlns:a16="http://schemas.microsoft.com/office/drawing/2014/main" id="{A50AB8A1-0C65-4D7F-9A38-620132117378}"/>
+                  </a:ext>
+                </a:extLst>
+              </p:cNvPr>
+              <p:cNvSpPr txBox="1"/>
+              <p:nvPr/>
+            </p:nvSpPr>
+            <p:spPr>
+              <a:xfrm>
+                <a:off x="3037393" y="5274178"/>
+                <a:ext cx="1022969" cy="246221"/>
+              </a:xfrm>
+              <a:prstGeom prst="rect">
+                <a:avLst/>
+              </a:prstGeom>
+              <a:noFill/>
+            </p:spPr>
+            <p:txBody>
+              <a:bodyPr wrap="square" rtlCol="0">
+                <a:spAutoFit/>
+              </a:bodyPr>
+              <a:lstStyle/>
+              <a:p>
+                <a:pPr algn="ctr"/>
+                <a:r>
+                  <a:rPr lang="en-US" altLang="ko-KR" sz="1000" dirty="0" err="1">
+                    <a:latin typeface="KoPubWorld돋움체 Medium" panose="00000600000000000000" pitchFamily="2" charset="-127"/>
+                    <a:ea typeface="KoPubWorld돋움체 Medium" panose="00000600000000000000" pitchFamily="2" charset="-127"/>
+                    <a:cs typeface="KoPubWorld돋움체 Medium" panose="00000600000000000000" pitchFamily="2" charset="-127"/>
+                  </a:rPr>
+                  <a:t>PreRender</a:t>
+                </a:r>
+                <a:r>
+                  <a:rPr lang="en-US" altLang="ko-KR" sz="1000" dirty="0">
+                    <a:latin typeface="KoPubWorld돋움체 Medium" panose="00000600000000000000" pitchFamily="2" charset="-127"/>
+                    <a:ea typeface="KoPubWorld돋움체 Medium" panose="00000600000000000000" pitchFamily="2" charset="-127"/>
+                    <a:cs typeface="KoPubWorld돋움체 Medium" panose="00000600000000000000" pitchFamily="2" charset="-127"/>
+                  </a:rPr>
+                  <a:t>()</a:t>
+                </a:r>
+                <a:endParaRPr lang="ko-KR" altLang="en-US" sz="1000" dirty="0">
+                  <a:latin typeface="KoPubWorld돋움체 Medium" panose="00000600000000000000" pitchFamily="2" charset="-127"/>
+                  <a:ea typeface="KoPubWorld돋움체 Medium" panose="00000600000000000000" pitchFamily="2" charset="-127"/>
+                  <a:cs typeface="KoPubWorld돋움체 Medium" panose="00000600000000000000" pitchFamily="2" charset="-127"/>
+                </a:endParaRPr>
+              </a:p>
+            </p:txBody>
+          </p:sp>
+        </p:grpSp>
+        <p:grpSp>
+          <p:nvGrpSpPr>
+            <p:cNvPr id="176" name="그룹 175">
+              <a:extLst>
+                <a:ext uri="{FF2B5EF4-FFF2-40B4-BE49-F238E27FC236}">
+                  <a16:creationId xmlns:a16="http://schemas.microsoft.com/office/drawing/2014/main" id="{BDF0D727-B209-4F48-A53B-83B0EEF5752F}"/>
+                </a:ext>
+              </a:extLst>
+            </p:cNvPr>
+            <p:cNvGrpSpPr/>
+            <p:nvPr/>
+          </p:nvGrpSpPr>
+          <p:grpSpPr>
+            <a:xfrm>
+              <a:off x="5530829" y="6103305"/>
+              <a:ext cx="1326839" cy="246221"/>
+              <a:chOff x="2917672" y="3784529"/>
+              <a:chExt cx="1298895" cy="246221"/>
+            </a:xfrm>
+          </p:grpSpPr>
+          <p:cxnSp>
+            <p:nvCxnSpPr>
+              <p:cNvPr id="177" name="직선 화살표 연결선 176">
+                <a:extLst>
+                  <a:ext uri="{FF2B5EF4-FFF2-40B4-BE49-F238E27FC236}">
+                    <a16:creationId xmlns:a16="http://schemas.microsoft.com/office/drawing/2014/main" id="{0C714BD2-D541-4606-B009-0000251584BE}"/>
+                  </a:ext>
+                </a:extLst>
+              </p:cNvPr>
+              <p:cNvCxnSpPr>
+                <a:cxnSpLocks/>
+              </p:cNvCxnSpPr>
+              <p:nvPr/>
+            </p:nvCxnSpPr>
+            <p:spPr>
+              <a:xfrm flipH="1">
+                <a:off x="2917672" y="4000205"/>
+                <a:ext cx="1298895" cy="0"/>
+              </a:xfrm>
+              <a:prstGeom prst="straightConnector1">
+                <a:avLst/>
+              </a:prstGeom>
+              <a:ln>
+                <a:prstDash val="dash"/>
+                <a:headEnd type="none" w="lg" len="med"/>
+                <a:tailEnd type="triangle" w="lg" len="lg"/>
+              </a:ln>
+            </p:spPr>
+            <p:style>
+              <a:lnRef idx="1">
+                <a:schemeClr val="dk1"/>
+              </a:lnRef>
+              <a:fillRef idx="0">
+                <a:schemeClr val="dk1"/>
+              </a:fillRef>
+              <a:effectRef idx="0">
+                <a:schemeClr val="dk1"/>
+              </a:effectRef>
+              <a:fontRef idx="minor">
+                <a:schemeClr val="tx1"/>
+              </a:fontRef>
+            </p:style>
+          </p:cxnSp>
+          <p:sp>
+            <p:nvSpPr>
+              <p:cNvPr id="178" name="TextBox 177">
+                <a:extLst>
+                  <a:ext uri="{FF2B5EF4-FFF2-40B4-BE49-F238E27FC236}">
+                    <a16:creationId xmlns:a16="http://schemas.microsoft.com/office/drawing/2014/main" id="{B03C54C9-5437-47EF-9265-A553B7CE8DB8}"/>
+                  </a:ext>
+                </a:extLst>
+              </p:cNvPr>
+              <p:cNvSpPr txBox="1"/>
+              <p:nvPr/>
+            </p:nvSpPr>
+            <p:spPr>
+              <a:xfrm>
+                <a:off x="3278425" y="3784529"/>
+                <a:ext cx="535724" cy="246221"/>
+              </a:xfrm>
+              <a:prstGeom prst="rect">
+                <a:avLst/>
+              </a:prstGeom>
+              <a:noFill/>
+            </p:spPr>
+            <p:txBody>
+              <a:bodyPr wrap="square" rtlCol="0">
+                <a:spAutoFit/>
+              </a:bodyPr>
+              <a:lstStyle/>
+              <a:p>
+                <a:pPr algn="r"/>
+                <a:r>
+                  <a:rPr lang="en-US" altLang="ko-KR" sz="1000" dirty="0">
+                    <a:latin typeface="KoPubWorld돋움체 Medium" panose="00000600000000000000" pitchFamily="2" charset="-127"/>
+                    <a:ea typeface="KoPubWorld돋움체 Medium" panose="00000600000000000000" pitchFamily="2" charset="-127"/>
+                    <a:cs typeface="KoPubWorld돋움체 Medium" panose="00000600000000000000" pitchFamily="2" charset="-127"/>
+                  </a:rPr>
+                  <a:t>return;</a:t>
+                </a:r>
+                <a:endParaRPr lang="ko-KR" altLang="en-US" sz="1000" dirty="0">
+                  <a:latin typeface="KoPubWorld돋움체 Medium" panose="00000600000000000000" pitchFamily="2" charset="-127"/>
+                  <a:ea typeface="KoPubWorld돋움체 Medium" panose="00000600000000000000" pitchFamily="2" charset="-127"/>
+                  <a:cs typeface="KoPubWorld돋움체 Medium" panose="00000600000000000000" pitchFamily="2" charset="-127"/>
+                </a:endParaRPr>
+              </a:p>
+            </p:txBody>
+          </p:sp>
+        </p:grpSp>
+        <p:sp>
+          <p:nvSpPr>
+            <p:cNvPr id="179" name="사각형: 잘린 한쪽 모서리 178">
+              <a:extLst>
+                <a:ext uri="{FF2B5EF4-FFF2-40B4-BE49-F238E27FC236}">
+                  <a16:creationId xmlns:a16="http://schemas.microsoft.com/office/drawing/2014/main" id="{FBB4A2C0-7002-4A9C-B60D-B4DD3E1D962A}"/>
+                </a:ext>
+              </a:extLst>
+            </p:cNvPr>
+            <p:cNvSpPr/>
+            <p:nvPr/>
+          </p:nvSpPr>
+          <p:spPr>
+            <a:xfrm>
+              <a:off x="5588640" y="5561217"/>
+              <a:ext cx="1144405" cy="292661"/>
+            </a:xfrm>
+            <a:prstGeom prst="snip1Rect">
+              <a:avLst/>
+            </a:prstGeom>
+          </p:spPr>
+          <p:style>
+            <a:lnRef idx="2">
+              <a:schemeClr val="dk1"/>
+            </a:lnRef>
+            <a:fillRef idx="1">
+              <a:schemeClr val="lt1"/>
+            </a:fillRef>
+            <a:effectRef idx="0">
+              <a:schemeClr val="dk1"/>
+            </a:effectRef>
+            <a:fontRef idx="minor">
+              <a:schemeClr val="dk1"/>
+            </a:fontRef>
+          </p:style>
+          <p:txBody>
+            <a:bodyPr rtlCol="0" anchor="ctr"/>
+            <a:lstStyle/>
+            <a:p>
+              <a:pPr algn="ctr"/>
+              <a:r>
+                <a:rPr lang="ko-KR" altLang="en-US" sz="1000" spc="-150" dirty="0">
+                  <a:latin typeface="KoPubWorld돋움체 Medium" panose="00000600000000000000" pitchFamily="2" charset="-127"/>
+                  <a:ea typeface="KoPubWorld돋움체 Medium" panose="00000600000000000000" pitchFamily="2" charset="-127"/>
+                  <a:cs typeface="KoPubWorld돋움체 Medium" panose="00000600000000000000" pitchFamily="2" charset="-127"/>
+                </a:rPr>
+                <a:t>애니메이션 적용</a:t>
+              </a:r>
+              <a:r>
+                <a:rPr lang="en-US" altLang="ko-KR" sz="1000" spc="-150" dirty="0">
+                  <a:latin typeface="KoPubWorld돋움체 Medium" panose="00000600000000000000" pitchFamily="2" charset="-127"/>
+                  <a:ea typeface="KoPubWorld돋움체 Medium" panose="00000600000000000000" pitchFamily="2" charset="-127"/>
+                  <a:cs typeface="KoPubWorld돋움체 Medium" panose="00000600000000000000" pitchFamily="2" charset="-127"/>
+                </a:rPr>
+                <a:t>, </a:t>
+              </a:r>
+              <a:r>
+                <a:rPr lang="ko-KR" altLang="en-US" sz="1000" spc="-150" dirty="0" err="1">
+                  <a:latin typeface="KoPubWorld돋움체 Medium" panose="00000600000000000000" pitchFamily="2" charset="-127"/>
+                  <a:ea typeface="KoPubWorld돋움체 Medium" panose="00000600000000000000" pitchFamily="2" charset="-127"/>
+                  <a:cs typeface="KoPubWorld돋움체 Medium" panose="00000600000000000000" pitchFamily="2" charset="-127"/>
+                </a:rPr>
+                <a:t>렌더</a:t>
+              </a:r>
+              <a:endParaRPr lang="en-US" altLang="ko-KR" sz="1000" spc="-150" dirty="0">
+                <a:latin typeface="KoPubWorld돋움체 Medium" panose="00000600000000000000" pitchFamily="2" charset="-127"/>
+                <a:ea typeface="KoPubWorld돋움체 Medium" panose="00000600000000000000" pitchFamily="2" charset="-127"/>
+                <a:cs typeface="KoPubWorld돋움체 Medium" panose="00000600000000000000" pitchFamily="2" charset="-127"/>
+              </a:endParaRPr>
+            </a:p>
+          </p:txBody>
+        </p:sp>
+        <p:grpSp>
+          <p:nvGrpSpPr>
+            <p:cNvPr id="180" name="그룹 179">
+              <a:extLst>
+                <a:ext uri="{FF2B5EF4-FFF2-40B4-BE49-F238E27FC236}">
+                  <a16:creationId xmlns:a16="http://schemas.microsoft.com/office/drawing/2014/main" id="{9AE6C5DD-9647-4138-9157-1ECCA9A493A9}"/>
+                </a:ext>
+              </a:extLst>
+            </p:cNvPr>
+            <p:cNvGrpSpPr/>
+            <p:nvPr/>
+          </p:nvGrpSpPr>
+          <p:grpSpPr>
+            <a:xfrm>
+              <a:off x="3215724" y="6741374"/>
+              <a:ext cx="1216576" cy="246221"/>
+              <a:chOff x="2819665" y="5274178"/>
+              <a:chExt cx="1458424" cy="246221"/>
+            </a:xfrm>
+          </p:grpSpPr>
+          <p:cxnSp>
+            <p:nvCxnSpPr>
+              <p:cNvPr id="181" name="직선 화살표 연결선 180">
+                <a:extLst>
+                  <a:ext uri="{FF2B5EF4-FFF2-40B4-BE49-F238E27FC236}">
+                    <a16:creationId xmlns:a16="http://schemas.microsoft.com/office/drawing/2014/main" id="{EF6E7920-9000-4BAD-8B94-4F9D4FDA4F56}"/>
+                  </a:ext>
+                </a:extLst>
+              </p:cNvPr>
+              <p:cNvCxnSpPr>
+                <a:cxnSpLocks/>
+              </p:cNvCxnSpPr>
+              <p:nvPr/>
+            </p:nvCxnSpPr>
+            <p:spPr>
+              <a:xfrm>
+                <a:off x="2930013" y="5478412"/>
+                <a:ext cx="1276192" cy="0"/>
+              </a:xfrm>
+              <a:prstGeom prst="straightConnector1">
+                <a:avLst/>
+              </a:prstGeom>
+              <a:ln>
+                <a:tailEnd type="triangle" w="lg" len="lg"/>
+              </a:ln>
+            </p:spPr>
+            <p:style>
+              <a:lnRef idx="1">
+                <a:schemeClr val="dk1"/>
+              </a:lnRef>
+              <a:fillRef idx="0">
+                <a:schemeClr val="dk1"/>
+              </a:fillRef>
+              <a:effectRef idx="0">
+                <a:schemeClr val="dk1"/>
+              </a:effectRef>
+              <a:fontRef idx="minor">
+                <a:schemeClr val="tx1"/>
+              </a:fontRef>
+            </p:style>
+          </p:cxnSp>
+          <p:sp>
+            <p:nvSpPr>
+              <p:cNvPr id="182" name="TextBox 181">
+                <a:extLst>
+                  <a:ext uri="{FF2B5EF4-FFF2-40B4-BE49-F238E27FC236}">
+                    <a16:creationId xmlns:a16="http://schemas.microsoft.com/office/drawing/2014/main" id="{A56E8A77-3443-4418-AD92-396483E76B1D}"/>
+                  </a:ext>
+                </a:extLst>
+              </p:cNvPr>
+              <p:cNvSpPr txBox="1"/>
+              <p:nvPr/>
+            </p:nvSpPr>
+            <p:spPr>
+              <a:xfrm>
+                <a:off x="2819665" y="5274178"/>
+                <a:ext cx="1458424" cy="246221"/>
+              </a:xfrm>
+              <a:prstGeom prst="rect">
+                <a:avLst/>
+              </a:prstGeom>
+              <a:noFill/>
+            </p:spPr>
+            <p:txBody>
+              <a:bodyPr wrap="square" rtlCol="0">
+                <a:spAutoFit/>
+              </a:bodyPr>
+              <a:lstStyle/>
+              <a:p>
+                <a:pPr algn="ctr"/>
+                <a:r>
+                  <a:rPr lang="en-US" altLang="ko-KR" sz="1000" dirty="0" err="1">
+                    <a:latin typeface="KoPubWorld돋움체 Medium" panose="00000600000000000000" pitchFamily="2" charset="-127"/>
+                    <a:ea typeface="KoPubWorld돋움체 Medium" panose="00000600000000000000" pitchFamily="2" charset="-127"/>
+                    <a:cs typeface="KoPubWorld돋움체 Medium" panose="00000600000000000000" pitchFamily="2" charset="-127"/>
+                  </a:rPr>
+                  <a:t>GameRelease</a:t>
+                </a:r>
+                <a:r>
+                  <a:rPr lang="en-US" altLang="ko-KR" sz="1000" dirty="0">
+                    <a:latin typeface="KoPubWorld돋움체 Medium" panose="00000600000000000000" pitchFamily="2" charset="-127"/>
+                    <a:ea typeface="KoPubWorld돋움체 Medium" panose="00000600000000000000" pitchFamily="2" charset="-127"/>
+                    <a:cs typeface="KoPubWorld돋움체 Medium" panose="00000600000000000000" pitchFamily="2" charset="-127"/>
+                  </a:rPr>
+                  <a:t>()</a:t>
+                </a:r>
+                <a:endParaRPr lang="ko-KR" altLang="en-US" sz="1000" dirty="0">
+                  <a:latin typeface="KoPubWorld돋움체 Medium" panose="00000600000000000000" pitchFamily="2" charset="-127"/>
+                  <a:ea typeface="KoPubWorld돋움체 Medium" panose="00000600000000000000" pitchFamily="2" charset="-127"/>
+                  <a:cs typeface="KoPubWorld돋움체 Medium" panose="00000600000000000000" pitchFamily="2" charset="-127"/>
+                </a:endParaRPr>
+              </a:p>
+            </p:txBody>
+          </p:sp>
+        </p:grpSp>
+        <p:grpSp>
+          <p:nvGrpSpPr>
+            <p:cNvPr id="183" name="그룹 182">
+              <a:extLst>
+                <a:ext uri="{FF2B5EF4-FFF2-40B4-BE49-F238E27FC236}">
+                  <a16:creationId xmlns:a16="http://schemas.microsoft.com/office/drawing/2014/main" id="{5FD3A2AA-5506-4A57-9379-D58DE0A4CEEA}"/>
+                </a:ext>
+              </a:extLst>
+            </p:cNvPr>
+            <p:cNvGrpSpPr/>
+            <p:nvPr/>
+          </p:nvGrpSpPr>
+          <p:grpSpPr>
+            <a:xfrm flipH="1">
+              <a:off x="2191869" y="6961715"/>
+              <a:ext cx="2194060" cy="246221"/>
+              <a:chOff x="2930013" y="5274178"/>
+              <a:chExt cx="1276192" cy="246221"/>
+            </a:xfrm>
+          </p:grpSpPr>
+          <p:cxnSp>
+            <p:nvCxnSpPr>
+              <p:cNvPr id="184" name="직선 화살표 연결선 183">
+                <a:extLst>
+                  <a:ext uri="{FF2B5EF4-FFF2-40B4-BE49-F238E27FC236}">
+                    <a16:creationId xmlns:a16="http://schemas.microsoft.com/office/drawing/2014/main" id="{3D822063-54A4-41E4-8DE3-D7D159C52685}"/>
+                  </a:ext>
+                </a:extLst>
+              </p:cNvPr>
+              <p:cNvCxnSpPr>
+                <a:cxnSpLocks/>
+              </p:cNvCxnSpPr>
+              <p:nvPr/>
+            </p:nvCxnSpPr>
+            <p:spPr>
+              <a:xfrm>
+                <a:off x="2930013" y="5478412"/>
+                <a:ext cx="1276192" cy="0"/>
+              </a:xfrm>
+              <a:prstGeom prst="straightConnector1">
+                <a:avLst/>
+              </a:prstGeom>
+              <a:ln>
+                <a:tailEnd type="triangle" w="lg" len="lg"/>
+              </a:ln>
+            </p:spPr>
+            <p:style>
+              <a:lnRef idx="1">
+                <a:schemeClr val="dk1"/>
+              </a:lnRef>
+              <a:fillRef idx="0">
+                <a:schemeClr val="dk1"/>
+              </a:fillRef>
+              <a:effectRef idx="0">
+                <a:schemeClr val="dk1"/>
+              </a:effectRef>
+              <a:fontRef idx="minor">
+                <a:schemeClr val="tx1"/>
+              </a:fontRef>
+            </p:style>
+          </p:cxnSp>
+          <p:sp>
+            <p:nvSpPr>
+              <p:cNvPr id="185" name="TextBox 184">
+                <a:extLst>
+                  <a:ext uri="{FF2B5EF4-FFF2-40B4-BE49-F238E27FC236}">
+                    <a16:creationId xmlns:a16="http://schemas.microsoft.com/office/drawing/2014/main" id="{8051939A-990B-4B12-AC7E-904B93F8F4E5}"/>
+                  </a:ext>
+                </a:extLst>
+              </p:cNvPr>
+              <p:cNvSpPr txBox="1"/>
+              <p:nvPr/>
+            </p:nvSpPr>
+            <p:spPr>
+              <a:xfrm>
+                <a:off x="3037393" y="5274178"/>
+                <a:ext cx="467637" cy="246221"/>
+              </a:xfrm>
+              <a:prstGeom prst="rect">
+                <a:avLst/>
+              </a:prstGeom>
+              <a:noFill/>
+            </p:spPr>
+            <p:txBody>
+              <a:bodyPr wrap="square" rtlCol="0">
+                <a:spAutoFit/>
+              </a:bodyPr>
+              <a:lstStyle/>
+              <a:p>
+                <a:pPr algn="ctr"/>
+                <a:r>
+                  <a:rPr lang="en-US" altLang="ko-KR" sz="1000" dirty="0">
+                    <a:latin typeface="KoPubWorld돋움체 Medium" panose="00000600000000000000" pitchFamily="2" charset="-127"/>
+                    <a:ea typeface="KoPubWorld돋움체 Medium" panose="00000600000000000000" pitchFamily="2" charset="-127"/>
+                    <a:cs typeface="KoPubWorld돋움체 Medium" panose="00000600000000000000" pitchFamily="2" charset="-127"/>
+                  </a:rPr>
+                  <a:t>Release()</a:t>
+                </a:r>
+                <a:endParaRPr lang="ko-KR" altLang="en-US" sz="1000" dirty="0">
+                  <a:latin typeface="KoPubWorld돋움체 Medium" panose="00000600000000000000" pitchFamily="2" charset="-127"/>
+                  <a:ea typeface="KoPubWorld돋움체 Medium" panose="00000600000000000000" pitchFamily="2" charset="-127"/>
+                  <a:cs typeface="KoPubWorld돋움체 Medium" panose="00000600000000000000" pitchFamily="2" charset="-127"/>
+                </a:endParaRPr>
+              </a:p>
+            </p:txBody>
+          </p:sp>
+        </p:grpSp>
+        <p:grpSp>
+          <p:nvGrpSpPr>
+            <p:cNvPr id="186" name="그룹 185">
+              <a:extLst>
+                <a:ext uri="{FF2B5EF4-FFF2-40B4-BE49-F238E27FC236}">
+                  <a16:creationId xmlns:a16="http://schemas.microsoft.com/office/drawing/2014/main" id="{C39B0105-E264-4A57-8C30-07A0E33572E9}"/>
+                </a:ext>
+              </a:extLst>
+            </p:cNvPr>
+            <p:cNvGrpSpPr/>
+            <p:nvPr/>
+          </p:nvGrpSpPr>
+          <p:grpSpPr>
+            <a:xfrm>
+              <a:off x="2191867" y="7166213"/>
+              <a:ext cx="3291519" cy="246221"/>
+              <a:chOff x="2930013" y="5274178"/>
+              <a:chExt cx="1276192" cy="246221"/>
+            </a:xfrm>
+          </p:grpSpPr>
+          <p:cxnSp>
+            <p:nvCxnSpPr>
+              <p:cNvPr id="187" name="직선 화살표 연결선 186">
+                <a:extLst>
+                  <a:ext uri="{FF2B5EF4-FFF2-40B4-BE49-F238E27FC236}">
+                    <a16:creationId xmlns:a16="http://schemas.microsoft.com/office/drawing/2014/main" id="{E9FFD799-418B-41D4-95A6-0D3C69C5F64B}"/>
+                  </a:ext>
+                </a:extLst>
+              </p:cNvPr>
+              <p:cNvCxnSpPr>
+                <a:cxnSpLocks/>
+              </p:cNvCxnSpPr>
+              <p:nvPr/>
+            </p:nvCxnSpPr>
+            <p:spPr>
+              <a:xfrm>
+                <a:off x="2930013" y="5478412"/>
+                <a:ext cx="1276192" cy="0"/>
+              </a:xfrm>
+              <a:prstGeom prst="straightConnector1">
+                <a:avLst/>
+              </a:prstGeom>
+              <a:ln>
+                <a:tailEnd type="triangle" w="lg" len="lg"/>
+              </a:ln>
+            </p:spPr>
+            <p:style>
+              <a:lnRef idx="1">
+                <a:schemeClr val="dk1"/>
+              </a:lnRef>
+              <a:fillRef idx="0">
+                <a:schemeClr val="dk1"/>
+              </a:fillRef>
+              <a:effectRef idx="0">
+                <a:schemeClr val="dk1"/>
+              </a:effectRef>
+              <a:fontRef idx="minor">
+                <a:schemeClr val="tx1"/>
+              </a:fontRef>
+            </p:style>
+          </p:cxnSp>
+          <p:sp>
+            <p:nvSpPr>
+              <p:cNvPr id="188" name="TextBox 187">
+                <a:extLst>
+                  <a:ext uri="{FF2B5EF4-FFF2-40B4-BE49-F238E27FC236}">
+                    <a16:creationId xmlns:a16="http://schemas.microsoft.com/office/drawing/2014/main" id="{CC365DAE-B248-4280-A628-F4EDEC888441}"/>
+                  </a:ext>
+                </a:extLst>
+              </p:cNvPr>
+              <p:cNvSpPr txBox="1"/>
+              <p:nvPr/>
+            </p:nvSpPr>
+            <p:spPr>
+              <a:xfrm>
+                <a:off x="3037392" y="5274178"/>
+                <a:ext cx="1022969" cy="246221"/>
+              </a:xfrm>
+              <a:prstGeom prst="rect">
+                <a:avLst/>
+              </a:prstGeom>
+              <a:noFill/>
+            </p:spPr>
+            <p:txBody>
+              <a:bodyPr wrap="square" rtlCol="0">
+                <a:spAutoFit/>
+              </a:bodyPr>
+              <a:lstStyle/>
+              <a:p>
+                <a:pPr algn="ctr"/>
+                <a:r>
+                  <a:rPr lang="en-US" altLang="ko-KR" sz="1000" dirty="0">
+                    <a:latin typeface="KoPubWorld돋움체 Medium" panose="00000600000000000000" pitchFamily="2" charset="-127"/>
+                    <a:ea typeface="KoPubWorld돋움체 Medium" panose="00000600000000000000" pitchFamily="2" charset="-127"/>
+                    <a:cs typeface="KoPubWorld돋움체 Medium" panose="00000600000000000000" pitchFamily="2" charset="-127"/>
+                  </a:rPr>
+                  <a:t>Release()</a:t>
+                </a:r>
+                <a:endParaRPr lang="ko-KR" altLang="en-US" sz="1000" dirty="0">
+                  <a:latin typeface="KoPubWorld돋움체 Medium" panose="00000600000000000000" pitchFamily="2" charset="-127"/>
+                  <a:ea typeface="KoPubWorld돋움체 Medium" panose="00000600000000000000" pitchFamily="2" charset="-127"/>
+                  <a:cs typeface="KoPubWorld돋움체 Medium" panose="00000600000000000000" pitchFamily="2" charset="-127"/>
+                </a:endParaRPr>
+              </a:p>
+            </p:txBody>
+          </p:sp>
+        </p:grpSp>
       </p:grpSp>
     </p:spTree>
     <p:extLst>
